--- a/BankSystem/documentation/banksystem.pptx
+++ b/BankSystem/documentation/banksystem.pptx
@@ -296,7 +296,7 @@
           <a:p>
             <a:fld id="{A1903258-B850-4A7F-A54C-06CBD2E02BCF}" type="datetimeFigureOut">
               <a:rPr lang="ko-KR" altLang="en-US" smtClean="0"/>
-              <a:t>2018-10-25</a:t>
+              <a:t>2018-10-26</a:t>
             </a:fld>
             <a:endParaRPr lang="ko-KR" altLang="en-US"/>
           </a:p>
@@ -466,7 +466,7 @@
           <a:p>
             <a:fld id="{A1903258-B850-4A7F-A54C-06CBD2E02BCF}" type="datetimeFigureOut">
               <a:rPr lang="ko-KR" altLang="en-US" smtClean="0"/>
-              <a:t>2018-10-25</a:t>
+              <a:t>2018-10-26</a:t>
             </a:fld>
             <a:endParaRPr lang="ko-KR" altLang="en-US"/>
           </a:p>
@@ -646,7 +646,7 @@
           <a:p>
             <a:fld id="{A1903258-B850-4A7F-A54C-06CBD2E02BCF}" type="datetimeFigureOut">
               <a:rPr lang="ko-KR" altLang="en-US" smtClean="0"/>
-              <a:t>2018-10-25</a:t>
+              <a:t>2018-10-26</a:t>
             </a:fld>
             <a:endParaRPr lang="ko-KR" altLang="en-US"/>
           </a:p>
@@ -816,7 +816,7 @@
           <a:p>
             <a:fld id="{A1903258-B850-4A7F-A54C-06CBD2E02BCF}" type="datetimeFigureOut">
               <a:rPr lang="ko-KR" altLang="en-US" smtClean="0"/>
-              <a:t>2018-10-25</a:t>
+              <a:t>2018-10-26</a:t>
             </a:fld>
             <a:endParaRPr lang="ko-KR" altLang="en-US"/>
           </a:p>
@@ -1062,7 +1062,7 @@
           <a:p>
             <a:fld id="{A1903258-B850-4A7F-A54C-06CBD2E02BCF}" type="datetimeFigureOut">
               <a:rPr lang="ko-KR" altLang="en-US" smtClean="0"/>
-              <a:t>2018-10-25</a:t>
+              <a:t>2018-10-26</a:t>
             </a:fld>
             <a:endParaRPr lang="ko-KR" altLang="en-US"/>
           </a:p>
@@ -1350,7 +1350,7 @@
           <a:p>
             <a:fld id="{A1903258-B850-4A7F-A54C-06CBD2E02BCF}" type="datetimeFigureOut">
               <a:rPr lang="ko-KR" altLang="en-US" smtClean="0"/>
-              <a:t>2018-10-25</a:t>
+              <a:t>2018-10-26</a:t>
             </a:fld>
             <a:endParaRPr lang="ko-KR" altLang="en-US"/>
           </a:p>
@@ -1772,7 +1772,7 @@
           <a:p>
             <a:fld id="{A1903258-B850-4A7F-A54C-06CBD2E02BCF}" type="datetimeFigureOut">
               <a:rPr lang="ko-KR" altLang="en-US" smtClean="0"/>
-              <a:t>2018-10-25</a:t>
+              <a:t>2018-10-26</a:t>
             </a:fld>
             <a:endParaRPr lang="ko-KR" altLang="en-US"/>
           </a:p>
@@ -1890,7 +1890,7 @@
           <a:p>
             <a:fld id="{A1903258-B850-4A7F-A54C-06CBD2E02BCF}" type="datetimeFigureOut">
               <a:rPr lang="ko-KR" altLang="en-US" smtClean="0"/>
-              <a:t>2018-10-25</a:t>
+              <a:t>2018-10-26</a:t>
             </a:fld>
             <a:endParaRPr lang="ko-KR" altLang="en-US"/>
           </a:p>
@@ -1985,7 +1985,7 @@
           <a:p>
             <a:fld id="{A1903258-B850-4A7F-A54C-06CBD2E02BCF}" type="datetimeFigureOut">
               <a:rPr lang="ko-KR" altLang="en-US" smtClean="0"/>
-              <a:t>2018-10-25</a:t>
+              <a:t>2018-10-26</a:t>
             </a:fld>
             <a:endParaRPr lang="ko-KR" altLang="en-US"/>
           </a:p>
@@ -2262,7 +2262,7 @@
           <a:p>
             <a:fld id="{A1903258-B850-4A7F-A54C-06CBD2E02BCF}" type="datetimeFigureOut">
               <a:rPr lang="ko-KR" altLang="en-US" smtClean="0"/>
-              <a:t>2018-10-25</a:t>
+              <a:t>2018-10-26</a:t>
             </a:fld>
             <a:endParaRPr lang="ko-KR" altLang="en-US"/>
           </a:p>
@@ -2515,7 +2515,7 @@
           <a:p>
             <a:fld id="{A1903258-B850-4A7F-A54C-06CBD2E02BCF}" type="datetimeFigureOut">
               <a:rPr lang="ko-KR" altLang="en-US" smtClean="0"/>
-              <a:t>2018-10-25</a:t>
+              <a:t>2018-10-26</a:t>
             </a:fld>
             <a:endParaRPr lang="ko-KR" altLang="en-US"/>
           </a:p>
@@ -2728,7 +2728,7 @@
           <a:p>
             <a:fld id="{A1903258-B850-4A7F-A54C-06CBD2E02BCF}" type="datetimeFigureOut">
               <a:rPr lang="ko-KR" altLang="en-US" smtClean="0"/>
-              <a:t>2018-10-25</a:t>
+              <a:t>2018-10-26</a:t>
             </a:fld>
             <a:endParaRPr lang="ko-KR" altLang="en-US"/>
           </a:p>
@@ -7549,7 +7549,7 @@
                     <a:lstStyle/>
                     <a:p>
                       <a:pPr latinLnBrk="1"/>
-                      <a:endParaRPr lang="ko-KR" altLang="en-US" sz="1200">
+                      <a:endParaRPr lang="ko-KR" altLang="en-US" sz="1200" dirty="0">
                         <a:solidFill>
                           <a:schemeClr val="bg1"/>
                         </a:solidFill>
@@ -7568,7 +7568,7 @@
                     <a:lstStyle/>
                     <a:p>
                       <a:pPr latinLnBrk="1"/>
-                      <a:endParaRPr lang="ko-KR" altLang="en-US" sz="1200">
+                      <a:endParaRPr lang="ko-KR" altLang="en-US" sz="1200" dirty="0">
                         <a:solidFill>
                           <a:schemeClr val="bg1"/>
                         </a:solidFill>

--- a/BankSystem/documentation/banksystem.pptx
+++ b/BankSystem/documentation/banksystem.pptx
@@ -13,7 +13,8 @@
     <p:sldId id="259" r:id="rId7"/>
     <p:sldId id="264" r:id="rId8"/>
     <p:sldId id="266" r:id="rId9"/>
-    <p:sldId id="258" r:id="rId10"/>
+    <p:sldId id="267" r:id="rId10"/>
+    <p:sldId id="258" r:id="rId11"/>
   </p:sldIdLst>
   <p:sldSz cx="9144000" cy="6858000" type="screen4x3"/>
   <p:notesSz cx="6858000" cy="9144000"/>
@@ -296,7 +297,7 @@
           <a:p>
             <a:fld id="{A1903258-B850-4A7F-A54C-06CBD2E02BCF}" type="datetimeFigureOut">
               <a:rPr lang="ko-KR" altLang="en-US" smtClean="0"/>
-              <a:t>2018-10-26</a:t>
+              <a:t>2018-10-29</a:t>
             </a:fld>
             <a:endParaRPr lang="ko-KR" altLang="en-US"/>
           </a:p>
@@ -466,7 +467,7 @@
           <a:p>
             <a:fld id="{A1903258-B850-4A7F-A54C-06CBD2E02BCF}" type="datetimeFigureOut">
               <a:rPr lang="ko-KR" altLang="en-US" smtClean="0"/>
-              <a:t>2018-10-26</a:t>
+              <a:t>2018-10-29</a:t>
             </a:fld>
             <a:endParaRPr lang="ko-KR" altLang="en-US"/>
           </a:p>
@@ -646,7 +647,7 @@
           <a:p>
             <a:fld id="{A1903258-B850-4A7F-A54C-06CBD2E02BCF}" type="datetimeFigureOut">
               <a:rPr lang="ko-KR" altLang="en-US" smtClean="0"/>
-              <a:t>2018-10-26</a:t>
+              <a:t>2018-10-29</a:t>
             </a:fld>
             <a:endParaRPr lang="ko-KR" altLang="en-US"/>
           </a:p>
@@ -816,7 +817,7 @@
           <a:p>
             <a:fld id="{A1903258-B850-4A7F-A54C-06CBD2E02BCF}" type="datetimeFigureOut">
               <a:rPr lang="ko-KR" altLang="en-US" smtClean="0"/>
-              <a:t>2018-10-26</a:t>
+              <a:t>2018-10-29</a:t>
             </a:fld>
             <a:endParaRPr lang="ko-KR" altLang="en-US"/>
           </a:p>
@@ -1062,7 +1063,7 @@
           <a:p>
             <a:fld id="{A1903258-B850-4A7F-A54C-06CBD2E02BCF}" type="datetimeFigureOut">
               <a:rPr lang="ko-KR" altLang="en-US" smtClean="0"/>
-              <a:t>2018-10-26</a:t>
+              <a:t>2018-10-29</a:t>
             </a:fld>
             <a:endParaRPr lang="ko-KR" altLang="en-US"/>
           </a:p>
@@ -1350,7 +1351,7 @@
           <a:p>
             <a:fld id="{A1903258-B850-4A7F-A54C-06CBD2E02BCF}" type="datetimeFigureOut">
               <a:rPr lang="ko-KR" altLang="en-US" smtClean="0"/>
-              <a:t>2018-10-26</a:t>
+              <a:t>2018-10-29</a:t>
             </a:fld>
             <a:endParaRPr lang="ko-KR" altLang="en-US"/>
           </a:p>
@@ -1772,7 +1773,7 @@
           <a:p>
             <a:fld id="{A1903258-B850-4A7F-A54C-06CBD2E02BCF}" type="datetimeFigureOut">
               <a:rPr lang="ko-KR" altLang="en-US" smtClean="0"/>
-              <a:t>2018-10-26</a:t>
+              <a:t>2018-10-29</a:t>
             </a:fld>
             <a:endParaRPr lang="ko-KR" altLang="en-US"/>
           </a:p>
@@ -1890,7 +1891,7 @@
           <a:p>
             <a:fld id="{A1903258-B850-4A7F-A54C-06CBD2E02BCF}" type="datetimeFigureOut">
               <a:rPr lang="ko-KR" altLang="en-US" smtClean="0"/>
-              <a:t>2018-10-26</a:t>
+              <a:t>2018-10-29</a:t>
             </a:fld>
             <a:endParaRPr lang="ko-KR" altLang="en-US"/>
           </a:p>
@@ -1985,7 +1986,7 @@
           <a:p>
             <a:fld id="{A1903258-B850-4A7F-A54C-06CBD2E02BCF}" type="datetimeFigureOut">
               <a:rPr lang="ko-KR" altLang="en-US" smtClean="0"/>
-              <a:t>2018-10-26</a:t>
+              <a:t>2018-10-29</a:t>
             </a:fld>
             <a:endParaRPr lang="ko-KR" altLang="en-US"/>
           </a:p>
@@ -2262,7 +2263,7 @@
           <a:p>
             <a:fld id="{A1903258-B850-4A7F-A54C-06CBD2E02BCF}" type="datetimeFigureOut">
               <a:rPr lang="ko-KR" altLang="en-US" smtClean="0"/>
-              <a:t>2018-10-26</a:t>
+              <a:t>2018-10-29</a:t>
             </a:fld>
             <a:endParaRPr lang="ko-KR" altLang="en-US"/>
           </a:p>
@@ -2515,7 +2516,7 @@
           <a:p>
             <a:fld id="{A1903258-B850-4A7F-A54C-06CBD2E02BCF}" type="datetimeFigureOut">
               <a:rPr lang="ko-KR" altLang="en-US" smtClean="0"/>
-              <a:t>2018-10-26</a:t>
+              <a:t>2018-10-29</a:t>
             </a:fld>
             <a:endParaRPr lang="ko-KR" altLang="en-US"/>
           </a:p>
@@ -2728,7 +2729,7 @@
           <a:p>
             <a:fld id="{A1903258-B850-4A7F-A54C-06CBD2E02BCF}" type="datetimeFigureOut">
               <a:rPr lang="ko-KR" altLang="en-US" smtClean="0"/>
-              <a:t>2018-10-26</a:t>
+              <a:t>2018-10-29</a:t>
             </a:fld>
             <a:endParaRPr lang="ko-KR" altLang="en-US"/>
           </a:p>
@@ -3269,6 +3270,338 @@
     <p:extLst>
       <p:ext uri="{BB962C8B-B14F-4D97-AF65-F5344CB8AC3E}">
         <p14:creationId xmlns:p14="http://schemas.microsoft.com/office/powerpoint/2010/main" val="3772777258"/>
+      </p:ext>
+    </p:extLst>
+  </p:cSld>
+  <p:clrMapOvr>
+    <a:masterClrMapping/>
+  </p:clrMapOvr>
+</p:sld>
+</file>
+
+<file path=ppt/slides/slide10.xml><?xml version="1.0" encoding="utf-8"?>
+<p:sld xmlns:a="http://schemas.openxmlformats.org/drawingml/2006/main" xmlns:r="http://schemas.openxmlformats.org/officeDocument/2006/relationships" xmlns:p="http://schemas.openxmlformats.org/presentationml/2006/main">
+  <p:cSld>
+    <p:spTree>
+      <p:nvGrpSpPr>
+        <p:cNvPr id="1" name=""/>
+        <p:cNvGrpSpPr/>
+        <p:nvPr/>
+      </p:nvGrpSpPr>
+      <p:grpSpPr>
+        <a:xfrm>
+          <a:off x="0" y="0"/>
+          <a:ext cx="0" cy="0"/>
+          <a:chOff x="0" y="0"/>
+          <a:chExt cx="0" cy="0"/>
+        </a:xfrm>
+      </p:grpSpPr>
+      <p:sp>
+        <p:nvSpPr>
+          <p:cNvPr id="4" name="TextBox 3"/>
+          <p:cNvSpPr txBox="1"/>
+          <p:nvPr/>
+        </p:nvSpPr>
+        <p:spPr>
+          <a:xfrm>
+            <a:off x="683568" y="332656"/>
+            <a:ext cx="3024336" cy="369332"/>
+          </a:xfrm>
+          <a:prstGeom prst="rect">
+            <a:avLst/>
+          </a:prstGeom>
+          <a:noFill/>
+        </p:spPr>
+        <p:txBody>
+          <a:bodyPr wrap="square" rtlCol="0">
+            <a:spAutoFit/>
+          </a:bodyPr>
+          <a:lstStyle/>
+          <a:p>
+            <a:r>
+              <a:rPr lang="en-US" altLang="ko-KR" dirty="0" smtClean="0"/>
+              <a:t>Bank System</a:t>
+            </a:r>
+            <a:endParaRPr lang="ko-KR" altLang="en-US" dirty="0"/>
+          </a:p>
+        </p:txBody>
+      </p:sp>
+      <p:sp>
+        <p:nvSpPr>
+          <p:cNvPr id="5" name="TextBox 4"/>
+          <p:cNvSpPr txBox="1"/>
+          <p:nvPr/>
+        </p:nvSpPr>
+        <p:spPr>
+          <a:xfrm>
+            <a:off x="683568" y="908720"/>
+            <a:ext cx="4536504" cy="646331"/>
+          </a:xfrm>
+          <a:prstGeom prst="rect">
+            <a:avLst/>
+          </a:prstGeom>
+          <a:noFill/>
+        </p:spPr>
+        <p:txBody>
+          <a:bodyPr wrap="square" rtlCol="0">
+            <a:spAutoFit/>
+          </a:bodyPr>
+          <a:lstStyle/>
+          <a:p>
+            <a:pPr marL="342900" indent="-342900">
+              <a:buAutoNum type="arabicPeriod"/>
+            </a:pPr>
+            <a:r>
+              <a:rPr lang="ko-KR" altLang="en-US" dirty="0" err="1" smtClean="0"/>
+              <a:t>메인화면</a:t>
+            </a:r>
+            <a:r>
+              <a:rPr lang="ko-KR" altLang="en-US" dirty="0" smtClean="0"/>
+              <a:t> </a:t>
+            </a:r>
+            <a:r>
+              <a:rPr lang="en-US" altLang="ko-KR" dirty="0" smtClean="0"/>
+              <a:t>(</a:t>
+            </a:r>
+            <a:r>
+              <a:rPr lang="ko-KR" altLang="en-US" dirty="0" smtClean="0"/>
+              <a:t>로그인 </a:t>
+            </a:r>
+            <a:r>
+              <a:rPr lang="en-US" altLang="ko-KR" dirty="0" smtClean="0"/>
+              <a:t>+ </a:t>
+            </a:r>
+            <a:r>
+              <a:rPr lang="ko-KR" altLang="en-US" dirty="0" smtClean="0"/>
+              <a:t>회원가입</a:t>
+            </a:r>
+            <a:r>
+              <a:rPr lang="en-US" altLang="ko-KR" dirty="0" smtClean="0"/>
+              <a:t>)</a:t>
+            </a:r>
+          </a:p>
+          <a:p>
+            <a:pPr marL="342900" indent="-342900">
+              <a:buAutoNum type="arabicPeriod"/>
+            </a:pPr>
+            <a:endParaRPr lang="en-US" altLang="ko-KR" dirty="0"/>
+          </a:p>
+        </p:txBody>
+      </p:sp>
+      <p:sp>
+        <p:nvSpPr>
+          <p:cNvPr id="7" name="직사각형 6"/>
+          <p:cNvSpPr/>
+          <p:nvPr/>
+        </p:nvSpPr>
+        <p:spPr>
+          <a:xfrm>
+            <a:off x="827584" y="1819745"/>
+            <a:ext cx="1944216" cy="738664"/>
+          </a:xfrm>
+          <a:prstGeom prst="rect">
+            <a:avLst/>
+          </a:prstGeom>
+        </p:spPr>
+        <p:style>
+          <a:lnRef idx="2">
+            <a:schemeClr val="accent1">
+              <a:shade val="50000"/>
+            </a:schemeClr>
+          </a:lnRef>
+          <a:fillRef idx="1">
+            <a:schemeClr val="accent1"/>
+          </a:fillRef>
+          <a:effectRef idx="0">
+            <a:schemeClr val="accent1"/>
+          </a:effectRef>
+          <a:fontRef idx="minor">
+            <a:schemeClr val="lt1"/>
+          </a:fontRef>
+        </p:style>
+        <p:txBody>
+          <a:bodyPr rtlCol="0" anchor="ctr"/>
+          <a:lstStyle/>
+          <a:p>
+            <a:pPr algn="ctr"/>
+            <a:r>
+              <a:rPr lang="ko-KR" altLang="en-US" dirty="0" smtClean="0"/>
+              <a:t>로그</a:t>
+            </a:r>
+            <a:r>
+              <a:rPr lang="ko-KR" altLang="en-US" dirty="0"/>
+              <a:t>인</a:t>
+            </a:r>
+          </a:p>
+        </p:txBody>
+      </p:sp>
+      <p:sp>
+        <p:nvSpPr>
+          <p:cNvPr id="8" name="직사각형 7"/>
+          <p:cNvSpPr/>
+          <p:nvPr/>
+        </p:nvSpPr>
+        <p:spPr>
+          <a:xfrm>
+            <a:off x="4499992" y="4202504"/>
+            <a:ext cx="1944216" cy="738664"/>
+          </a:xfrm>
+          <a:prstGeom prst="rect">
+            <a:avLst/>
+          </a:prstGeom>
+        </p:spPr>
+        <p:style>
+          <a:lnRef idx="2">
+            <a:schemeClr val="accent1">
+              <a:shade val="50000"/>
+            </a:schemeClr>
+          </a:lnRef>
+          <a:fillRef idx="1">
+            <a:schemeClr val="accent1"/>
+          </a:fillRef>
+          <a:effectRef idx="0">
+            <a:schemeClr val="accent1"/>
+          </a:effectRef>
+          <a:fontRef idx="minor">
+            <a:schemeClr val="lt1"/>
+          </a:fontRef>
+        </p:style>
+        <p:txBody>
+          <a:bodyPr rtlCol="0" anchor="ctr"/>
+          <a:lstStyle/>
+          <a:p>
+            <a:pPr algn="ctr"/>
+            <a:r>
+              <a:rPr lang="ko-KR" altLang="en-US" dirty="0" err="1" smtClean="0"/>
+              <a:t>다음창</a:t>
+            </a:r>
+            <a:endParaRPr lang="en-US" altLang="ko-KR" dirty="0" smtClean="0"/>
+          </a:p>
+        </p:txBody>
+      </p:sp>
+      <p:sp>
+        <p:nvSpPr>
+          <p:cNvPr id="9" name="직사각형 8"/>
+          <p:cNvSpPr/>
+          <p:nvPr/>
+        </p:nvSpPr>
+        <p:spPr>
+          <a:xfrm>
+            <a:off x="4355976" y="1826240"/>
+            <a:ext cx="1944216" cy="738664"/>
+          </a:xfrm>
+          <a:prstGeom prst="rect">
+            <a:avLst/>
+          </a:prstGeom>
+        </p:spPr>
+        <p:style>
+          <a:lnRef idx="2">
+            <a:schemeClr val="accent1">
+              <a:shade val="50000"/>
+            </a:schemeClr>
+          </a:lnRef>
+          <a:fillRef idx="1">
+            <a:schemeClr val="accent1"/>
+          </a:fillRef>
+          <a:effectRef idx="0">
+            <a:schemeClr val="accent1"/>
+          </a:effectRef>
+          <a:fontRef idx="minor">
+            <a:schemeClr val="lt1"/>
+          </a:fontRef>
+        </p:style>
+        <p:txBody>
+          <a:bodyPr rtlCol="0" anchor="ctr"/>
+          <a:lstStyle/>
+          <a:p>
+            <a:pPr algn="ctr"/>
+            <a:r>
+              <a:rPr lang="ko-KR" altLang="en-US" dirty="0" smtClean="0"/>
+              <a:t>회원가</a:t>
+            </a:r>
+            <a:r>
+              <a:rPr lang="ko-KR" altLang="en-US" dirty="0"/>
+              <a:t>입</a:t>
+            </a:r>
+          </a:p>
+        </p:txBody>
+      </p:sp>
+      <p:cxnSp>
+        <p:nvCxnSpPr>
+          <p:cNvPr id="11" name="직선 화살표 연결선 10"/>
+          <p:cNvCxnSpPr>
+            <a:stCxn id="7" idx="3"/>
+            <a:endCxn id="9" idx="1"/>
+          </p:cNvCxnSpPr>
+          <p:nvPr/>
+        </p:nvCxnSpPr>
+        <p:spPr>
+          <a:xfrm>
+            <a:off x="2771800" y="2189077"/>
+            <a:ext cx="1584176" cy="6495"/>
+          </a:xfrm>
+          <a:prstGeom prst="straightConnector1">
+            <a:avLst/>
+          </a:prstGeom>
+          <a:ln>
+            <a:tailEnd type="arrow"/>
+          </a:ln>
+        </p:spPr>
+        <p:style>
+          <a:lnRef idx="1">
+            <a:schemeClr val="accent1"/>
+          </a:lnRef>
+          <a:fillRef idx="0">
+            <a:schemeClr val="accent1"/>
+          </a:fillRef>
+          <a:effectRef idx="0">
+            <a:schemeClr val="accent1"/>
+          </a:effectRef>
+          <a:fontRef idx="minor">
+            <a:schemeClr val="tx1"/>
+          </a:fontRef>
+        </p:style>
+      </p:cxnSp>
+      <p:cxnSp>
+        <p:nvCxnSpPr>
+          <p:cNvPr id="13" name="꺾인 연결선 12"/>
+          <p:cNvCxnSpPr>
+            <a:stCxn id="7" idx="3"/>
+            <a:endCxn id="8" idx="1"/>
+          </p:cNvCxnSpPr>
+          <p:nvPr/>
+        </p:nvCxnSpPr>
+        <p:spPr>
+          <a:xfrm>
+            <a:off x="2771800" y="2189077"/>
+            <a:ext cx="1728192" cy="2382759"/>
+          </a:xfrm>
+          <a:prstGeom prst="bentConnector3">
+            <a:avLst/>
+          </a:prstGeom>
+          <a:ln>
+            <a:tailEnd type="arrow"/>
+          </a:ln>
+        </p:spPr>
+        <p:style>
+          <a:lnRef idx="1">
+            <a:schemeClr val="accent1"/>
+          </a:lnRef>
+          <a:fillRef idx="0">
+            <a:schemeClr val="accent1"/>
+          </a:fillRef>
+          <a:effectRef idx="0">
+            <a:schemeClr val="accent1"/>
+          </a:effectRef>
+          <a:fontRef idx="minor">
+            <a:schemeClr val="tx1"/>
+          </a:fontRef>
+        </p:style>
+      </p:cxnSp>
+    </p:spTree>
+    <p:extLst>
+      <p:ext uri="{BB962C8B-B14F-4D97-AF65-F5344CB8AC3E}">
+        <p14:creationId xmlns:p14="http://schemas.microsoft.com/office/powerpoint/2010/main" val="349256158"/>
       </p:ext>
     </p:extLst>
   </p:cSld>
@@ -10210,8 +10543,12 @@
           <a:lstStyle/>
           <a:p>
             <a:r>
+              <a:rPr lang="ko-KR" altLang="en-US" dirty="0" smtClean="0"/>
+              <a:t>회원가입 </a:t>
+            </a:r>
+            <a:r>
               <a:rPr lang="en-US" altLang="ko-KR" dirty="0" smtClean="0"/>
-              <a:t>Bank System</a:t>
+              <a:t>Dialog</a:t>
             </a:r>
             <a:endParaRPr lang="ko-KR" altLang="en-US" dirty="0"/>
           </a:p>
@@ -10219,76 +10556,14 @@
       </p:sp>
       <p:sp>
         <p:nvSpPr>
-          <p:cNvPr id="5" name="TextBox 4"/>
-          <p:cNvSpPr txBox="1"/>
+          <p:cNvPr id="3" name="직사각형 2"/>
+          <p:cNvSpPr/>
           <p:nvPr/>
         </p:nvSpPr>
         <p:spPr>
           <a:xfrm>
-            <a:off x="683568" y="908720"/>
-            <a:ext cx="4536504" cy="646331"/>
-          </a:xfrm>
-          <a:prstGeom prst="rect">
-            <a:avLst/>
-          </a:prstGeom>
-          <a:noFill/>
-        </p:spPr>
-        <p:txBody>
-          <a:bodyPr wrap="square" rtlCol="0">
-            <a:spAutoFit/>
-          </a:bodyPr>
-          <a:lstStyle/>
-          <a:p>
-            <a:pPr marL="342900" indent="-342900">
-              <a:buAutoNum type="arabicPeriod"/>
-            </a:pPr>
-            <a:r>
-              <a:rPr lang="ko-KR" altLang="en-US" dirty="0" err="1" smtClean="0"/>
-              <a:t>메인화면</a:t>
-            </a:r>
-            <a:r>
-              <a:rPr lang="ko-KR" altLang="en-US" dirty="0" smtClean="0"/>
-              <a:t> </a:t>
-            </a:r>
-            <a:r>
-              <a:rPr lang="en-US" altLang="ko-KR" dirty="0" smtClean="0"/>
-              <a:t>(</a:t>
-            </a:r>
-            <a:r>
-              <a:rPr lang="ko-KR" altLang="en-US" dirty="0" smtClean="0"/>
-              <a:t>로그인 </a:t>
-            </a:r>
-            <a:r>
-              <a:rPr lang="en-US" altLang="ko-KR" dirty="0" smtClean="0"/>
-              <a:t>+ </a:t>
-            </a:r>
-            <a:r>
-              <a:rPr lang="ko-KR" altLang="en-US" dirty="0" smtClean="0"/>
-              <a:t>회원가입</a:t>
-            </a:r>
-            <a:r>
-              <a:rPr lang="en-US" altLang="ko-KR" dirty="0" smtClean="0"/>
-              <a:t>)</a:t>
-            </a:r>
-          </a:p>
-          <a:p>
-            <a:pPr marL="342900" indent="-342900">
-              <a:buAutoNum type="arabicPeriod"/>
-            </a:pPr>
-            <a:endParaRPr lang="en-US" altLang="ko-KR" dirty="0"/>
-          </a:p>
-        </p:txBody>
-      </p:sp>
-      <p:sp>
-        <p:nvSpPr>
-          <p:cNvPr id="7" name="직사각형 6"/>
-          <p:cNvSpPr/>
-          <p:nvPr/>
-        </p:nvSpPr>
-        <p:spPr>
-          <a:xfrm>
-            <a:off x="827584" y="1819745"/>
-            <a:ext cx="1944216" cy="738664"/>
+            <a:off x="683568" y="1052736"/>
+            <a:ext cx="4896544" cy="5544616"/>
           </a:xfrm>
           <a:prstGeom prst="rect">
             <a:avLst/>
@@ -10315,27 +10590,20 @@
           <a:lstStyle/>
           <a:p>
             <a:pPr algn="ctr"/>
-            <a:r>
-              <a:rPr lang="ko-KR" altLang="en-US" dirty="0" smtClean="0"/>
-              <a:t>로그</a:t>
-            </a:r>
-            <a:r>
-              <a:rPr lang="ko-KR" altLang="en-US" dirty="0"/>
-              <a:t>인</a:t>
-            </a:r>
-          </a:p>
-        </p:txBody>
-      </p:sp>
-      <p:sp>
-        <p:nvSpPr>
-          <p:cNvPr id="8" name="직사각형 7"/>
+            <a:endParaRPr lang="ko-KR" altLang="en-US"/>
+          </a:p>
+        </p:txBody>
+      </p:sp>
+      <p:sp>
+        <p:nvSpPr>
+          <p:cNvPr id="6" name="직사각형 5"/>
           <p:cNvSpPr/>
           <p:nvPr/>
         </p:nvSpPr>
         <p:spPr>
           <a:xfrm>
-            <a:off x="4499992" y="4202504"/>
-            <a:ext cx="1944216" cy="738664"/>
+            <a:off x="2123728" y="1268760"/>
+            <a:ext cx="1944216" cy="360040"/>
           </a:xfrm>
           <a:prstGeom prst="rect">
             <a:avLst/>
@@ -10363,23 +10631,23 @@
           <a:p>
             <a:pPr algn="ctr"/>
             <a:r>
-              <a:rPr lang="ko-KR" altLang="en-US" dirty="0" err="1" smtClean="0"/>
-              <a:t>다음창</a:t>
-            </a:r>
-            <a:endParaRPr lang="en-US" altLang="ko-KR" dirty="0" smtClean="0"/>
-          </a:p>
-        </p:txBody>
-      </p:sp>
-      <p:sp>
-        <p:nvSpPr>
-          <p:cNvPr id="9" name="직사각형 8"/>
+              <a:rPr lang="ko-KR" altLang="en-US" dirty="0" smtClean="0"/>
+              <a:t>회원가입</a:t>
+            </a:r>
+            <a:endParaRPr lang="ko-KR" altLang="en-US" dirty="0"/>
+          </a:p>
+        </p:txBody>
+      </p:sp>
+      <p:sp>
+        <p:nvSpPr>
+          <p:cNvPr id="7" name="직사각형 6"/>
           <p:cNvSpPr/>
           <p:nvPr/>
         </p:nvSpPr>
         <p:spPr>
           <a:xfrm>
-            <a:off x="4355976" y="1826240"/>
-            <a:ext cx="1944216" cy="738664"/>
+            <a:off x="2483768" y="1985237"/>
+            <a:ext cx="1944216" cy="360040"/>
           </a:xfrm>
           <a:prstGeom prst="rect">
             <a:avLst/>
@@ -10406,93 +10674,1010 @@
           <a:lstStyle/>
           <a:p>
             <a:pPr algn="ctr"/>
-            <a:r>
-              <a:rPr lang="ko-KR" altLang="en-US" dirty="0" smtClean="0"/>
-              <a:t>회원가</a:t>
-            </a:r>
-            <a:r>
-              <a:rPr lang="ko-KR" altLang="en-US" dirty="0"/>
-              <a:t>입</a:t>
-            </a:r>
-          </a:p>
-        </p:txBody>
-      </p:sp>
-      <p:cxnSp>
-        <p:nvCxnSpPr>
-          <p:cNvPr id="11" name="직선 화살표 연결선 10"/>
-          <p:cNvCxnSpPr>
-            <a:stCxn id="7" idx="3"/>
-            <a:endCxn id="9" idx="1"/>
-          </p:cNvCxnSpPr>
+            <a:endParaRPr lang="ko-KR" altLang="en-US"/>
+          </a:p>
+        </p:txBody>
+      </p:sp>
+      <p:sp>
+        <p:nvSpPr>
+          <p:cNvPr id="8" name="직사각형 7"/>
+          <p:cNvSpPr/>
           <p:nvPr/>
-        </p:nvCxnSpPr>
+        </p:nvSpPr>
         <p:spPr>
           <a:xfrm>
-            <a:off x="2771800" y="2189077"/>
-            <a:ext cx="1584176" cy="6495"/>
+            <a:off x="1043608" y="1985237"/>
+            <a:ext cx="1284510" cy="360040"/>
           </a:xfrm>
-          <a:prstGeom prst="straightConnector1">
+          <a:prstGeom prst="rect">
             <a:avLst/>
           </a:prstGeom>
-          <a:ln>
-            <a:tailEnd type="arrow"/>
-          </a:ln>
         </p:spPr>
         <p:style>
-          <a:lnRef idx="1">
-            <a:schemeClr val="accent1"/>
+          <a:lnRef idx="2">
+            <a:schemeClr val="accent1">
+              <a:shade val="50000"/>
+            </a:schemeClr>
           </a:lnRef>
-          <a:fillRef idx="0">
+          <a:fillRef idx="1">
             <a:schemeClr val="accent1"/>
           </a:fillRef>
           <a:effectRef idx="0">
             <a:schemeClr val="accent1"/>
           </a:effectRef>
           <a:fontRef idx="minor">
-            <a:schemeClr val="tx1"/>
+            <a:schemeClr val="lt1"/>
           </a:fontRef>
         </p:style>
-      </p:cxnSp>
-      <p:cxnSp>
-        <p:nvCxnSpPr>
-          <p:cNvPr id="13" name="꺾인 연결선 12"/>
-          <p:cNvCxnSpPr>
-            <a:stCxn id="7" idx="3"/>
-            <a:endCxn id="8" idx="1"/>
-          </p:cNvCxnSpPr>
+        <p:txBody>
+          <a:bodyPr rtlCol="0" anchor="ctr"/>
+          <a:lstStyle/>
+          <a:p>
+            <a:pPr algn="ctr"/>
+            <a:r>
+              <a:rPr lang="en-US" altLang="ko-KR" dirty="0" smtClean="0"/>
+              <a:t>ID</a:t>
+            </a:r>
+            <a:endParaRPr lang="ko-KR" altLang="en-US" dirty="0"/>
+          </a:p>
+        </p:txBody>
+      </p:sp>
+      <p:sp>
+        <p:nvSpPr>
+          <p:cNvPr id="9" name="직사각형 8"/>
+          <p:cNvSpPr/>
           <p:nvPr/>
-        </p:nvCxnSpPr>
+        </p:nvSpPr>
         <p:spPr>
           <a:xfrm>
-            <a:off x="2771800" y="2189077"/>
-            <a:ext cx="1728192" cy="2382759"/>
+            <a:off x="2483768" y="2492896"/>
+            <a:ext cx="1944216" cy="360040"/>
           </a:xfrm>
-          <a:prstGeom prst="bentConnector3">
+          <a:prstGeom prst="rect">
             <a:avLst/>
           </a:prstGeom>
-          <a:ln>
-            <a:tailEnd type="arrow"/>
-          </a:ln>
         </p:spPr>
         <p:style>
-          <a:lnRef idx="1">
-            <a:schemeClr val="accent1"/>
+          <a:lnRef idx="2">
+            <a:schemeClr val="accent1">
+              <a:shade val="50000"/>
+            </a:schemeClr>
           </a:lnRef>
-          <a:fillRef idx="0">
+          <a:fillRef idx="1">
             <a:schemeClr val="accent1"/>
           </a:fillRef>
           <a:effectRef idx="0">
             <a:schemeClr val="accent1"/>
           </a:effectRef>
           <a:fontRef idx="minor">
-            <a:schemeClr val="tx1"/>
+            <a:schemeClr val="lt1"/>
           </a:fontRef>
         </p:style>
-      </p:cxnSp>
+        <p:txBody>
+          <a:bodyPr rtlCol="0" anchor="ctr"/>
+          <a:lstStyle/>
+          <a:p>
+            <a:pPr algn="ctr"/>
+            <a:endParaRPr lang="ko-KR" altLang="en-US"/>
+          </a:p>
+        </p:txBody>
+      </p:sp>
+      <p:sp>
+        <p:nvSpPr>
+          <p:cNvPr id="10" name="직사각형 9"/>
+          <p:cNvSpPr/>
+          <p:nvPr/>
+        </p:nvSpPr>
+        <p:spPr>
+          <a:xfrm>
+            <a:off x="1055242" y="2492896"/>
+            <a:ext cx="1284510" cy="360040"/>
+          </a:xfrm>
+          <a:prstGeom prst="rect">
+            <a:avLst/>
+          </a:prstGeom>
+        </p:spPr>
+        <p:style>
+          <a:lnRef idx="2">
+            <a:schemeClr val="accent1">
+              <a:shade val="50000"/>
+            </a:schemeClr>
+          </a:lnRef>
+          <a:fillRef idx="1">
+            <a:schemeClr val="accent1"/>
+          </a:fillRef>
+          <a:effectRef idx="0">
+            <a:schemeClr val="accent1"/>
+          </a:effectRef>
+          <a:fontRef idx="minor">
+            <a:schemeClr val="lt1"/>
+          </a:fontRef>
+        </p:style>
+        <p:txBody>
+          <a:bodyPr rtlCol="0" anchor="ctr"/>
+          <a:lstStyle/>
+          <a:p>
+            <a:pPr algn="ctr"/>
+            <a:r>
+              <a:rPr lang="en-US" altLang="ko-KR" dirty="0" smtClean="0"/>
+              <a:t>PW</a:t>
+            </a:r>
+            <a:endParaRPr lang="ko-KR" altLang="en-US" dirty="0"/>
+          </a:p>
+        </p:txBody>
+      </p:sp>
+      <p:sp>
+        <p:nvSpPr>
+          <p:cNvPr id="11" name="직사각형 10"/>
+          <p:cNvSpPr/>
+          <p:nvPr/>
+        </p:nvSpPr>
+        <p:spPr>
+          <a:xfrm>
+            <a:off x="2483768" y="3573016"/>
+            <a:ext cx="1944216" cy="360040"/>
+          </a:xfrm>
+          <a:prstGeom prst="rect">
+            <a:avLst/>
+          </a:prstGeom>
+        </p:spPr>
+        <p:style>
+          <a:lnRef idx="2">
+            <a:schemeClr val="accent1">
+              <a:shade val="50000"/>
+            </a:schemeClr>
+          </a:lnRef>
+          <a:fillRef idx="1">
+            <a:schemeClr val="accent1"/>
+          </a:fillRef>
+          <a:effectRef idx="0">
+            <a:schemeClr val="accent1"/>
+          </a:effectRef>
+          <a:fontRef idx="minor">
+            <a:schemeClr val="lt1"/>
+          </a:fontRef>
+        </p:style>
+        <p:txBody>
+          <a:bodyPr rtlCol="0" anchor="ctr"/>
+          <a:lstStyle/>
+          <a:p>
+            <a:pPr algn="ctr"/>
+            <a:endParaRPr lang="ko-KR" altLang="en-US"/>
+          </a:p>
+        </p:txBody>
+      </p:sp>
+      <p:sp>
+        <p:nvSpPr>
+          <p:cNvPr id="12" name="직사각형 11"/>
+          <p:cNvSpPr/>
+          <p:nvPr/>
+        </p:nvSpPr>
+        <p:spPr>
+          <a:xfrm>
+            <a:off x="1055242" y="3573016"/>
+            <a:ext cx="1284510" cy="360040"/>
+          </a:xfrm>
+          <a:prstGeom prst="rect">
+            <a:avLst/>
+          </a:prstGeom>
+        </p:spPr>
+        <p:style>
+          <a:lnRef idx="2">
+            <a:schemeClr val="accent1">
+              <a:shade val="50000"/>
+            </a:schemeClr>
+          </a:lnRef>
+          <a:fillRef idx="1">
+            <a:schemeClr val="accent1"/>
+          </a:fillRef>
+          <a:effectRef idx="0">
+            <a:schemeClr val="accent1"/>
+          </a:effectRef>
+          <a:fontRef idx="minor">
+            <a:schemeClr val="lt1"/>
+          </a:fontRef>
+        </p:style>
+        <p:txBody>
+          <a:bodyPr rtlCol="0" anchor="ctr"/>
+          <a:lstStyle/>
+          <a:p>
+            <a:pPr algn="ctr"/>
+            <a:r>
+              <a:rPr lang="ko-KR" altLang="en-US" dirty="0" smtClean="0"/>
+              <a:t>이</a:t>
+            </a:r>
+            <a:r>
+              <a:rPr lang="ko-KR" altLang="en-US" dirty="0"/>
+              <a:t>름</a:t>
+            </a:r>
+          </a:p>
+        </p:txBody>
+      </p:sp>
+      <p:sp>
+        <p:nvSpPr>
+          <p:cNvPr id="13" name="직사각형 12"/>
+          <p:cNvSpPr/>
+          <p:nvPr/>
+        </p:nvSpPr>
+        <p:spPr>
+          <a:xfrm>
+            <a:off x="3035901" y="4077072"/>
+            <a:ext cx="360040" cy="360040"/>
+          </a:xfrm>
+          <a:prstGeom prst="rect">
+            <a:avLst/>
+          </a:prstGeom>
+        </p:spPr>
+        <p:style>
+          <a:lnRef idx="2">
+            <a:schemeClr val="accent1">
+              <a:shade val="50000"/>
+            </a:schemeClr>
+          </a:lnRef>
+          <a:fillRef idx="1">
+            <a:schemeClr val="accent1"/>
+          </a:fillRef>
+          <a:effectRef idx="0">
+            <a:schemeClr val="accent1"/>
+          </a:effectRef>
+          <a:fontRef idx="minor">
+            <a:schemeClr val="lt1"/>
+          </a:fontRef>
+        </p:style>
+        <p:txBody>
+          <a:bodyPr rtlCol="0" anchor="ctr"/>
+          <a:lstStyle/>
+          <a:p>
+            <a:pPr algn="ctr"/>
+            <a:r>
+              <a:rPr lang="en-US" altLang="ko-KR" dirty="0" smtClean="0"/>
+              <a:t>V</a:t>
+            </a:r>
+            <a:endParaRPr lang="ko-KR" altLang="en-US" dirty="0"/>
+          </a:p>
+        </p:txBody>
+      </p:sp>
+      <p:sp>
+        <p:nvSpPr>
+          <p:cNvPr id="14" name="직사각형 13"/>
+          <p:cNvSpPr/>
+          <p:nvPr/>
+        </p:nvSpPr>
+        <p:spPr>
+          <a:xfrm>
+            <a:off x="1043608" y="4077072"/>
+            <a:ext cx="1284510" cy="360040"/>
+          </a:xfrm>
+          <a:prstGeom prst="rect">
+            <a:avLst/>
+          </a:prstGeom>
+        </p:spPr>
+        <p:style>
+          <a:lnRef idx="2">
+            <a:schemeClr val="accent1">
+              <a:shade val="50000"/>
+            </a:schemeClr>
+          </a:lnRef>
+          <a:fillRef idx="1">
+            <a:schemeClr val="accent1"/>
+          </a:fillRef>
+          <a:effectRef idx="0">
+            <a:schemeClr val="accent1"/>
+          </a:effectRef>
+          <a:fontRef idx="minor">
+            <a:schemeClr val="lt1"/>
+          </a:fontRef>
+        </p:style>
+        <p:txBody>
+          <a:bodyPr rtlCol="0" anchor="ctr"/>
+          <a:lstStyle/>
+          <a:p>
+            <a:pPr algn="ctr"/>
+            <a:r>
+              <a:rPr lang="ko-KR" altLang="en-US" dirty="0" smtClean="0"/>
+              <a:t>성</a:t>
+            </a:r>
+            <a:r>
+              <a:rPr lang="ko-KR" altLang="en-US" dirty="0"/>
+              <a:t>별</a:t>
+            </a:r>
+          </a:p>
+        </p:txBody>
+      </p:sp>
+      <p:sp>
+        <p:nvSpPr>
+          <p:cNvPr id="15" name="직사각형 14"/>
+          <p:cNvSpPr/>
+          <p:nvPr/>
+        </p:nvSpPr>
+        <p:spPr>
+          <a:xfrm>
+            <a:off x="2483768" y="4581128"/>
+            <a:ext cx="732153" cy="360040"/>
+          </a:xfrm>
+          <a:prstGeom prst="rect">
+            <a:avLst/>
+          </a:prstGeom>
+        </p:spPr>
+        <p:style>
+          <a:lnRef idx="2">
+            <a:schemeClr val="accent1">
+              <a:shade val="50000"/>
+            </a:schemeClr>
+          </a:lnRef>
+          <a:fillRef idx="1">
+            <a:schemeClr val="accent1"/>
+          </a:fillRef>
+          <a:effectRef idx="0">
+            <a:schemeClr val="accent1"/>
+          </a:effectRef>
+          <a:fontRef idx="minor">
+            <a:schemeClr val="lt1"/>
+          </a:fontRef>
+        </p:style>
+        <p:txBody>
+          <a:bodyPr rtlCol="0" anchor="ctr"/>
+          <a:lstStyle/>
+          <a:p>
+            <a:pPr algn="ctr"/>
+            <a:endParaRPr lang="ko-KR" altLang="en-US"/>
+          </a:p>
+        </p:txBody>
+      </p:sp>
+      <p:sp>
+        <p:nvSpPr>
+          <p:cNvPr id="16" name="직사각형 15"/>
+          <p:cNvSpPr/>
+          <p:nvPr/>
+        </p:nvSpPr>
+        <p:spPr>
+          <a:xfrm>
+            <a:off x="1043608" y="4581128"/>
+            <a:ext cx="1284510" cy="360040"/>
+          </a:xfrm>
+          <a:prstGeom prst="rect">
+            <a:avLst/>
+          </a:prstGeom>
+        </p:spPr>
+        <p:style>
+          <a:lnRef idx="2">
+            <a:schemeClr val="accent1">
+              <a:shade val="50000"/>
+            </a:schemeClr>
+          </a:lnRef>
+          <a:fillRef idx="1">
+            <a:schemeClr val="accent1"/>
+          </a:fillRef>
+          <a:effectRef idx="0">
+            <a:schemeClr val="accent1"/>
+          </a:effectRef>
+          <a:fontRef idx="minor">
+            <a:schemeClr val="lt1"/>
+          </a:fontRef>
+        </p:style>
+        <p:txBody>
+          <a:bodyPr rtlCol="0" anchor="ctr"/>
+          <a:lstStyle/>
+          <a:p>
+            <a:pPr algn="ctr"/>
+            <a:r>
+              <a:rPr lang="ko-KR" altLang="en-US" dirty="0" err="1" smtClean="0"/>
+              <a:t>이메</a:t>
+            </a:r>
+            <a:r>
+              <a:rPr lang="ko-KR" altLang="en-US" dirty="0" err="1"/>
+              <a:t>일</a:t>
+            </a:r>
+            <a:endParaRPr lang="ko-KR" altLang="en-US" dirty="0"/>
+          </a:p>
+        </p:txBody>
+      </p:sp>
+      <p:sp>
+        <p:nvSpPr>
+          <p:cNvPr id="17" name="직사각형 16"/>
+          <p:cNvSpPr/>
+          <p:nvPr/>
+        </p:nvSpPr>
+        <p:spPr>
+          <a:xfrm>
+            <a:off x="2476508" y="5085184"/>
+            <a:ext cx="739413" cy="360040"/>
+          </a:xfrm>
+          <a:prstGeom prst="rect">
+            <a:avLst/>
+          </a:prstGeom>
+        </p:spPr>
+        <p:style>
+          <a:lnRef idx="2">
+            <a:schemeClr val="accent1">
+              <a:shade val="50000"/>
+            </a:schemeClr>
+          </a:lnRef>
+          <a:fillRef idx="1">
+            <a:schemeClr val="accent1"/>
+          </a:fillRef>
+          <a:effectRef idx="0">
+            <a:schemeClr val="accent1"/>
+          </a:effectRef>
+          <a:fontRef idx="minor">
+            <a:schemeClr val="lt1"/>
+          </a:fontRef>
+        </p:style>
+        <p:txBody>
+          <a:bodyPr rtlCol="0" anchor="ctr"/>
+          <a:lstStyle/>
+          <a:p>
+            <a:pPr algn="ctr"/>
+            <a:endParaRPr lang="ko-KR" altLang="en-US"/>
+          </a:p>
+        </p:txBody>
+      </p:sp>
+      <p:sp>
+        <p:nvSpPr>
+          <p:cNvPr id="18" name="직사각형 17"/>
+          <p:cNvSpPr/>
+          <p:nvPr/>
+        </p:nvSpPr>
+        <p:spPr>
+          <a:xfrm>
+            <a:off x="1043608" y="5085184"/>
+            <a:ext cx="1284510" cy="360040"/>
+          </a:xfrm>
+          <a:prstGeom prst="rect">
+            <a:avLst/>
+          </a:prstGeom>
+        </p:spPr>
+        <p:style>
+          <a:lnRef idx="2">
+            <a:schemeClr val="accent1">
+              <a:shade val="50000"/>
+            </a:schemeClr>
+          </a:lnRef>
+          <a:fillRef idx="1">
+            <a:schemeClr val="accent1"/>
+          </a:fillRef>
+          <a:effectRef idx="0">
+            <a:schemeClr val="accent1"/>
+          </a:effectRef>
+          <a:fontRef idx="minor">
+            <a:schemeClr val="lt1"/>
+          </a:fontRef>
+        </p:style>
+        <p:txBody>
+          <a:bodyPr rtlCol="0" anchor="ctr"/>
+          <a:lstStyle/>
+          <a:p>
+            <a:pPr algn="ctr"/>
+            <a:r>
+              <a:rPr lang="ko-KR" altLang="en-US" dirty="0" smtClean="0"/>
+              <a:t>전화번호</a:t>
+            </a:r>
+            <a:endParaRPr lang="ko-KR" altLang="en-US" dirty="0"/>
+          </a:p>
+        </p:txBody>
+      </p:sp>
+      <p:sp>
+        <p:nvSpPr>
+          <p:cNvPr id="19" name="직사각형 18"/>
+          <p:cNvSpPr/>
+          <p:nvPr/>
+        </p:nvSpPr>
+        <p:spPr>
+          <a:xfrm>
+            <a:off x="2483768" y="3005336"/>
+            <a:ext cx="1944216" cy="360040"/>
+          </a:xfrm>
+          <a:prstGeom prst="rect">
+            <a:avLst/>
+          </a:prstGeom>
+        </p:spPr>
+        <p:style>
+          <a:lnRef idx="2">
+            <a:schemeClr val="accent1">
+              <a:shade val="50000"/>
+            </a:schemeClr>
+          </a:lnRef>
+          <a:fillRef idx="1">
+            <a:schemeClr val="accent1"/>
+          </a:fillRef>
+          <a:effectRef idx="0">
+            <a:schemeClr val="accent1"/>
+          </a:effectRef>
+          <a:fontRef idx="minor">
+            <a:schemeClr val="lt1"/>
+          </a:fontRef>
+        </p:style>
+        <p:txBody>
+          <a:bodyPr rtlCol="0" anchor="ctr"/>
+          <a:lstStyle/>
+          <a:p>
+            <a:pPr algn="ctr"/>
+            <a:endParaRPr lang="ko-KR" altLang="en-US"/>
+          </a:p>
+        </p:txBody>
+      </p:sp>
+      <p:sp>
+        <p:nvSpPr>
+          <p:cNvPr id="21" name="직사각형 20"/>
+          <p:cNvSpPr/>
+          <p:nvPr/>
+        </p:nvSpPr>
+        <p:spPr>
+          <a:xfrm>
+            <a:off x="4572000" y="1985237"/>
+            <a:ext cx="792088" cy="360040"/>
+          </a:xfrm>
+          <a:prstGeom prst="rect">
+            <a:avLst/>
+          </a:prstGeom>
+        </p:spPr>
+        <p:style>
+          <a:lnRef idx="2">
+            <a:schemeClr val="accent1">
+              <a:shade val="50000"/>
+            </a:schemeClr>
+          </a:lnRef>
+          <a:fillRef idx="1">
+            <a:schemeClr val="accent1"/>
+          </a:fillRef>
+          <a:effectRef idx="0">
+            <a:schemeClr val="accent1"/>
+          </a:effectRef>
+          <a:fontRef idx="minor">
+            <a:schemeClr val="lt1"/>
+          </a:fontRef>
+        </p:style>
+        <p:txBody>
+          <a:bodyPr rtlCol="0" anchor="ctr"/>
+          <a:lstStyle/>
+          <a:p>
+            <a:pPr algn="ctr"/>
+            <a:r>
+              <a:rPr lang="ko-KR" altLang="en-US" smtClean="0"/>
+              <a:t>중</a:t>
+            </a:r>
+            <a:r>
+              <a:rPr lang="ko-KR" altLang="en-US"/>
+              <a:t>복</a:t>
+            </a:r>
+            <a:endParaRPr lang="ko-KR" altLang="en-US" dirty="0"/>
+          </a:p>
+        </p:txBody>
+      </p:sp>
+      <p:sp>
+        <p:nvSpPr>
+          <p:cNvPr id="22" name="직사각형 21"/>
+          <p:cNvSpPr/>
+          <p:nvPr/>
+        </p:nvSpPr>
+        <p:spPr>
+          <a:xfrm>
+            <a:off x="4572000" y="3005336"/>
+            <a:ext cx="792088" cy="360040"/>
+          </a:xfrm>
+          <a:prstGeom prst="rect">
+            <a:avLst/>
+          </a:prstGeom>
+        </p:spPr>
+        <p:style>
+          <a:lnRef idx="2">
+            <a:schemeClr val="accent1">
+              <a:shade val="50000"/>
+            </a:schemeClr>
+          </a:lnRef>
+          <a:fillRef idx="1">
+            <a:schemeClr val="accent1"/>
+          </a:fillRef>
+          <a:effectRef idx="0">
+            <a:schemeClr val="accent1"/>
+          </a:effectRef>
+          <a:fontRef idx="minor">
+            <a:schemeClr val="lt1"/>
+          </a:fontRef>
+        </p:style>
+        <p:txBody>
+          <a:bodyPr rtlCol="0" anchor="ctr"/>
+          <a:lstStyle/>
+          <a:p>
+            <a:pPr algn="ctr"/>
+            <a:r>
+              <a:rPr lang="ko-KR" altLang="en-US" dirty="0" smtClean="0"/>
+              <a:t>확</a:t>
+            </a:r>
+            <a:r>
+              <a:rPr lang="ko-KR" altLang="en-US" dirty="0"/>
+              <a:t>인</a:t>
+            </a:r>
+          </a:p>
+        </p:txBody>
+      </p:sp>
+      <p:sp>
+        <p:nvSpPr>
+          <p:cNvPr id="23" name="직사각형 22"/>
+          <p:cNvSpPr/>
+          <p:nvPr/>
+        </p:nvSpPr>
+        <p:spPr>
+          <a:xfrm>
+            <a:off x="4067944" y="4077072"/>
+            <a:ext cx="360040" cy="360040"/>
+          </a:xfrm>
+          <a:prstGeom prst="rect">
+            <a:avLst/>
+          </a:prstGeom>
+        </p:spPr>
+        <p:style>
+          <a:lnRef idx="2">
+            <a:schemeClr val="accent1">
+              <a:shade val="50000"/>
+            </a:schemeClr>
+          </a:lnRef>
+          <a:fillRef idx="1">
+            <a:schemeClr val="accent1"/>
+          </a:fillRef>
+          <a:effectRef idx="0">
+            <a:schemeClr val="accent1"/>
+          </a:effectRef>
+          <a:fontRef idx="minor">
+            <a:schemeClr val="lt1"/>
+          </a:fontRef>
+        </p:style>
+        <p:txBody>
+          <a:bodyPr rtlCol="0" anchor="ctr"/>
+          <a:lstStyle/>
+          <a:p>
+            <a:pPr algn="ctr"/>
+            <a:r>
+              <a:rPr lang="en-US" altLang="ko-KR" dirty="0" smtClean="0"/>
+              <a:t>V</a:t>
+            </a:r>
+            <a:endParaRPr lang="ko-KR" altLang="en-US" dirty="0"/>
+          </a:p>
+        </p:txBody>
+      </p:sp>
+      <p:sp>
+        <p:nvSpPr>
+          <p:cNvPr id="24" name="직사각형 23"/>
+          <p:cNvSpPr/>
+          <p:nvPr/>
+        </p:nvSpPr>
+        <p:spPr>
+          <a:xfrm>
+            <a:off x="2483768" y="4077072"/>
+            <a:ext cx="360040" cy="360040"/>
+          </a:xfrm>
+          <a:prstGeom prst="rect">
+            <a:avLst/>
+          </a:prstGeom>
+        </p:spPr>
+        <p:style>
+          <a:lnRef idx="2">
+            <a:schemeClr val="accent1">
+              <a:shade val="50000"/>
+            </a:schemeClr>
+          </a:lnRef>
+          <a:fillRef idx="1">
+            <a:schemeClr val="accent1"/>
+          </a:fillRef>
+          <a:effectRef idx="0">
+            <a:schemeClr val="accent1"/>
+          </a:effectRef>
+          <a:fontRef idx="minor">
+            <a:schemeClr val="lt1"/>
+          </a:fontRef>
+        </p:style>
+        <p:txBody>
+          <a:bodyPr rtlCol="0" anchor="ctr"/>
+          <a:lstStyle/>
+          <a:p>
+            <a:pPr algn="ctr"/>
+            <a:r>
+              <a:rPr lang="ko-KR" altLang="en-US" dirty="0"/>
+              <a:t>남</a:t>
+            </a:r>
+          </a:p>
+        </p:txBody>
+      </p:sp>
+      <p:sp>
+        <p:nvSpPr>
+          <p:cNvPr id="25" name="직사각형 24"/>
+          <p:cNvSpPr/>
+          <p:nvPr/>
+        </p:nvSpPr>
+        <p:spPr>
+          <a:xfrm>
+            <a:off x="3552255" y="4077072"/>
+            <a:ext cx="360040" cy="360040"/>
+          </a:xfrm>
+          <a:prstGeom prst="rect">
+            <a:avLst/>
+          </a:prstGeom>
+        </p:spPr>
+        <p:style>
+          <a:lnRef idx="2">
+            <a:schemeClr val="accent1">
+              <a:shade val="50000"/>
+            </a:schemeClr>
+          </a:lnRef>
+          <a:fillRef idx="1">
+            <a:schemeClr val="accent1"/>
+          </a:fillRef>
+          <a:effectRef idx="0">
+            <a:schemeClr val="accent1"/>
+          </a:effectRef>
+          <a:fontRef idx="minor">
+            <a:schemeClr val="lt1"/>
+          </a:fontRef>
+        </p:style>
+        <p:txBody>
+          <a:bodyPr rtlCol="0" anchor="ctr"/>
+          <a:lstStyle/>
+          <a:p>
+            <a:pPr algn="ctr"/>
+            <a:r>
+              <a:rPr lang="ko-KR" altLang="en-US" dirty="0" smtClean="0"/>
+              <a:t>여</a:t>
+            </a:r>
+            <a:endParaRPr lang="ko-KR" altLang="en-US" dirty="0"/>
+          </a:p>
+        </p:txBody>
+      </p:sp>
+      <p:sp>
+        <p:nvSpPr>
+          <p:cNvPr id="26" name="직사각형 25"/>
+          <p:cNvSpPr/>
+          <p:nvPr/>
+        </p:nvSpPr>
+        <p:spPr>
+          <a:xfrm>
+            <a:off x="3272838" y="4581128"/>
+            <a:ext cx="366076" cy="360040"/>
+          </a:xfrm>
+          <a:prstGeom prst="rect">
+            <a:avLst/>
+          </a:prstGeom>
+        </p:spPr>
+        <p:style>
+          <a:lnRef idx="2">
+            <a:schemeClr val="accent1">
+              <a:shade val="50000"/>
+            </a:schemeClr>
+          </a:lnRef>
+          <a:fillRef idx="1">
+            <a:schemeClr val="accent1"/>
+          </a:fillRef>
+          <a:effectRef idx="0">
+            <a:schemeClr val="accent1"/>
+          </a:effectRef>
+          <a:fontRef idx="minor">
+            <a:schemeClr val="lt1"/>
+          </a:fontRef>
+        </p:style>
+        <p:txBody>
+          <a:bodyPr rtlCol="0" anchor="ctr"/>
+          <a:lstStyle/>
+          <a:p>
+            <a:pPr algn="ctr"/>
+            <a:r>
+              <a:rPr lang="en-US" altLang="ko-KR" dirty="0" smtClean="0"/>
+              <a:t>@</a:t>
+            </a:r>
+            <a:endParaRPr lang="ko-KR" altLang="en-US" dirty="0"/>
+          </a:p>
+        </p:txBody>
+      </p:sp>
+      <p:sp>
+        <p:nvSpPr>
+          <p:cNvPr id="27" name="직사각형 26"/>
+          <p:cNvSpPr/>
+          <p:nvPr/>
+        </p:nvSpPr>
+        <p:spPr>
+          <a:xfrm>
+            <a:off x="3739682" y="4581128"/>
+            <a:ext cx="1396748" cy="360040"/>
+          </a:xfrm>
+          <a:prstGeom prst="rect">
+            <a:avLst/>
+          </a:prstGeom>
+        </p:spPr>
+        <p:style>
+          <a:lnRef idx="2">
+            <a:schemeClr val="accent1">
+              <a:shade val="50000"/>
+            </a:schemeClr>
+          </a:lnRef>
+          <a:fillRef idx="1">
+            <a:schemeClr val="accent1"/>
+          </a:fillRef>
+          <a:effectRef idx="0">
+            <a:schemeClr val="accent1"/>
+          </a:effectRef>
+          <a:fontRef idx="minor">
+            <a:schemeClr val="lt1"/>
+          </a:fontRef>
+        </p:style>
+        <p:txBody>
+          <a:bodyPr rtlCol="0" anchor="ctr"/>
+          <a:lstStyle/>
+          <a:p>
+            <a:pPr algn="ctr"/>
+            <a:endParaRPr lang="ko-KR" altLang="en-US"/>
+          </a:p>
+        </p:txBody>
+      </p:sp>
+      <p:sp>
+        <p:nvSpPr>
+          <p:cNvPr id="28" name="직사각형 27"/>
+          <p:cNvSpPr/>
+          <p:nvPr/>
+        </p:nvSpPr>
+        <p:spPr>
+          <a:xfrm>
+            <a:off x="3544555" y="5085184"/>
+            <a:ext cx="739413" cy="360040"/>
+          </a:xfrm>
+          <a:prstGeom prst="rect">
+            <a:avLst/>
+          </a:prstGeom>
+        </p:spPr>
+        <p:style>
+          <a:lnRef idx="2">
+            <a:schemeClr val="accent1">
+              <a:shade val="50000"/>
+            </a:schemeClr>
+          </a:lnRef>
+          <a:fillRef idx="1">
+            <a:schemeClr val="accent1"/>
+          </a:fillRef>
+          <a:effectRef idx="0">
+            <a:schemeClr val="accent1"/>
+          </a:effectRef>
+          <a:fontRef idx="minor">
+            <a:schemeClr val="lt1"/>
+          </a:fontRef>
+        </p:style>
+        <p:txBody>
+          <a:bodyPr rtlCol="0" anchor="ctr"/>
+          <a:lstStyle/>
+          <a:p>
+            <a:pPr algn="ctr"/>
+            <a:endParaRPr lang="ko-KR" altLang="en-US"/>
+          </a:p>
+        </p:txBody>
+      </p:sp>
+      <p:sp>
+        <p:nvSpPr>
+          <p:cNvPr id="29" name="직사각형 28"/>
+          <p:cNvSpPr/>
+          <p:nvPr/>
+        </p:nvSpPr>
+        <p:spPr>
+          <a:xfrm>
+            <a:off x="4576888" y="5085184"/>
+            <a:ext cx="787200" cy="360040"/>
+          </a:xfrm>
+          <a:prstGeom prst="rect">
+            <a:avLst/>
+          </a:prstGeom>
+        </p:spPr>
+        <p:style>
+          <a:lnRef idx="2">
+            <a:schemeClr val="accent1">
+              <a:shade val="50000"/>
+            </a:schemeClr>
+          </a:lnRef>
+          <a:fillRef idx="1">
+            <a:schemeClr val="accent1"/>
+          </a:fillRef>
+          <a:effectRef idx="0">
+            <a:schemeClr val="accent1"/>
+          </a:effectRef>
+          <a:fontRef idx="minor">
+            <a:schemeClr val="lt1"/>
+          </a:fontRef>
+        </p:style>
+        <p:txBody>
+          <a:bodyPr rtlCol="0" anchor="ctr"/>
+          <a:lstStyle/>
+          <a:p>
+            <a:pPr algn="ctr"/>
+            <a:endParaRPr lang="ko-KR" altLang="en-US"/>
+          </a:p>
+        </p:txBody>
+      </p:sp>
+      <p:sp>
+        <p:nvSpPr>
+          <p:cNvPr id="30" name="직사각형 29"/>
+          <p:cNvSpPr/>
+          <p:nvPr/>
+        </p:nvSpPr>
+        <p:spPr>
+          <a:xfrm>
+            <a:off x="1055242" y="5733256"/>
+            <a:ext cx="1794602" cy="432048"/>
+          </a:xfrm>
+          <a:prstGeom prst="rect">
+            <a:avLst/>
+          </a:prstGeom>
+        </p:spPr>
+        <p:style>
+          <a:lnRef idx="2">
+            <a:schemeClr val="accent1">
+              <a:shade val="50000"/>
+            </a:schemeClr>
+          </a:lnRef>
+          <a:fillRef idx="1">
+            <a:schemeClr val="accent1"/>
+          </a:fillRef>
+          <a:effectRef idx="0">
+            <a:schemeClr val="accent1"/>
+          </a:effectRef>
+          <a:fontRef idx="minor">
+            <a:schemeClr val="lt1"/>
+          </a:fontRef>
+        </p:style>
+        <p:txBody>
+          <a:bodyPr rtlCol="0" anchor="ctr"/>
+          <a:lstStyle/>
+          <a:p>
+            <a:pPr algn="ctr"/>
+            <a:r>
+              <a:rPr lang="ko-KR" altLang="en-US" dirty="0" smtClean="0"/>
+              <a:t>확인</a:t>
+            </a:r>
+            <a:endParaRPr lang="ko-KR" altLang="en-US" dirty="0"/>
+          </a:p>
+        </p:txBody>
+      </p:sp>
+      <p:sp>
+        <p:nvSpPr>
+          <p:cNvPr id="31" name="직사각형 30"/>
+          <p:cNvSpPr/>
+          <p:nvPr/>
+        </p:nvSpPr>
+        <p:spPr>
+          <a:xfrm>
+            <a:off x="3569486" y="5733256"/>
+            <a:ext cx="1794602" cy="432048"/>
+          </a:xfrm>
+          <a:prstGeom prst="rect">
+            <a:avLst/>
+          </a:prstGeom>
+        </p:spPr>
+        <p:style>
+          <a:lnRef idx="2">
+            <a:schemeClr val="accent1">
+              <a:shade val="50000"/>
+            </a:schemeClr>
+          </a:lnRef>
+          <a:fillRef idx="1">
+            <a:schemeClr val="accent1"/>
+          </a:fillRef>
+          <a:effectRef idx="0">
+            <a:schemeClr val="accent1"/>
+          </a:effectRef>
+          <a:fontRef idx="minor">
+            <a:schemeClr val="lt1"/>
+          </a:fontRef>
+        </p:style>
+        <p:txBody>
+          <a:bodyPr rtlCol="0" anchor="ctr"/>
+          <a:lstStyle/>
+          <a:p>
+            <a:pPr algn="ctr"/>
+            <a:r>
+              <a:rPr lang="ko-KR" altLang="en-US" dirty="0" smtClean="0"/>
+              <a:t>취소</a:t>
+            </a:r>
+            <a:endParaRPr lang="ko-KR" altLang="en-US" dirty="0"/>
+          </a:p>
+        </p:txBody>
+      </p:sp>
     </p:spTree>
     <p:extLst>
       <p:ext uri="{BB962C8B-B14F-4D97-AF65-F5344CB8AC3E}">
-        <p14:creationId xmlns:p14="http://schemas.microsoft.com/office/powerpoint/2010/main" val="349256158"/>
+        <p14:creationId xmlns:p14="http://schemas.microsoft.com/office/powerpoint/2010/main" val="3192452060"/>
       </p:ext>
     </p:extLst>
   </p:cSld>

--- a/BankSystem/documentation/banksystem.pptx
+++ b/BankSystem/documentation/banksystem.pptx
@@ -15,6 +15,8 @@
     <p:sldId id="266" r:id="rId9"/>
     <p:sldId id="267" r:id="rId10"/>
     <p:sldId id="258" r:id="rId11"/>
+    <p:sldId id="269" r:id="rId12"/>
+    <p:sldId id="270" r:id="rId13"/>
   </p:sldIdLst>
   <p:sldSz cx="9144000" cy="6858000" type="screen4x3"/>
   <p:notesSz cx="6858000" cy="9144000"/>
@@ -297,7 +299,7 @@
           <a:p>
             <a:fld id="{A1903258-B850-4A7F-A54C-06CBD2E02BCF}" type="datetimeFigureOut">
               <a:rPr lang="ko-KR" altLang="en-US" smtClean="0"/>
-              <a:t>2018-10-29</a:t>
+              <a:t>2018-10-30</a:t>
             </a:fld>
             <a:endParaRPr lang="ko-KR" altLang="en-US"/>
           </a:p>
@@ -467,7 +469,7 @@
           <a:p>
             <a:fld id="{A1903258-B850-4A7F-A54C-06CBD2E02BCF}" type="datetimeFigureOut">
               <a:rPr lang="ko-KR" altLang="en-US" smtClean="0"/>
-              <a:t>2018-10-29</a:t>
+              <a:t>2018-10-30</a:t>
             </a:fld>
             <a:endParaRPr lang="ko-KR" altLang="en-US"/>
           </a:p>
@@ -647,7 +649,7 @@
           <a:p>
             <a:fld id="{A1903258-B850-4A7F-A54C-06CBD2E02BCF}" type="datetimeFigureOut">
               <a:rPr lang="ko-KR" altLang="en-US" smtClean="0"/>
-              <a:t>2018-10-29</a:t>
+              <a:t>2018-10-30</a:t>
             </a:fld>
             <a:endParaRPr lang="ko-KR" altLang="en-US"/>
           </a:p>
@@ -817,7 +819,7 @@
           <a:p>
             <a:fld id="{A1903258-B850-4A7F-A54C-06CBD2E02BCF}" type="datetimeFigureOut">
               <a:rPr lang="ko-KR" altLang="en-US" smtClean="0"/>
-              <a:t>2018-10-29</a:t>
+              <a:t>2018-10-30</a:t>
             </a:fld>
             <a:endParaRPr lang="ko-KR" altLang="en-US"/>
           </a:p>
@@ -1063,7 +1065,7 @@
           <a:p>
             <a:fld id="{A1903258-B850-4A7F-A54C-06CBD2E02BCF}" type="datetimeFigureOut">
               <a:rPr lang="ko-KR" altLang="en-US" smtClean="0"/>
-              <a:t>2018-10-29</a:t>
+              <a:t>2018-10-30</a:t>
             </a:fld>
             <a:endParaRPr lang="ko-KR" altLang="en-US"/>
           </a:p>
@@ -1351,7 +1353,7 @@
           <a:p>
             <a:fld id="{A1903258-B850-4A7F-A54C-06CBD2E02BCF}" type="datetimeFigureOut">
               <a:rPr lang="ko-KR" altLang="en-US" smtClean="0"/>
-              <a:t>2018-10-29</a:t>
+              <a:t>2018-10-30</a:t>
             </a:fld>
             <a:endParaRPr lang="ko-KR" altLang="en-US"/>
           </a:p>
@@ -1773,7 +1775,7 @@
           <a:p>
             <a:fld id="{A1903258-B850-4A7F-A54C-06CBD2E02BCF}" type="datetimeFigureOut">
               <a:rPr lang="ko-KR" altLang="en-US" smtClean="0"/>
-              <a:t>2018-10-29</a:t>
+              <a:t>2018-10-30</a:t>
             </a:fld>
             <a:endParaRPr lang="ko-KR" altLang="en-US"/>
           </a:p>
@@ -1891,7 +1893,7 @@
           <a:p>
             <a:fld id="{A1903258-B850-4A7F-A54C-06CBD2E02BCF}" type="datetimeFigureOut">
               <a:rPr lang="ko-KR" altLang="en-US" smtClean="0"/>
-              <a:t>2018-10-29</a:t>
+              <a:t>2018-10-30</a:t>
             </a:fld>
             <a:endParaRPr lang="ko-KR" altLang="en-US"/>
           </a:p>
@@ -1986,7 +1988,7 @@
           <a:p>
             <a:fld id="{A1903258-B850-4A7F-A54C-06CBD2E02BCF}" type="datetimeFigureOut">
               <a:rPr lang="ko-KR" altLang="en-US" smtClean="0"/>
-              <a:t>2018-10-29</a:t>
+              <a:t>2018-10-30</a:t>
             </a:fld>
             <a:endParaRPr lang="ko-KR" altLang="en-US"/>
           </a:p>
@@ -2263,7 +2265,7 @@
           <a:p>
             <a:fld id="{A1903258-B850-4A7F-A54C-06CBD2E02BCF}" type="datetimeFigureOut">
               <a:rPr lang="ko-KR" altLang="en-US" smtClean="0"/>
-              <a:t>2018-10-29</a:t>
+              <a:t>2018-10-30</a:t>
             </a:fld>
             <a:endParaRPr lang="ko-KR" altLang="en-US"/>
           </a:p>
@@ -2516,7 +2518,7 @@
           <a:p>
             <a:fld id="{A1903258-B850-4A7F-A54C-06CBD2E02BCF}" type="datetimeFigureOut">
               <a:rPr lang="ko-KR" altLang="en-US" smtClean="0"/>
-              <a:t>2018-10-29</a:t>
+              <a:t>2018-10-30</a:t>
             </a:fld>
             <a:endParaRPr lang="ko-KR" altLang="en-US"/>
           </a:p>
@@ -2729,7 +2731,7 @@
           <a:p>
             <a:fld id="{A1903258-B850-4A7F-A54C-06CBD2E02BCF}" type="datetimeFigureOut">
               <a:rPr lang="ko-KR" altLang="en-US" smtClean="0"/>
-              <a:t>2018-10-29</a:t>
+              <a:t>2018-10-30</a:t>
             </a:fld>
             <a:endParaRPr lang="ko-KR" altLang="en-US"/>
           </a:p>
@@ -3443,7 +3445,7 @@
         </p:nvSpPr>
         <p:spPr>
           <a:xfrm>
-            <a:off x="4499992" y="4202504"/>
+            <a:off x="4355976" y="4202504"/>
             <a:ext cx="1944216" cy="738664"/>
           </a:xfrm>
           <a:prstGeom prst="rect">
@@ -3574,7 +3576,7 @@
         <p:spPr>
           <a:xfrm>
             <a:off x="2771800" y="2189077"/>
-            <a:ext cx="1728192" cy="2382759"/>
+            <a:ext cx="1584176" cy="2382759"/>
           </a:xfrm>
           <a:prstGeom prst="bentConnector3">
             <a:avLst/>
@@ -3602,6 +3604,525 @@
     <p:extLst>
       <p:ext uri="{BB962C8B-B14F-4D97-AF65-F5344CB8AC3E}">
         <p14:creationId xmlns:p14="http://schemas.microsoft.com/office/powerpoint/2010/main" val="349256158"/>
+      </p:ext>
+    </p:extLst>
+  </p:cSld>
+  <p:clrMapOvr>
+    <a:masterClrMapping/>
+  </p:clrMapOvr>
+</p:sld>
+</file>
+
+<file path=ppt/slides/slide11.xml><?xml version="1.0" encoding="utf-8"?>
+<p:sld xmlns:a="http://schemas.openxmlformats.org/drawingml/2006/main" xmlns:r="http://schemas.openxmlformats.org/officeDocument/2006/relationships" xmlns:p="http://schemas.openxmlformats.org/presentationml/2006/main">
+  <p:cSld>
+    <p:spTree>
+      <p:nvGrpSpPr>
+        <p:cNvPr id="1" name=""/>
+        <p:cNvGrpSpPr/>
+        <p:nvPr/>
+      </p:nvGrpSpPr>
+      <p:grpSpPr>
+        <a:xfrm>
+          <a:off x="0" y="0"/>
+          <a:ext cx="0" cy="0"/>
+          <a:chOff x="0" y="0"/>
+          <a:chExt cx="0" cy="0"/>
+        </a:xfrm>
+      </p:grpSpPr>
+      <p:sp>
+        <p:nvSpPr>
+          <p:cNvPr id="4" name="TextBox 3"/>
+          <p:cNvSpPr txBox="1"/>
+          <p:nvPr/>
+        </p:nvSpPr>
+        <p:spPr>
+          <a:xfrm>
+            <a:off x="1043608" y="3068960"/>
+            <a:ext cx="7344816" cy="584775"/>
+          </a:xfrm>
+          <a:prstGeom prst="rect">
+            <a:avLst/>
+          </a:prstGeom>
+          <a:noFill/>
+        </p:spPr>
+        <p:txBody>
+          <a:bodyPr wrap="square" rtlCol="0">
+            <a:spAutoFit/>
+          </a:bodyPr>
+          <a:lstStyle/>
+          <a:p>
+            <a:r>
+              <a:rPr lang="en-US" altLang="ko-KR" sz="3200" dirty="0"/>
+              <a:t>2</a:t>
+            </a:r>
+            <a:r>
+              <a:rPr lang="en-US" altLang="ko-KR" sz="3200" dirty="0" smtClean="0"/>
+              <a:t>. </a:t>
+            </a:r>
+            <a:r>
+              <a:rPr lang="en-US" altLang="ko-KR" sz="3200" dirty="0" err="1" smtClean="0"/>
+              <a:t>CardLayout</a:t>
+            </a:r>
+            <a:r>
+              <a:rPr lang="en-US" altLang="ko-KR" sz="3200" dirty="0" smtClean="0"/>
+              <a:t> </a:t>
+            </a:r>
+            <a:r>
+              <a:rPr lang="en-US" altLang="ko-KR" sz="3200" dirty="0" smtClean="0"/>
+              <a:t>Second </a:t>
+            </a:r>
+            <a:r>
+              <a:rPr lang="en-US" altLang="ko-KR" sz="3200" dirty="0" smtClean="0"/>
+              <a:t>Panel(deposit)</a:t>
+            </a:r>
+            <a:endParaRPr lang="ko-KR" altLang="en-US" sz="3200" dirty="0"/>
+          </a:p>
+        </p:txBody>
+      </p:sp>
+    </p:spTree>
+    <p:extLst>
+      <p:ext uri="{BB962C8B-B14F-4D97-AF65-F5344CB8AC3E}">
+        <p14:creationId xmlns:p14="http://schemas.microsoft.com/office/powerpoint/2010/main" val="3184501211"/>
+      </p:ext>
+    </p:extLst>
+  </p:cSld>
+  <p:clrMapOvr>
+    <a:masterClrMapping/>
+  </p:clrMapOvr>
+</p:sld>
+</file>
+
+<file path=ppt/slides/slide12.xml><?xml version="1.0" encoding="utf-8"?>
+<p:sld xmlns:a="http://schemas.openxmlformats.org/drawingml/2006/main" xmlns:r="http://schemas.openxmlformats.org/officeDocument/2006/relationships" xmlns:p="http://schemas.openxmlformats.org/presentationml/2006/main">
+  <p:cSld>
+    <p:spTree>
+      <p:nvGrpSpPr>
+        <p:cNvPr id="1" name=""/>
+        <p:cNvGrpSpPr/>
+        <p:nvPr/>
+      </p:nvGrpSpPr>
+      <p:grpSpPr>
+        <a:xfrm>
+          <a:off x="0" y="0"/>
+          <a:ext cx="0" cy="0"/>
+          <a:chOff x="0" y="0"/>
+          <a:chExt cx="0" cy="0"/>
+        </a:xfrm>
+      </p:grpSpPr>
+      <p:sp>
+        <p:nvSpPr>
+          <p:cNvPr id="4" name="TextBox 3"/>
+          <p:cNvSpPr txBox="1"/>
+          <p:nvPr/>
+        </p:nvSpPr>
+        <p:spPr>
+          <a:xfrm>
+            <a:off x="683568" y="332656"/>
+            <a:ext cx="3024336" cy="369332"/>
+          </a:xfrm>
+          <a:prstGeom prst="rect">
+            <a:avLst/>
+          </a:prstGeom>
+          <a:noFill/>
+        </p:spPr>
+        <p:txBody>
+          <a:bodyPr wrap="square" rtlCol="0">
+            <a:spAutoFit/>
+          </a:bodyPr>
+          <a:lstStyle/>
+          <a:p>
+            <a:r>
+              <a:rPr lang="en-US" altLang="ko-KR" dirty="0" smtClean="0"/>
+              <a:t>1. </a:t>
+            </a:r>
+            <a:r>
+              <a:rPr lang="ko-KR" altLang="en-US" dirty="0" smtClean="0"/>
+              <a:t>사용자 화면 구성</a:t>
+            </a:r>
+            <a:endParaRPr lang="ko-KR" altLang="en-US" dirty="0"/>
+          </a:p>
+        </p:txBody>
+      </p:sp>
+      <p:grpSp>
+        <p:nvGrpSpPr>
+          <p:cNvPr id="2" name="그룹 1"/>
+          <p:cNvGrpSpPr/>
+          <p:nvPr/>
+        </p:nvGrpSpPr>
+        <p:grpSpPr>
+          <a:xfrm>
+            <a:off x="683568" y="1196752"/>
+            <a:ext cx="4608512" cy="4392488"/>
+            <a:chOff x="1043608" y="1340768"/>
+            <a:chExt cx="4608512" cy="4392488"/>
+          </a:xfrm>
+        </p:grpSpPr>
+        <p:sp>
+          <p:nvSpPr>
+            <p:cNvPr id="32" name="직사각형 31"/>
+            <p:cNvSpPr/>
+            <p:nvPr/>
+          </p:nvSpPr>
+          <p:spPr>
+            <a:xfrm>
+              <a:off x="1043608" y="1340768"/>
+              <a:ext cx="4608512" cy="4392488"/>
+            </a:xfrm>
+            <a:prstGeom prst="rect">
+              <a:avLst/>
+            </a:prstGeom>
+            <a:solidFill>
+              <a:schemeClr val="accent1">
+                <a:lumMod val="20000"/>
+                <a:lumOff val="80000"/>
+              </a:schemeClr>
+            </a:solidFill>
+          </p:spPr>
+          <p:style>
+            <a:lnRef idx="2">
+              <a:schemeClr val="accent1">
+                <a:shade val="50000"/>
+              </a:schemeClr>
+            </a:lnRef>
+            <a:fillRef idx="1">
+              <a:schemeClr val="accent1"/>
+            </a:fillRef>
+            <a:effectRef idx="0">
+              <a:schemeClr val="accent1"/>
+            </a:effectRef>
+            <a:fontRef idx="minor">
+              <a:schemeClr val="lt1"/>
+            </a:fontRef>
+          </p:style>
+          <p:txBody>
+            <a:bodyPr rtlCol="0" anchor="ctr"/>
+            <a:lstStyle/>
+            <a:p>
+              <a:pPr algn="ctr"/>
+              <a:endParaRPr lang="ko-KR" altLang="en-US"/>
+            </a:p>
+          </p:txBody>
+        </p:sp>
+        <p:sp>
+          <p:nvSpPr>
+            <p:cNvPr id="6" name="직사각형 5"/>
+            <p:cNvSpPr/>
+            <p:nvPr/>
+          </p:nvSpPr>
+          <p:spPr>
+            <a:xfrm>
+              <a:off x="2384342" y="1340768"/>
+              <a:ext cx="3267778" cy="4392488"/>
+            </a:xfrm>
+            <a:prstGeom prst="rect">
+              <a:avLst/>
+            </a:prstGeom>
+            <a:solidFill>
+              <a:schemeClr val="accent4">
+                <a:lumMod val="75000"/>
+              </a:schemeClr>
+            </a:solidFill>
+          </p:spPr>
+          <p:style>
+            <a:lnRef idx="2">
+              <a:schemeClr val="accent1">
+                <a:shade val="50000"/>
+              </a:schemeClr>
+            </a:lnRef>
+            <a:fillRef idx="1">
+              <a:schemeClr val="accent1"/>
+            </a:fillRef>
+            <a:effectRef idx="0">
+              <a:schemeClr val="accent1"/>
+            </a:effectRef>
+            <a:fontRef idx="minor">
+              <a:schemeClr val="lt1"/>
+            </a:fontRef>
+          </p:style>
+          <p:txBody>
+            <a:bodyPr rtlCol="0" anchor="ctr"/>
+            <a:lstStyle/>
+            <a:p>
+              <a:pPr algn="ctr"/>
+              <a:r>
+                <a:rPr lang="en-US" altLang="ko-KR" dirty="0" err="1" smtClean="0"/>
+                <a:t>CardLayoutPanel</a:t>
+              </a:r>
+              <a:endParaRPr lang="ko-KR" altLang="en-US" dirty="0"/>
+            </a:p>
+          </p:txBody>
+        </p:sp>
+        <p:sp>
+          <p:nvSpPr>
+            <p:cNvPr id="10" name="직사각형 9"/>
+            <p:cNvSpPr/>
+            <p:nvPr/>
+          </p:nvSpPr>
+          <p:spPr>
+            <a:xfrm>
+              <a:off x="1232215" y="1484784"/>
+              <a:ext cx="936104" cy="432048"/>
+            </a:xfrm>
+            <a:prstGeom prst="rect">
+              <a:avLst/>
+            </a:prstGeom>
+            <a:solidFill>
+              <a:schemeClr val="accent4">
+                <a:lumMod val="75000"/>
+              </a:schemeClr>
+            </a:solidFill>
+          </p:spPr>
+          <p:style>
+            <a:lnRef idx="2">
+              <a:schemeClr val="accent1">
+                <a:shade val="50000"/>
+              </a:schemeClr>
+            </a:lnRef>
+            <a:fillRef idx="1">
+              <a:schemeClr val="accent1"/>
+            </a:fillRef>
+            <a:effectRef idx="0">
+              <a:schemeClr val="accent1"/>
+            </a:effectRef>
+            <a:fontRef idx="minor">
+              <a:schemeClr val="lt1"/>
+            </a:fontRef>
+          </p:style>
+          <p:txBody>
+            <a:bodyPr rtlCol="0" anchor="ctr"/>
+            <a:lstStyle/>
+            <a:p>
+              <a:pPr algn="ctr"/>
+              <a:r>
+                <a:rPr lang="ko-KR" altLang="en-US" dirty="0" smtClean="0"/>
+                <a:t>예</a:t>
+              </a:r>
+              <a:r>
+                <a:rPr lang="ko-KR" altLang="en-US" dirty="0"/>
+                <a:t>금</a:t>
+              </a:r>
+              <a:endParaRPr lang="ko-KR" altLang="en-US" dirty="0"/>
+            </a:p>
+          </p:txBody>
+        </p:sp>
+        <p:sp>
+          <p:nvSpPr>
+            <p:cNvPr id="14" name="직사각형 13"/>
+            <p:cNvSpPr/>
+            <p:nvPr/>
+          </p:nvSpPr>
+          <p:spPr>
+            <a:xfrm>
+              <a:off x="1232215" y="2060848"/>
+              <a:ext cx="936104" cy="432048"/>
+            </a:xfrm>
+            <a:prstGeom prst="rect">
+              <a:avLst/>
+            </a:prstGeom>
+            <a:solidFill>
+              <a:schemeClr val="accent4">
+                <a:lumMod val="75000"/>
+              </a:schemeClr>
+            </a:solidFill>
+          </p:spPr>
+          <p:style>
+            <a:lnRef idx="2">
+              <a:schemeClr val="accent1">
+                <a:shade val="50000"/>
+              </a:schemeClr>
+            </a:lnRef>
+            <a:fillRef idx="1">
+              <a:schemeClr val="accent1"/>
+            </a:fillRef>
+            <a:effectRef idx="0">
+              <a:schemeClr val="accent1"/>
+            </a:effectRef>
+            <a:fontRef idx="minor">
+              <a:schemeClr val="lt1"/>
+            </a:fontRef>
+          </p:style>
+          <p:txBody>
+            <a:bodyPr rtlCol="0" anchor="ctr"/>
+            <a:lstStyle/>
+            <a:p>
+              <a:pPr algn="ctr"/>
+              <a:r>
+                <a:rPr lang="ko-KR" altLang="en-US" dirty="0" smtClean="0"/>
+                <a:t>출</a:t>
+              </a:r>
+              <a:r>
+                <a:rPr lang="ko-KR" altLang="en-US" dirty="0"/>
+                <a:t>금</a:t>
+              </a:r>
+              <a:endParaRPr lang="ko-KR" altLang="en-US" dirty="0"/>
+            </a:p>
+          </p:txBody>
+        </p:sp>
+        <p:sp>
+          <p:nvSpPr>
+            <p:cNvPr id="20" name="직사각형 19"/>
+            <p:cNvSpPr/>
+            <p:nvPr/>
+          </p:nvSpPr>
+          <p:spPr>
+            <a:xfrm>
+              <a:off x="1218552" y="2645296"/>
+              <a:ext cx="936104" cy="432048"/>
+            </a:xfrm>
+            <a:prstGeom prst="rect">
+              <a:avLst/>
+            </a:prstGeom>
+            <a:solidFill>
+              <a:schemeClr val="accent4">
+                <a:lumMod val="75000"/>
+              </a:schemeClr>
+            </a:solidFill>
+          </p:spPr>
+          <p:style>
+            <a:lnRef idx="2">
+              <a:schemeClr val="accent1">
+                <a:shade val="50000"/>
+              </a:schemeClr>
+            </a:lnRef>
+            <a:fillRef idx="1">
+              <a:schemeClr val="accent1"/>
+            </a:fillRef>
+            <a:effectRef idx="0">
+              <a:schemeClr val="accent1"/>
+            </a:effectRef>
+            <a:fontRef idx="minor">
+              <a:schemeClr val="lt1"/>
+            </a:fontRef>
+          </p:style>
+          <p:txBody>
+            <a:bodyPr rtlCol="0" anchor="ctr"/>
+            <a:lstStyle/>
+            <a:p>
+              <a:pPr algn="ctr"/>
+              <a:r>
+                <a:rPr lang="ko-KR" altLang="en-US" dirty="0" smtClean="0"/>
+                <a:t>이</a:t>
+              </a:r>
+              <a:r>
+                <a:rPr lang="ko-KR" altLang="en-US" dirty="0"/>
+                <a:t>체</a:t>
+              </a:r>
+              <a:endParaRPr lang="ko-KR" altLang="en-US" dirty="0"/>
+            </a:p>
+          </p:txBody>
+        </p:sp>
+        <p:sp>
+          <p:nvSpPr>
+            <p:cNvPr id="22" name="직사각형 21"/>
+            <p:cNvSpPr/>
+            <p:nvPr/>
+          </p:nvSpPr>
+          <p:spPr>
+            <a:xfrm>
+              <a:off x="1232215" y="4509120"/>
+              <a:ext cx="936104" cy="432048"/>
+            </a:xfrm>
+            <a:prstGeom prst="rect">
+              <a:avLst/>
+            </a:prstGeom>
+            <a:solidFill>
+              <a:schemeClr val="accent4">
+                <a:lumMod val="75000"/>
+              </a:schemeClr>
+            </a:solidFill>
+          </p:spPr>
+          <p:style>
+            <a:lnRef idx="2">
+              <a:schemeClr val="accent1">
+                <a:shade val="50000"/>
+              </a:schemeClr>
+            </a:lnRef>
+            <a:fillRef idx="1">
+              <a:schemeClr val="accent1"/>
+            </a:fillRef>
+            <a:effectRef idx="0">
+              <a:schemeClr val="accent1"/>
+            </a:effectRef>
+            <a:fontRef idx="minor">
+              <a:schemeClr val="lt1"/>
+            </a:fontRef>
+          </p:style>
+          <p:txBody>
+            <a:bodyPr rtlCol="0" anchor="ctr"/>
+            <a:lstStyle/>
+            <a:p>
+              <a:pPr algn="ctr"/>
+              <a:r>
+                <a:rPr lang="ko-KR" altLang="en-US" dirty="0" smtClean="0"/>
+                <a:t>조</a:t>
+              </a:r>
+              <a:r>
+                <a:rPr lang="ko-KR" altLang="en-US" dirty="0"/>
+                <a:t>회</a:t>
+              </a:r>
+              <a:endParaRPr lang="ko-KR" altLang="en-US" dirty="0"/>
+            </a:p>
+          </p:txBody>
+        </p:sp>
+        <p:sp>
+          <p:nvSpPr>
+            <p:cNvPr id="23" name="직사각형 22"/>
+            <p:cNvSpPr/>
+            <p:nvPr/>
+          </p:nvSpPr>
+          <p:spPr>
+            <a:xfrm>
+              <a:off x="1221363" y="5157192"/>
+              <a:ext cx="936104" cy="432048"/>
+            </a:xfrm>
+            <a:prstGeom prst="rect">
+              <a:avLst/>
+            </a:prstGeom>
+            <a:solidFill>
+              <a:schemeClr val="accent4">
+                <a:lumMod val="75000"/>
+              </a:schemeClr>
+            </a:solidFill>
+          </p:spPr>
+          <p:style>
+            <a:lnRef idx="2">
+              <a:schemeClr val="accent1">
+                <a:shade val="50000"/>
+              </a:schemeClr>
+            </a:lnRef>
+            <a:fillRef idx="1">
+              <a:schemeClr val="accent1"/>
+            </a:fillRef>
+            <a:effectRef idx="0">
+              <a:schemeClr val="accent1"/>
+            </a:effectRef>
+            <a:fontRef idx="minor">
+              <a:schemeClr val="lt1"/>
+            </a:fontRef>
+          </p:style>
+          <p:txBody>
+            <a:bodyPr rtlCol="0" anchor="ctr"/>
+            <a:lstStyle/>
+            <a:p>
+              <a:pPr algn="ctr"/>
+              <a:r>
+                <a:rPr lang="ko-KR" altLang="en-US" dirty="0" smtClean="0"/>
+                <a:t>종</a:t>
+              </a:r>
+              <a:r>
+                <a:rPr lang="ko-KR" altLang="en-US" dirty="0"/>
+                <a:t>료</a:t>
+              </a:r>
+              <a:endParaRPr lang="ko-KR" altLang="en-US" dirty="0"/>
+            </a:p>
+          </p:txBody>
+        </p:sp>
+      </p:grpSp>
+    </p:spTree>
+    <p:extLst>
+      <p:ext uri="{BB962C8B-B14F-4D97-AF65-F5344CB8AC3E}">
+        <p14:creationId xmlns:p14="http://schemas.microsoft.com/office/powerpoint/2010/main" val="2353707374"/>
       </p:ext>
     </p:extLst>
   </p:cSld>

--- a/BankSystem/documentation/banksystem.pptx
+++ b/BankSystem/documentation/banksystem.pptx
@@ -299,7 +299,7 @@
           <a:p>
             <a:fld id="{A1903258-B850-4A7F-A54C-06CBD2E02BCF}" type="datetimeFigureOut">
               <a:rPr lang="ko-KR" altLang="en-US" smtClean="0"/>
-              <a:t>2018-10-30</a:t>
+              <a:t>2018-11-01</a:t>
             </a:fld>
             <a:endParaRPr lang="ko-KR" altLang="en-US"/>
           </a:p>
@@ -469,7 +469,7 @@
           <a:p>
             <a:fld id="{A1903258-B850-4A7F-A54C-06CBD2E02BCF}" type="datetimeFigureOut">
               <a:rPr lang="ko-KR" altLang="en-US" smtClean="0"/>
-              <a:t>2018-10-30</a:t>
+              <a:t>2018-11-01</a:t>
             </a:fld>
             <a:endParaRPr lang="ko-KR" altLang="en-US"/>
           </a:p>
@@ -649,7 +649,7 @@
           <a:p>
             <a:fld id="{A1903258-B850-4A7F-A54C-06CBD2E02BCF}" type="datetimeFigureOut">
               <a:rPr lang="ko-KR" altLang="en-US" smtClean="0"/>
-              <a:t>2018-10-30</a:t>
+              <a:t>2018-11-01</a:t>
             </a:fld>
             <a:endParaRPr lang="ko-KR" altLang="en-US"/>
           </a:p>
@@ -819,7 +819,7 @@
           <a:p>
             <a:fld id="{A1903258-B850-4A7F-A54C-06CBD2E02BCF}" type="datetimeFigureOut">
               <a:rPr lang="ko-KR" altLang="en-US" smtClean="0"/>
-              <a:t>2018-10-30</a:t>
+              <a:t>2018-11-01</a:t>
             </a:fld>
             <a:endParaRPr lang="ko-KR" altLang="en-US"/>
           </a:p>
@@ -1065,7 +1065,7 @@
           <a:p>
             <a:fld id="{A1903258-B850-4A7F-A54C-06CBD2E02BCF}" type="datetimeFigureOut">
               <a:rPr lang="ko-KR" altLang="en-US" smtClean="0"/>
-              <a:t>2018-10-30</a:t>
+              <a:t>2018-11-01</a:t>
             </a:fld>
             <a:endParaRPr lang="ko-KR" altLang="en-US"/>
           </a:p>
@@ -1353,7 +1353,7 @@
           <a:p>
             <a:fld id="{A1903258-B850-4A7F-A54C-06CBD2E02BCF}" type="datetimeFigureOut">
               <a:rPr lang="ko-KR" altLang="en-US" smtClean="0"/>
-              <a:t>2018-10-30</a:t>
+              <a:t>2018-11-01</a:t>
             </a:fld>
             <a:endParaRPr lang="ko-KR" altLang="en-US"/>
           </a:p>
@@ -1775,7 +1775,7 @@
           <a:p>
             <a:fld id="{A1903258-B850-4A7F-A54C-06CBD2E02BCF}" type="datetimeFigureOut">
               <a:rPr lang="ko-KR" altLang="en-US" smtClean="0"/>
-              <a:t>2018-10-30</a:t>
+              <a:t>2018-11-01</a:t>
             </a:fld>
             <a:endParaRPr lang="ko-KR" altLang="en-US"/>
           </a:p>
@@ -1893,7 +1893,7 @@
           <a:p>
             <a:fld id="{A1903258-B850-4A7F-A54C-06CBD2E02BCF}" type="datetimeFigureOut">
               <a:rPr lang="ko-KR" altLang="en-US" smtClean="0"/>
-              <a:t>2018-10-30</a:t>
+              <a:t>2018-11-01</a:t>
             </a:fld>
             <a:endParaRPr lang="ko-KR" altLang="en-US"/>
           </a:p>
@@ -1988,7 +1988,7 @@
           <a:p>
             <a:fld id="{A1903258-B850-4A7F-A54C-06CBD2E02BCF}" type="datetimeFigureOut">
               <a:rPr lang="ko-KR" altLang="en-US" smtClean="0"/>
-              <a:t>2018-10-30</a:t>
+              <a:t>2018-11-01</a:t>
             </a:fld>
             <a:endParaRPr lang="ko-KR" altLang="en-US"/>
           </a:p>
@@ -2265,7 +2265,7 @@
           <a:p>
             <a:fld id="{A1903258-B850-4A7F-A54C-06CBD2E02BCF}" type="datetimeFigureOut">
               <a:rPr lang="ko-KR" altLang="en-US" smtClean="0"/>
-              <a:t>2018-10-30</a:t>
+              <a:t>2018-11-01</a:t>
             </a:fld>
             <a:endParaRPr lang="ko-KR" altLang="en-US"/>
           </a:p>
@@ -2518,7 +2518,7 @@
           <a:p>
             <a:fld id="{A1903258-B850-4A7F-A54C-06CBD2E02BCF}" type="datetimeFigureOut">
               <a:rPr lang="ko-KR" altLang="en-US" smtClean="0"/>
-              <a:t>2018-10-30</a:t>
+              <a:t>2018-11-01</a:t>
             </a:fld>
             <a:endParaRPr lang="ko-KR" altLang="en-US"/>
           </a:p>
@@ -2731,7 +2731,7 @@
           <a:p>
             <a:fld id="{A1903258-B850-4A7F-A54C-06CBD2E02BCF}" type="datetimeFigureOut">
               <a:rPr lang="ko-KR" altLang="en-US" smtClean="0"/>
-              <a:t>2018-10-30</a:t>
+              <a:t>2018-11-01</a:t>
             </a:fld>
             <a:endParaRPr lang="ko-KR" altLang="en-US"/>
           </a:p>
@@ -3666,15 +3666,7 @@
             </a:r>
             <a:r>
               <a:rPr lang="en-US" altLang="ko-KR" sz="3200" dirty="0" smtClean="0"/>
-              <a:t> </a:t>
-            </a:r>
-            <a:r>
-              <a:rPr lang="en-US" altLang="ko-KR" sz="3200" dirty="0" smtClean="0"/>
-              <a:t>Second </a:t>
-            </a:r>
-            <a:r>
-              <a:rPr lang="en-US" altLang="ko-KR" sz="3200" dirty="0" smtClean="0"/>
-              <a:t>Panel(deposit)</a:t>
+              <a:t> Second Panel(deposit)</a:t>
             </a:r>
             <a:endParaRPr lang="ko-KR" altLang="en-US" sz="3200" dirty="0"/>
           </a:p>
@@ -3752,8 +3744,8 @@
         </p:nvGrpSpPr>
         <p:grpSpPr>
           <a:xfrm>
-            <a:off x="683568" y="1196752"/>
-            <a:ext cx="4608512" cy="4392488"/>
+            <a:off x="539552" y="1088740"/>
+            <a:ext cx="5544616" cy="4392488"/>
             <a:chOff x="1043608" y="1340768"/>
             <a:chExt cx="4608512" cy="4392488"/>
           </a:xfrm>
@@ -3861,8 +3853,8 @@
           </p:nvSpPr>
           <p:spPr>
             <a:xfrm>
-              <a:off x="1232215" y="1484784"/>
-              <a:ext cx="936104" cy="432048"/>
+              <a:off x="1043930" y="1340768"/>
+              <a:ext cx="1340412" cy="648072"/>
             </a:xfrm>
             <a:prstGeom prst="rect">
               <a:avLst/>
@@ -3902,7 +3894,6 @@
                 <a:rPr lang="ko-KR" altLang="en-US" dirty="0"/>
                 <a:t>금</a:t>
               </a:r>
-              <a:endParaRPr lang="ko-KR" altLang="en-US" dirty="0"/>
             </a:p>
           </p:txBody>
         </p:sp>
@@ -3914,8 +3905,8 @@
           </p:nvSpPr>
           <p:spPr>
             <a:xfrm>
-              <a:off x="1232215" y="2060848"/>
-              <a:ext cx="936104" cy="432048"/>
+              <a:off x="1043609" y="2071970"/>
+              <a:ext cx="1340734" cy="636950"/>
             </a:xfrm>
             <a:prstGeom prst="rect">
               <a:avLst/>
@@ -3955,170 +3946,241 @@
                 <a:rPr lang="ko-KR" altLang="en-US" dirty="0"/>
                 <a:t>금</a:t>
               </a:r>
-              <a:endParaRPr lang="ko-KR" altLang="en-US" dirty="0"/>
-            </a:p>
-          </p:txBody>
-        </p:sp>
-        <p:sp>
-          <p:nvSpPr>
-            <p:cNvPr id="20" name="직사각형 19"/>
-            <p:cNvSpPr/>
-            <p:nvPr/>
-          </p:nvSpPr>
-          <p:spPr>
-            <a:xfrm>
-              <a:off x="1218552" y="2645296"/>
-              <a:ext cx="936104" cy="432048"/>
-            </a:xfrm>
-            <a:prstGeom prst="rect">
-              <a:avLst/>
-            </a:prstGeom>
-            <a:solidFill>
-              <a:schemeClr val="accent4">
-                <a:lumMod val="75000"/>
-              </a:schemeClr>
-            </a:solidFill>
-          </p:spPr>
-          <p:style>
-            <a:lnRef idx="2">
-              <a:schemeClr val="accent1">
-                <a:shade val="50000"/>
-              </a:schemeClr>
-            </a:lnRef>
-            <a:fillRef idx="1">
-              <a:schemeClr val="accent1"/>
-            </a:fillRef>
-            <a:effectRef idx="0">
-              <a:schemeClr val="accent1"/>
-            </a:effectRef>
-            <a:fontRef idx="minor">
-              <a:schemeClr val="lt1"/>
-            </a:fontRef>
-          </p:style>
-          <p:txBody>
-            <a:bodyPr rtlCol="0" anchor="ctr"/>
-            <a:lstStyle/>
-            <a:p>
-              <a:pPr algn="ctr"/>
-              <a:r>
-                <a:rPr lang="ko-KR" altLang="en-US" dirty="0" smtClean="0"/>
-                <a:t>이</a:t>
-              </a:r>
-              <a:r>
-                <a:rPr lang="ko-KR" altLang="en-US" dirty="0"/>
-                <a:t>체</a:t>
-              </a:r>
-              <a:endParaRPr lang="ko-KR" altLang="en-US" dirty="0"/>
-            </a:p>
-          </p:txBody>
-        </p:sp>
-        <p:sp>
-          <p:nvSpPr>
-            <p:cNvPr id="22" name="직사각형 21"/>
-            <p:cNvSpPr/>
-            <p:nvPr/>
-          </p:nvSpPr>
-          <p:spPr>
-            <a:xfrm>
-              <a:off x="1232215" y="4509120"/>
-              <a:ext cx="936104" cy="432048"/>
-            </a:xfrm>
-            <a:prstGeom prst="rect">
-              <a:avLst/>
-            </a:prstGeom>
-            <a:solidFill>
-              <a:schemeClr val="accent4">
-                <a:lumMod val="75000"/>
-              </a:schemeClr>
-            </a:solidFill>
-          </p:spPr>
-          <p:style>
-            <a:lnRef idx="2">
-              <a:schemeClr val="accent1">
-                <a:shade val="50000"/>
-              </a:schemeClr>
-            </a:lnRef>
-            <a:fillRef idx="1">
-              <a:schemeClr val="accent1"/>
-            </a:fillRef>
-            <a:effectRef idx="0">
-              <a:schemeClr val="accent1"/>
-            </a:effectRef>
-            <a:fontRef idx="minor">
-              <a:schemeClr val="lt1"/>
-            </a:fontRef>
-          </p:style>
-          <p:txBody>
-            <a:bodyPr rtlCol="0" anchor="ctr"/>
-            <a:lstStyle/>
-            <a:p>
-              <a:pPr algn="ctr"/>
-              <a:r>
-                <a:rPr lang="ko-KR" altLang="en-US" dirty="0" smtClean="0"/>
-                <a:t>조</a:t>
-              </a:r>
-              <a:r>
-                <a:rPr lang="ko-KR" altLang="en-US" dirty="0"/>
-                <a:t>회</a:t>
-              </a:r>
-              <a:endParaRPr lang="ko-KR" altLang="en-US" dirty="0"/>
-            </a:p>
-          </p:txBody>
-        </p:sp>
-        <p:sp>
-          <p:nvSpPr>
-            <p:cNvPr id="23" name="직사각형 22"/>
-            <p:cNvSpPr/>
-            <p:nvPr/>
-          </p:nvSpPr>
-          <p:spPr>
-            <a:xfrm>
-              <a:off x="1221363" y="5157192"/>
-              <a:ext cx="936104" cy="432048"/>
-            </a:xfrm>
-            <a:prstGeom prst="rect">
-              <a:avLst/>
-            </a:prstGeom>
-            <a:solidFill>
-              <a:schemeClr val="accent4">
-                <a:lumMod val="75000"/>
-              </a:schemeClr>
-            </a:solidFill>
-          </p:spPr>
-          <p:style>
-            <a:lnRef idx="2">
-              <a:schemeClr val="accent1">
-                <a:shade val="50000"/>
-              </a:schemeClr>
-            </a:lnRef>
-            <a:fillRef idx="1">
-              <a:schemeClr val="accent1"/>
-            </a:fillRef>
-            <a:effectRef idx="0">
-              <a:schemeClr val="accent1"/>
-            </a:effectRef>
-            <a:fontRef idx="minor">
-              <a:schemeClr val="lt1"/>
-            </a:fontRef>
-          </p:style>
-          <p:txBody>
-            <a:bodyPr rtlCol="0" anchor="ctr"/>
-            <a:lstStyle/>
-            <a:p>
-              <a:pPr algn="ctr"/>
-              <a:r>
-                <a:rPr lang="ko-KR" altLang="en-US" dirty="0" smtClean="0"/>
-                <a:t>종</a:t>
-              </a:r>
-              <a:r>
-                <a:rPr lang="ko-KR" altLang="en-US" dirty="0"/>
-                <a:t>료</a:t>
-              </a:r>
-              <a:endParaRPr lang="ko-KR" altLang="en-US" dirty="0"/>
             </a:p>
           </p:txBody>
         </p:sp>
       </p:grpSp>
+      <p:sp>
+        <p:nvSpPr>
+          <p:cNvPr id="11" name="직사각형 10"/>
+          <p:cNvSpPr/>
+          <p:nvPr/>
+        </p:nvSpPr>
+        <p:spPr>
+          <a:xfrm>
+            <a:off x="563659" y="4835635"/>
+            <a:ext cx="1598551" cy="636950"/>
+          </a:xfrm>
+          <a:prstGeom prst="rect">
+            <a:avLst/>
+          </a:prstGeom>
+          <a:solidFill>
+            <a:schemeClr val="accent4">
+              <a:lumMod val="75000"/>
+            </a:schemeClr>
+          </a:solidFill>
+        </p:spPr>
+        <p:style>
+          <a:lnRef idx="2">
+            <a:schemeClr val="accent1">
+              <a:shade val="50000"/>
+            </a:schemeClr>
+          </a:lnRef>
+          <a:fillRef idx="1">
+            <a:schemeClr val="accent1"/>
+          </a:fillRef>
+          <a:effectRef idx="0">
+            <a:schemeClr val="accent1"/>
+          </a:effectRef>
+          <a:fontRef idx="minor">
+            <a:schemeClr val="lt1"/>
+          </a:fontRef>
+        </p:style>
+        <p:txBody>
+          <a:bodyPr rtlCol="0" anchor="ctr"/>
+          <a:lstStyle/>
+          <a:p>
+            <a:pPr algn="ctr"/>
+            <a:r>
+              <a:rPr lang="ko-KR" altLang="en-US" dirty="0" smtClean="0"/>
+              <a:t>종</a:t>
+            </a:r>
+            <a:r>
+              <a:rPr lang="ko-KR" altLang="en-US" dirty="0"/>
+              <a:t>료</a:t>
+            </a:r>
+            <a:endParaRPr lang="ko-KR" altLang="en-US" dirty="0"/>
+          </a:p>
+        </p:txBody>
+      </p:sp>
+      <p:sp>
+        <p:nvSpPr>
+          <p:cNvPr id="12" name="직사각형 11"/>
+          <p:cNvSpPr/>
+          <p:nvPr/>
+        </p:nvSpPr>
+        <p:spPr>
+          <a:xfrm>
+            <a:off x="554071" y="4113076"/>
+            <a:ext cx="1598551" cy="636950"/>
+          </a:xfrm>
+          <a:prstGeom prst="rect">
+            <a:avLst/>
+          </a:prstGeom>
+          <a:solidFill>
+            <a:schemeClr val="accent4">
+              <a:lumMod val="75000"/>
+            </a:schemeClr>
+          </a:solidFill>
+        </p:spPr>
+        <p:style>
+          <a:lnRef idx="2">
+            <a:schemeClr val="accent1">
+              <a:shade val="50000"/>
+            </a:schemeClr>
+          </a:lnRef>
+          <a:fillRef idx="1">
+            <a:schemeClr val="accent1"/>
+          </a:fillRef>
+          <a:effectRef idx="0">
+            <a:schemeClr val="accent1"/>
+          </a:effectRef>
+          <a:fontRef idx="minor">
+            <a:schemeClr val="lt1"/>
+          </a:fontRef>
+        </p:style>
+        <p:txBody>
+          <a:bodyPr rtlCol="0" anchor="ctr"/>
+          <a:lstStyle/>
+          <a:p>
+            <a:pPr algn="ctr"/>
+            <a:r>
+              <a:rPr lang="ko-KR" altLang="en-US" smtClean="0"/>
+              <a:t>조</a:t>
+            </a:r>
+            <a:r>
+              <a:rPr lang="ko-KR" altLang="en-US"/>
+              <a:t>회</a:t>
+            </a:r>
+            <a:endParaRPr lang="ko-KR" altLang="en-US" dirty="0"/>
+          </a:p>
+        </p:txBody>
+      </p:sp>
+      <p:sp>
+        <p:nvSpPr>
+          <p:cNvPr id="13" name="직사각형 12"/>
+          <p:cNvSpPr/>
+          <p:nvPr/>
+        </p:nvSpPr>
+        <p:spPr>
+          <a:xfrm>
+            <a:off x="554070" y="2540022"/>
+            <a:ext cx="1598551" cy="636950"/>
+          </a:xfrm>
+          <a:prstGeom prst="rect">
+            <a:avLst/>
+          </a:prstGeom>
+          <a:solidFill>
+            <a:schemeClr val="accent4">
+              <a:lumMod val="75000"/>
+            </a:schemeClr>
+          </a:solidFill>
+        </p:spPr>
+        <p:style>
+          <a:lnRef idx="2">
+            <a:schemeClr val="accent1">
+              <a:shade val="50000"/>
+            </a:schemeClr>
+          </a:lnRef>
+          <a:fillRef idx="1">
+            <a:schemeClr val="accent1"/>
+          </a:fillRef>
+          <a:effectRef idx="0">
+            <a:schemeClr val="accent1"/>
+          </a:effectRef>
+          <a:fontRef idx="minor">
+            <a:schemeClr val="lt1"/>
+          </a:fontRef>
+        </p:style>
+        <p:txBody>
+          <a:bodyPr rtlCol="0" anchor="ctr"/>
+          <a:lstStyle/>
+          <a:p>
+            <a:pPr algn="ctr"/>
+            <a:r>
+              <a:rPr lang="ko-KR" altLang="en-US" dirty="0" smtClean="0"/>
+              <a:t>이체</a:t>
+            </a:r>
+            <a:endParaRPr lang="ko-KR" altLang="en-US" dirty="0"/>
+          </a:p>
+        </p:txBody>
+      </p:sp>
+      <p:sp>
+        <p:nvSpPr>
+          <p:cNvPr id="15" name="TextBox 14"/>
+          <p:cNvSpPr txBox="1"/>
+          <p:nvPr/>
+        </p:nvSpPr>
+        <p:spPr>
+          <a:xfrm>
+            <a:off x="6516216" y="1043444"/>
+            <a:ext cx="2232248" cy="369332"/>
+          </a:xfrm>
+          <a:prstGeom prst="rect">
+            <a:avLst/>
+          </a:prstGeom>
+          <a:noFill/>
+        </p:spPr>
+        <p:txBody>
+          <a:bodyPr wrap="square" rtlCol="0">
+            <a:spAutoFit/>
+          </a:bodyPr>
+          <a:lstStyle/>
+          <a:p>
+            <a:r>
+              <a:rPr lang="ko-KR" altLang="en-US" dirty="0" smtClean="0"/>
+              <a:t>새로운 </a:t>
+            </a:r>
+            <a:r>
+              <a:rPr lang="en-US" altLang="ko-KR" dirty="0" smtClean="0"/>
+              <a:t>Frame </a:t>
+            </a:r>
+            <a:r>
+              <a:rPr lang="ko-KR" altLang="en-US" dirty="0" smtClean="0"/>
+              <a:t>생성</a:t>
+            </a:r>
+            <a:endParaRPr lang="ko-KR" altLang="en-US" dirty="0"/>
+          </a:p>
+        </p:txBody>
+      </p:sp>
+      <p:sp>
+        <p:nvSpPr>
+          <p:cNvPr id="16" name="TextBox 15"/>
+          <p:cNvSpPr txBox="1"/>
+          <p:nvPr/>
+        </p:nvSpPr>
+        <p:spPr>
+          <a:xfrm>
+            <a:off x="6565099" y="1627165"/>
+            <a:ext cx="2232248" cy="369332"/>
+          </a:xfrm>
+          <a:prstGeom prst="rect">
+            <a:avLst/>
+          </a:prstGeom>
+          <a:noFill/>
+        </p:spPr>
+        <p:txBody>
+          <a:bodyPr wrap="square" rtlCol="0">
+            <a:spAutoFit/>
+          </a:bodyPr>
+          <a:lstStyle/>
+          <a:p>
+            <a:r>
+              <a:rPr lang="ko-KR" altLang="en-US" dirty="0" smtClean="0"/>
+              <a:t>새로운 </a:t>
+            </a:r>
+            <a:r>
+              <a:rPr lang="en-US" altLang="ko-KR" dirty="0" smtClean="0"/>
+              <a:t>Frame </a:t>
+            </a:r>
+            <a:r>
+              <a:rPr lang="ko-KR" altLang="en-US" dirty="0" smtClean="0"/>
+              <a:t>생성</a:t>
+            </a:r>
+            <a:endParaRPr lang="ko-KR" altLang="en-US" dirty="0"/>
+          </a:p>
+        </p:txBody>
+      </p:sp>
     </p:spTree>
     <p:extLst>
       <p:ext uri="{BB962C8B-B14F-4D97-AF65-F5344CB8AC3E}">

--- a/BankSystem/documentation/banksystem.pptx
+++ b/BankSystem/documentation/banksystem.pptx
@@ -17,6 +17,9 @@
     <p:sldId id="258" r:id="rId11"/>
     <p:sldId id="269" r:id="rId12"/>
     <p:sldId id="270" r:id="rId13"/>
+    <p:sldId id="271" r:id="rId14"/>
+    <p:sldId id="272" r:id="rId15"/>
+    <p:sldId id="273" r:id="rId16"/>
   </p:sldIdLst>
   <p:sldSz cx="9144000" cy="6858000" type="screen4x3"/>
   <p:notesSz cx="6858000" cy="9144000"/>
@@ -115,6 +118,22 @@
       </a:defRPr>
     </a:lvl9pPr>
   </p:defaultTextStyle>
+  <p:extLst>
+    <p:ext uri="{EFAFB233-063F-42B5-8137-9DF3F51BA10A}">
+      <p15:sldGuideLst xmlns:p15="http://schemas.microsoft.com/office/powerpoint/2012/main">
+        <p15:guide id="1" orient="horz" pos="2160">
+          <p15:clr>
+            <a:srgbClr val="A4A3A4"/>
+          </p15:clr>
+        </p15:guide>
+        <p15:guide id="2" pos="2880">
+          <p15:clr>
+            <a:srgbClr val="A4A3A4"/>
+          </p15:clr>
+        </p15:guide>
+      </p15:sldGuideLst>
+    </p:ext>
+  </p:extLst>
 </p:presentation>
 </file>
 
@@ -299,7 +318,7 @@
           <a:p>
             <a:fld id="{A1903258-B850-4A7F-A54C-06CBD2E02BCF}" type="datetimeFigureOut">
               <a:rPr lang="ko-KR" altLang="en-US" smtClean="0"/>
-              <a:t>2018-11-01</a:t>
+              <a:t>2018-11-06</a:t>
             </a:fld>
             <a:endParaRPr lang="ko-KR" altLang="en-US"/>
           </a:p>
@@ -469,7 +488,7 @@
           <a:p>
             <a:fld id="{A1903258-B850-4A7F-A54C-06CBD2E02BCF}" type="datetimeFigureOut">
               <a:rPr lang="ko-KR" altLang="en-US" smtClean="0"/>
-              <a:t>2018-11-01</a:t>
+              <a:t>2018-11-06</a:t>
             </a:fld>
             <a:endParaRPr lang="ko-KR" altLang="en-US"/>
           </a:p>
@@ -649,7 +668,7 @@
           <a:p>
             <a:fld id="{A1903258-B850-4A7F-A54C-06CBD2E02BCF}" type="datetimeFigureOut">
               <a:rPr lang="ko-KR" altLang="en-US" smtClean="0"/>
-              <a:t>2018-11-01</a:t>
+              <a:t>2018-11-06</a:t>
             </a:fld>
             <a:endParaRPr lang="ko-KR" altLang="en-US"/>
           </a:p>
@@ -819,7 +838,7 @@
           <a:p>
             <a:fld id="{A1903258-B850-4A7F-A54C-06CBD2E02BCF}" type="datetimeFigureOut">
               <a:rPr lang="ko-KR" altLang="en-US" smtClean="0"/>
-              <a:t>2018-11-01</a:t>
+              <a:t>2018-11-06</a:t>
             </a:fld>
             <a:endParaRPr lang="ko-KR" altLang="en-US"/>
           </a:p>
@@ -1065,7 +1084,7 @@
           <a:p>
             <a:fld id="{A1903258-B850-4A7F-A54C-06CBD2E02BCF}" type="datetimeFigureOut">
               <a:rPr lang="ko-KR" altLang="en-US" smtClean="0"/>
-              <a:t>2018-11-01</a:t>
+              <a:t>2018-11-06</a:t>
             </a:fld>
             <a:endParaRPr lang="ko-KR" altLang="en-US"/>
           </a:p>
@@ -1353,7 +1372,7 @@
           <a:p>
             <a:fld id="{A1903258-B850-4A7F-A54C-06CBD2E02BCF}" type="datetimeFigureOut">
               <a:rPr lang="ko-KR" altLang="en-US" smtClean="0"/>
-              <a:t>2018-11-01</a:t>
+              <a:t>2018-11-06</a:t>
             </a:fld>
             <a:endParaRPr lang="ko-KR" altLang="en-US"/>
           </a:p>
@@ -1775,7 +1794,7 @@
           <a:p>
             <a:fld id="{A1903258-B850-4A7F-A54C-06CBD2E02BCF}" type="datetimeFigureOut">
               <a:rPr lang="ko-KR" altLang="en-US" smtClean="0"/>
-              <a:t>2018-11-01</a:t>
+              <a:t>2018-11-06</a:t>
             </a:fld>
             <a:endParaRPr lang="ko-KR" altLang="en-US"/>
           </a:p>
@@ -1893,7 +1912,7 @@
           <a:p>
             <a:fld id="{A1903258-B850-4A7F-A54C-06CBD2E02BCF}" type="datetimeFigureOut">
               <a:rPr lang="ko-KR" altLang="en-US" smtClean="0"/>
-              <a:t>2018-11-01</a:t>
+              <a:t>2018-11-06</a:t>
             </a:fld>
             <a:endParaRPr lang="ko-KR" altLang="en-US"/>
           </a:p>
@@ -1988,7 +2007,7 @@
           <a:p>
             <a:fld id="{A1903258-B850-4A7F-A54C-06CBD2E02BCF}" type="datetimeFigureOut">
               <a:rPr lang="ko-KR" altLang="en-US" smtClean="0"/>
-              <a:t>2018-11-01</a:t>
+              <a:t>2018-11-06</a:t>
             </a:fld>
             <a:endParaRPr lang="ko-KR" altLang="en-US"/>
           </a:p>
@@ -2265,7 +2284,7 @@
           <a:p>
             <a:fld id="{A1903258-B850-4A7F-A54C-06CBD2E02BCF}" type="datetimeFigureOut">
               <a:rPr lang="ko-KR" altLang="en-US" smtClean="0"/>
-              <a:t>2018-11-01</a:t>
+              <a:t>2018-11-06</a:t>
             </a:fld>
             <a:endParaRPr lang="ko-KR" altLang="en-US"/>
           </a:p>
@@ -2518,7 +2537,7 @@
           <a:p>
             <a:fld id="{A1903258-B850-4A7F-A54C-06CBD2E02BCF}" type="datetimeFigureOut">
               <a:rPr lang="ko-KR" altLang="en-US" smtClean="0"/>
-              <a:t>2018-11-01</a:t>
+              <a:t>2018-11-06</a:t>
             </a:fld>
             <a:endParaRPr lang="ko-KR" altLang="en-US"/>
           </a:p>
@@ -2731,7 +2750,7 @@
           <a:p>
             <a:fld id="{A1903258-B850-4A7F-A54C-06CBD2E02BCF}" type="datetimeFigureOut">
               <a:rPr lang="ko-KR" altLang="en-US" smtClean="0"/>
-              <a:t>2018-11-01</a:t>
+              <a:t>2018-11-06</a:t>
             </a:fld>
             <a:endParaRPr lang="ko-KR" altLang="en-US"/>
           </a:p>
@@ -3661,12 +3680,8 @@
               <a:t>. </a:t>
             </a:r>
             <a:r>
-              <a:rPr lang="en-US" altLang="ko-KR" sz="3200" dirty="0" err="1" smtClean="0"/>
-              <a:t>CardLayout</a:t>
-            </a:r>
-            <a:r>
               <a:rPr lang="en-US" altLang="ko-KR" sz="3200" dirty="0" smtClean="0"/>
-              <a:t> Second Panel(deposit)</a:t>
+              <a:t>User Panel</a:t>
             </a:r>
             <a:endParaRPr lang="ko-KR" altLang="en-US" sz="3200" dirty="0"/>
           </a:p>
@@ -3686,6 +3701,1400 @@
 </file>
 
 <file path=ppt/slides/slide12.xml><?xml version="1.0" encoding="utf-8"?>
+<p:sld xmlns:a="http://schemas.openxmlformats.org/drawingml/2006/main" xmlns:r="http://schemas.openxmlformats.org/officeDocument/2006/relationships" xmlns:p="http://schemas.openxmlformats.org/presentationml/2006/main">
+  <p:cSld>
+    <p:spTree>
+      <p:nvGrpSpPr>
+        <p:cNvPr id="1" name=""/>
+        <p:cNvGrpSpPr/>
+        <p:nvPr/>
+      </p:nvGrpSpPr>
+      <p:grpSpPr>
+        <a:xfrm>
+          <a:off x="0" y="0"/>
+          <a:ext cx="0" cy="0"/>
+          <a:chOff x="0" y="0"/>
+          <a:chExt cx="0" cy="0"/>
+        </a:xfrm>
+      </p:grpSpPr>
+      <p:sp>
+        <p:nvSpPr>
+          <p:cNvPr id="4" name="TextBox 3"/>
+          <p:cNvSpPr txBox="1"/>
+          <p:nvPr/>
+        </p:nvSpPr>
+        <p:spPr>
+          <a:xfrm>
+            <a:off x="683568" y="332656"/>
+            <a:ext cx="3024336" cy="369332"/>
+          </a:xfrm>
+          <a:prstGeom prst="rect">
+            <a:avLst/>
+          </a:prstGeom>
+          <a:noFill/>
+        </p:spPr>
+        <p:txBody>
+          <a:bodyPr wrap="square" rtlCol="0">
+            <a:spAutoFit/>
+          </a:bodyPr>
+          <a:lstStyle/>
+          <a:p>
+            <a:r>
+              <a:rPr lang="en-US" altLang="ko-KR" dirty="0" smtClean="0"/>
+              <a:t>1. </a:t>
+            </a:r>
+            <a:r>
+              <a:rPr lang="ko-KR" altLang="en-US" dirty="0" smtClean="0"/>
+              <a:t>사용자 화면 구성</a:t>
+            </a:r>
+            <a:endParaRPr lang="ko-KR" altLang="en-US" dirty="0"/>
+          </a:p>
+        </p:txBody>
+      </p:sp>
+      <p:grpSp>
+        <p:nvGrpSpPr>
+          <p:cNvPr id="2" name="그룹 1"/>
+          <p:cNvGrpSpPr/>
+          <p:nvPr/>
+        </p:nvGrpSpPr>
+        <p:grpSpPr>
+          <a:xfrm>
+            <a:off x="539552" y="1088740"/>
+            <a:ext cx="5544616" cy="4392488"/>
+            <a:chOff x="1043608" y="1340768"/>
+            <a:chExt cx="4608512" cy="4392488"/>
+          </a:xfrm>
+        </p:grpSpPr>
+        <p:sp>
+          <p:nvSpPr>
+            <p:cNvPr id="32" name="직사각형 31"/>
+            <p:cNvSpPr/>
+            <p:nvPr/>
+          </p:nvSpPr>
+          <p:spPr>
+            <a:xfrm>
+              <a:off x="1043608" y="1340768"/>
+              <a:ext cx="4608512" cy="4392488"/>
+            </a:xfrm>
+            <a:prstGeom prst="rect">
+              <a:avLst/>
+            </a:prstGeom>
+            <a:solidFill>
+              <a:schemeClr val="accent1">
+                <a:lumMod val="20000"/>
+                <a:lumOff val="80000"/>
+              </a:schemeClr>
+            </a:solidFill>
+          </p:spPr>
+          <p:style>
+            <a:lnRef idx="2">
+              <a:schemeClr val="accent1">
+                <a:shade val="50000"/>
+              </a:schemeClr>
+            </a:lnRef>
+            <a:fillRef idx="1">
+              <a:schemeClr val="accent1"/>
+            </a:fillRef>
+            <a:effectRef idx="0">
+              <a:schemeClr val="accent1"/>
+            </a:effectRef>
+            <a:fontRef idx="minor">
+              <a:schemeClr val="lt1"/>
+            </a:fontRef>
+          </p:style>
+          <p:txBody>
+            <a:bodyPr rtlCol="0" anchor="ctr"/>
+            <a:lstStyle/>
+            <a:p>
+              <a:pPr algn="ctr"/>
+              <a:endParaRPr lang="ko-KR" altLang="en-US"/>
+            </a:p>
+          </p:txBody>
+        </p:sp>
+        <p:sp>
+          <p:nvSpPr>
+            <p:cNvPr id="6" name="직사각형 5"/>
+            <p:cNvSpPr/>
+            <p:nvPr/>
+          </p:nvSpPr>
+          <p:spPr>
+            <a:xfrm>
+              <a:off x="2384342" y="1340768"/>
+              <a:ext cx="3267778" cy="4392488"/>
+            </a:xfrm>
+            <a:prstGeom prst="rect">
+              <a:avLst/>
+            </a:prstGeom>
+            <a:solidFill>
+              <a:schemeClr val="accent4">
+                <a:lumMod val="75000"/>
+              </a:schemeClr>
+            </a:solidFill>
+          </p:spPr>
+          <p:style>
+            <a:lnRef idx="2">
+              <a:schemeClr val="accent1">
+                <a:shade val="50000"/>
+              </a:schemeClr>
+            </a:lnRef>
+            <a:fillRef idx="1">
+              <a:schemeClr val="accent1"/>
+            </a:fillRef>
+            <a:effectRef idx="0">
+              <a:schemeClr val="accent1"/>
+            </a:effectRef>
+            <a:fontRef idx="minor">
+              <a:schemeClr val="lt1"/>
+            </a:fontRef>
+          </p:style>
+          <p:txBody>
+            <a:bodyPr rtlCol="0" anchor="ctr"/>
+            <a:lstStyle/>
+            <a:p>
+              <a:pPr algn="ctr"/>
+              <a:r>
+                <a:rPr lang="en-US" altLang="ko-KR" dirty="0" err="1" smtClean="0"/>
+                <a:t>CardLayoutPanel</a:t>
+              </a:r>
+              <a:endParaRPr lang="ko-KR" altLang="en-US" dirty="0"/>
+            </a:p>
+          </p:txBody>
+        </p:sp>
+        <p:sp>
+          <p:nvSpPr>
+            <p:cNvPr id="10" name="직사각형 9"/>
+            <p:cNvSpPr/>
+            <p:nvPr/>
+          </p:nvSpPr>
+          <p:spPr>
+            <a:xfrm>
+              <a:off x="1043930" y="1340768"/>
+              <a:ext cx="1340412" cy="648072"/>
+            </a:xfrm>
+            <a:prstGeom prst="rect">
+              <a:avLst/>
+            </a:prstGeom>
+            <a:solidFill>
+              <a:schemeClr val="accent1"/>
+            </a:solidFill>
+          </p:spPr>
+          <p:style>
+            <a:lnRef idx="2">
+              <a:schemeClr val="accent1">
+                <a:shade val="50000"/>
+              </a:schemeClr>
+            </a:lnRef>
+            <a:fillRef idx="1">
+              <a:schemeClr val="accent1"/>
+            </a:fillRef>
+            <a:effectRef idx="0">
+              <a:schemeClr val="accent1"/>
+            </a:effectRef>
+            <a:fontRef idx="minor">
+              <a:schemeClr val="lt1"/>
+            </a:fontRef>
+          </p:style>
+          <p:txBody>
+            <a:bodyPr rtlCol="0" anchor="ctr"/>
+            <a:lstStyle/>
+            <a:p>
+              <a:pPr algn="ctr"/>
+              <a:r>
+                <a:rPr lang="ko-KR" altLang="en-US" dirty="0" smtClean="0"/>
+                <a:t>예</a:t>
+              </a:r>
+              <a:r>
+                <a:rPr lang="ko-KR" altLang="en-US" dirty="0"/>
+                <a:t>금</a:t>
+              </a:r>
+            </a:p>
+          </p:txBody>
+        </p:sp>
+        <p:sp>
+          <p:nvSpPr>
+            <p:cNvPr id="14" name="직사각형 13"/>
+            <p:cNvSpPr/>
+            <p:nvPr/>
+          </p:nvSpPr>
+          <p:spPr>
+            <a:xfrm>
+              <a:off x="1043609" y="2071970"/>
+              <a:ext cx="1340734" cy="636950"/>
+            </a:xfrm>
+            <a:prstGeom prst="rect">
+              <a:avLst/>
+            </a:prstGeom>
+            <a:solidFill>
+              <a:schemeClr val="accent4">
+                <a:lumMod val="75000"/>
+              </a:schemeClr>
+            </a:solidFill>
+          </p:spPr>
+          <p:style>
+            <a:lnRef idx="2">
+              <a:schemeClr val="accent1">
+                <a:shade val="50000"/>
+              </a:schemeClr>
+            </a:lnRef>
+            <a:fillRef idx="1">
+              <a:schemeClr val="accent1"/>
+            </a:fillRef>
+            <a:effectRef idx="0">
+              <a:schemeClr val="accent1"/>
+            </a:effectRef>
+            <a:fontRef idx="minor">
+              <a:schemeClr val="lt1"/>
+            </a:fontRef>
+          </p:style>
+          <p:txBody>
+            <a:bodyPr rtlCol="0" anchor="ctr"/>
+            <a:lstStyle/>
+            <a:p>
+              <a:pPr algn="ctr"/>
+              <a:r>
+                <a:rPr lang="ko-KR" altLang="en-US" dirty="0" smtClean="0"/>
+                <a:t>출</a:t>
+              </a:r>
+              <a:r>
+                <a:rPr lang="ko-KR" altLang="en-US" dirty="0"/>
+                <a:t>금</a:t>
+              </a:r>
+            </a:p>
+          </p:txBody>
+        </p:sp>
+      </p:grpSp>
+      <p:sp>
+        <p:nvSpPr>
+          <p:cNvPr id="11" name="직사각형 10"/>
+          <p:cNvSpPr/>
+          <p:nvPr/>
+        </p:nvSpPr>
+        <p:spPr>
+          <a:xfrm>
+            <a:off x="563659" y="4835635"/>
+            <a:ext cx="1598551" cy="636950"/>
+          </a:xfrm>
+          <a:prstGeom prst="rect">
+            <a:avLst/>
+          </a:prstGeom>
+          <a:solidFill>
+            <a:schemeClr val="accent4">
+              <a:lumMod val="75000"/>
+            </a:schemeClr>
+          </a:solidFill>
+        </p:spPr>
+        <p:style>
+          <a:lnRef idx="2">
+            <a:schemeClr val="accent1">
+              <a:shade val="50000"/>
+            </a:schemeClr>
+          </a:lnRef>
+          <a:fillRef idx="1">
+            <a:schemeClr val="accent1"/>
+          </a:fillRef>
+          <a:effectRef idx="0">
+            <a:schemeClr val="accent1"/>
+          </a:effectRef>
+          <a:fontRef idx="minor">
+            <a:schemeClr val="lt1"/>
+          </a:fontRef>
+        </p:style>
+        <p:txBody>
+          <a:bodyPr rtlCol="0" anchor="ctr"/>
+          <a:lstStyle/>
+          <a:p>
+            <a:pPr algn="ctr"/>
+            <a:r>
+              <a:rPr lang="ko-KR" altLang="en-US" dirty="0" smtClean="0"/>
+              <a:t>종</a:t>
+            </a:r>
+            <a:r>
+              <a:rPr lang="ko-KR" altLang="en-US" dirty="0"/>
+              <a:t>료</a:t>
+            </a:r>
+          </a:p>
+        </p:txBody>
+      </p:sp>
+      <p:sp>
+        <p:nvSpPr>
+          <p:cNvPr id="12" name="직사각형 11"/>
+          <p:cNvSpPr/>
+          <p:nvPr/>
+        </p:nvSpPr>
+        <p:spPr>
+          <a:xfrm>
+            <a:off x="554071" y="4113076"/>
+            <a:ext cx="1598551" cy="636950"/>
+          </a:xfrm>
+          <a:prstGeom prst="rect">
+            <a:avLst/>
+          </a:prstGeom>
+          <a:solidFill>
+            <a:schemeClr val="accent4">
+              <a:lumMod val="75000"/>
+            </a:schemeClr>
+          </a:solidFill>
+        </p:spPr>
+        <p:style>
+          <a:lnRef idx="2">
+            <a:schemeClr val="accent1">
+              <a:shade val="50000"/>
+            </a:schemeClr>
+          </a:lnRef>
+          <a:fillRef idx="1">
+            <a:schemeClr val="accent1"/>
+          </a:fillRef>
+          <a:effectRef idx="0">
+            <a:schemeClr val="accent1"/>
+          </a:effectRef>
+          <a:fontRef idx="minor">
+            <a:schemeClr val="lt1"/>
+          </a:fontRef>
+        </p:style>
+        <p:txBody>
+          <a:bodyPr rtlCol="0" anchor="ctr"/>
+          <a:lstStyle/>
+          <a:p>
+            <a:pPr algn="ctr"/>
+            <a:r>
+              <a:rPr lang="ko-KR" altLang="en-US" smtClean="0"/>
+              <a:t>조</a:t>
+            </a:r>
+            <a:r>
+              <a:rPr lang="ko-KR" altLang="en-US"/>
+              <a:t>회</a:t>
+            </a:r>
+            <a:endParaRPr lang="ko-KR" altLang="en-US" dirty="0"/>
+          </a:p>
+        </p:txBody>
+      </p:sp>
+      <p:sp>
+        <p:nvSpPr>
+          <p:cNvPr id="13" name="직사각형 12"/>
+          <p:cNvSpPr/>
+          <p:nvPr/>
+        </p:nvSpPr>
+        <p:spPr>
+          <a:xfrm>
+            <a:off x="554070" y="2540022"/>
+            <a:ext cx="1598551" cy="636950"/>
+          </a:xfrm>
+          <a:prstGeom prst="rect">
+            <a:avLst/>
+          </a:prstGeom>
+          <a:solidFill>
+            <a:schemeClr val="accent4">
+              <a:lumMod val="75000"/>
+            </a:schemeClr>
+          </a:solidFill>
+        </p:spPr>
+        <p:style>
+          <a:lnRef idx="2">
+            <a:schemeClr val="accent1">
+              <a:shade val="50000"/>
+            </a:schemeClr>
+          </a:lnRef>
+          <a:fillRef idx="1">
+            <a:schemeClr val="accent1"/>
+          </a:fillRef>
+          <a:effectRef idx="0">
+            <a:schemeClr val="accent1"/>
+          </a:effectRef>
+          <a:fontRef idx="minor">
+            <a:schemeClr val="lt1"/>
+          </a:fontRef>
+        </p:style>
+        <p:txBody>
+          <a:bodyPr rtlCol="0" anchor="ctr"/>
+          <a:lstStyle/>
+          <a:p>
+            <a:pPr algn="ctr"/>
+            <a:r>
+              <a:rPr lang="ko-KR" altLang="en-US" dirty="0" smtClean="0"/>
+              <a:t>이체</a:t>
+            </a:r>
+            <a:endParaRPr lang="ko-KR" altLang="en-US" dirty="0"/>
+          </a:p>
+        </p:txBody>
+      </p:sp>
+      <p:sp>
+        <p:nvSpPr>
+          <p:cNvPr id="3" name="직사각형 2"/>
+          <p:cNvSpPr/>
+          <p:nvPr/>
+        </p:nvSpPr>
+        <p:spPr>
+          <a:xfrm>
+            <a:off x="2411760" y="1268760"/>
+            <a:ext cx="3384376" cy="358405"/>
+          </a:xfrm>
+          <a:prstGeom prst="rect">
+            <a:avLst/>
+          </a:prstGeom>
+        </p:spPr>
+        <p:style>
+          <a:lnRef idx="2">
+            <a:schemeClr val="accent1">
+              <a:shade val="50000"/>
+            </a:schemeClr>
+          </a:lnRef>
+          <a:fillRef idx="1">
+            <a:schemeClr val="accent1"/>
+          </a:fillRef>
+          <a:effectRef idx="0">
+            <a:schemeClr val="accent1"/>
+          </a:effectRef>
+          <a:fontRef idx="minor">
+            <a:schemeClr val="lt1"/>
+          </a:fontRef>
+        </p:style>
+        <p:txBody>
+          <a:bodyPr rtlCol="0" anchor="ctr"/>
+          <a:lstStyle/>
+          <a:p>
+            <a:pPr algn="ctr"/>
+            <a:r>
+              <a:rPr lang="en-US" altLang="ko-KR" dirty="0" smtClean="0"/>
+              <a:t>OOO</a:t>
+            </a:r>
+            <a:r>
+              <a:rPr lang="ko-KR" altLang="en-US" dirty="0" smtClean="0"/>
+              <a:t>님 환영합니다</a:t>
+            </a:r>
+            <a:endParaRPr lang="ko-KR" altLang="en-US" dirty="0"/>
+          </a:p>
+        </p:txBody>
+      </p:sp>
+      <p:sp>
+        <p:nvSpPr>
+          <p:cNvPr id="5" name="직사각형 4"/>
+          <p:cNvSpPr/>
+          <p:nvPr/>
+        </p:nvSpPr>
+        <p:spPr>
+          <a:xfrm>
+            <a:off x="2411760" y="1916832"/>
+            <a:ext cx="1512168" cy="360040"/>
+          </a:xfrm>
+          <a:prstGeom prst="rect">
+            <a:avLst/>
+          </a:prstGeom>
+          <a:solidFill>
+            <a:schemeClr val="accent1"/>
+          </a:solidFill>
+        </p:spPr>
+        <p:style>
+          <a:lnRef idx="2">
+            <a:schemeClr val="accent1">
+              <a:shade val="50000"/>
+            </a:schemeClr>
+          </a:lnRef>
+          <a:fillRef idx="1">
+            <a:schemeClr val="accent1"/>
+          </a:fillRef>
+          <a:effectRef idx="0">
+            <a:schemeClr val="accent1"/>
+          </a:effectRef>
+          <a:fontRef idx="minor">
+            <a:schemeClr val="lt1"/>
+          </a:fontRef>
+        </p:style>
+        <p:txBody>
+          <a:bodyPr rtlCol="0" anchor="ctr"/>
+          <a:lstStyle/>
+          <a:p>
+            <a:pPr algn="ctr"/>
+            <a:r>
+              <a:rPr lang="ko-KR" altLang="en-US" smtClean="0"/>
+              <a:t>예금액</a:t>
+            </a:r>
+            <a:endParaRPr lang="ko-KR" altLang="en-US"/>
+          </a:p>
+        </p:txBody>
+      </p:sp>
+      <p:sp>
+        <p:nvSpPr>
+          <p:cNvPr id="7" name="직사각형 6"/>
+          <p:cNvSpPr/>
+          <p:nvPr/>
+        </p:nvSpPr>
+        <p:spPr>
+          <a:xfrm>
+            <a:off x="2411760" y="2452810"/>
+            <a:ext cx="3312368" cy="396044"/>
+          </a:xfrm>
+          <a:prstGeom prst="rect">
+            <a:avLst/>
+          </a:prstGeom>
+        </p:spPr>
+        <p:style>
+          <a:lnRef idx="2">
+            <a:schemeClr val="accent1">
+              <a:shade val="50000"/>
+            </a:schemeClr>
+          </a:lnRef>
+          <a:fillRef idx="1">
+            <a:schemeClr val="accent1"/>
+          </a:fillRef>
+          <a:effectRef idx="0">
+            <a:schemeClr val="accent1"/>
+          </a:effectRef>
+          <a:fontRef idx="minor">
+            <a:schemeClr val="lt1"/>
+          </a:fontRef>
+        </p:style>
+        <p:txBody>
+          <a:bodyPr rtlCol="0" anchor="ctr"/>
+          <a:lstStyle/>
+          <a:p>
+            <a:pPr algn="ctr"/>
+            <a:endParaRPr lang="ko-KR" altLang="en-US"/>
+          </a:p>
+        </p:txBody>
+      </p:sp>
+      <p:sp>
+        <p:nvSpPr>
+          <p:cNvPr id="8" name="직사각형 7"/>
+          <p:cNvSpPr/>
+          <p:nvPr/>
+        </p:nvSpPr>
+        <p:spPr>
+          <a:xfrm>
+            <a:off x="2479137" y="4633593"/>
+            <a:ext cx="1296144" cy="404084"/>
+          </a:xfrm>
+          <a:prstGeom prst="rect">
+            <a:avLst/>
+          </a:prstGeom>
+        </p:spPr>
+        <p:style>
+          <a:lnRef idx="2">
+            <a:schemeClr val="accent1">
+              <a:shade val="50000"/>
+            </a:schemeClr>
+          </a:lnRef>
+          <a:fillRef idx="1">
+            <a:schemeClr val="accent1"/>
+          </a:fillRef>
+          <a:effectRef idx="0">
+            <a:schemeClr val="accent1"/>
+          </a:effectRef>
+          <a:fontRef idx="minor">
+            <a:schemeClr val="lt1"/>
+          </a:fontRef>
+        </p:style>
+        <p:txBody>
+          <a:bodyPr rtlCol="0" anchor="ctr"/>
+          <a:lstStyle/>
+          <a:p>
+            <a:pPr algn="ctr"/>
+            <a:r>
+              <a:rPr lang="ko-KR" altLang="en-US" dirty="0" smtClean="0"/>
+              <a:t>확인</a:t>
+            </a:r>
+            <a:endParaRPr lang="ko-KR" altLang="en-US" dirty="0"/>
+          </a:p>
+        </p:txBody>
+      </p:sp>
+      <p:sp>
+        <p:nvSpPr>
+          <p:cNvPr id="18" name="직사각형 17"/>
+          <p:cNvSpPr/>
+          <p:nvPr/>
+        </p:nvSpPr>
+        <p:spPr>
+          <a:xfrm>
+            <a:off x="4499992" y="4607107"/>
+            <a:ext cx="1296144" cy="404084"/>
+          </a:xfrm>
+          <a:prstGeom prst="rect">
+            <a:avLst/>
+          </a:prstGeom>
+        </p:spPr>
+        <p:style>
+          <a:lnRef idx="2">
+            <a:schemeClr val="accent1">
+              <a:shade val="50000"/>
+            </a:schemeClr>
+          </a:lnRef>
+          <a:fillRef idx="1">
+            <a:schemeClr val="accent1"/>
+          </a:fillRef>
+          <a:effectRef idx="0">
+            <a:schemeClr val="accent1"/>
+          </a:effectRef>
+          <a:fontRef idx="minor">
+            <a:schemeClr val="lt1"/>
+          </a:fontRef>
+        </p:style>
+        <p:txBody>
+          <a:bodyPr rtlCol="0" anchor="ctr"/>
+          <a:lstStyle/>
+          <a:p>
+            <a:pPr algn="ctr"/>
+            <a:r>
+              <a:rPr lang="ko-KR" altLang="en-US" dirty="0" err="1" smtClean="0"/>
+              <a:t>취호</a:t>
+            </a:r>
+            <a:endParaRPr lang="ko-KR" altLang="en-US" dirty="0"/>
+          </a:p>
+        </p:txBody>
+      </p:sp>
+      <p:sp>
+        <p:nvSpPr>
+          <p:cNvPr id="19" name="직사각형 18"/>
+          <p:cNvSpPr/>
+          <p:nvPr/>
+        </p:nvSpPr>
+        <p:spPr>
+          <a:xfrm>
+            <a:off x="2479137" y="3933056"/>
+            <a:ext cx="3316999" cy="360040"/>
+          </a:xfrm>
+          <a:prstGeom prst="rect">
+            <a:avLst/>
+          </a:prstGeom>
+        </p:spPr>
+        <p:style>
+          <a:lnRef idx="2">
+            <a:schemeClr val="accent1">
+              <a:shade val="50000"/>
+            </a:schemeClr>
+          </a:lnRef>
+          <a:fillRef idx="1">
+            <a:schemeClr val="accent1"/>
+          </a:fillRef>
+          <a:effectRef idx="0">
+            <a:schemeClr val="accent1"/>
+          </a:effectRef>
+          <a:fontRef idx="minor">
+            <a:schemeClr val="lt1"/>
+          </a:fontRef>
+        </p:style>
+        <p:txBody>
+          <a:bodyPr rtlCol="0" anchor="ctr"/>
+          <a:lstStyle/>
+          <a:p>
+            <a:pPr algn="ctr"/>
+            <a:r>
+              <a:rPr lang="ko-KR" altLang="en-US" dirty="0" smtClean="0"/>
+              <a:t>현재 시간 출력</a:t>
+            </a:r>
+            <a:endParaRPr lang="en-US" altLang="ko-KR" dirty="0" smtClean="0"/>
+          </a:p>
+        </p:txBody>
+      </p:sp>
+    </p:spTree>
+    <p:extLst>
+      <p:ext uri="{BB962C8B-B14F-4D97-AF65-F5344CB8AC3E}">
+        <p14:creationId xmlns:p14="http://schemas.microsoft.com/office/powerpoint/2010/main" val="2353707374"/>
+      </p:ext>
+    </p:extLst>
+  </p:cSld>
+  <p:clrMapOvr>
+    <a:masterClrMapping/>
+  </p:clrMapOvr>
+</p:sld>
+</file>
+
+<file path=ppt/slides/slide13.xml><?xml version="1.0" encoding="utf-8"?>
+<p:sld xmlns:a="http://schemas.openxmlformats.org/drawingml/2006/main" xmlns:r="http://schemas.openxmlformats.org/officeDocument/2006/relationships" xmlns:p="http://schemas.openxmlformats.org/presentationml/2006/main">
+  <p:cSld>
+    <p:spTree>
+      <p:nvGrpSpPr>
+        <p:cNvPr id="1" name=""/>
+        <p:cNvGrpSpPr/>
+        <p:nvPr/>
+      </p:nvGrpSpPr>
+      <p:grpSpPr>
+        <a:xfrm>
+          <a:off x="0" y="0"/>
+          <a:ext cx="0" cy="0"/>
+          <a:chOff x="0" y="0"/>
+          <a:chExt cx="0" cy="0"/>
+        </a:xfrm>
+      </p:grpSpPr>
+      <p:sp>
+        <p:nvSpPr>
+          <p:cNvPr id="4" name="TextBox 3"/>
+          <p:cNvSpPr txBox="1"/>
+          <p:nvPr/>
+        </p:nvSpPr>
+        <p:spPr>
+          <a:xfrm>
+            <a:off x="683568" y="332656"/>
+            <a:ext cx="3024336" cy="369332"/>
+          </a:xfrm>
+          <a:prstGeom prst="rect">
+            <a:avLst/>
+          </a:prstGeom>
+          <a:noFill/>
+        </p:spPr>
+        <p:txBody>
+          <a:bodyPr wrap="square" rtlCol="0">
+            <a:spAutoFit/>
+          </a:bodyPr>
+          <a:lstStyle/>
+          <a:p>
+            <a:r>
+              <a:rPr lang="en-US" altLang="ko-KR" dirty="0" smtClean="0"/>
+              <a:t>1. </a:t>
+            </a:r>
+            <a:r>
+              <a:rPr lang="ko-KR" altLang="en-US" dirty="0" smtClean="0"/>
+              <a:t>사용자 화면 구성</a:t>
+            </a:r>
+            <a:endParaRPr lang="ko-KR" altLang="en-US" dirty="0"/>
+          </a:p>
+        </p:txBody>
+      </p:sp>
+      <p:grpSp>
+        <p:nvGrpSpPr>
+          <p:cNvPr id="2" name="그룹 1"/>
+          <p:cNvGrpSpPr/>
+          <p:nvPr/>
+        </p:nvGrpSpPr>
+        <p:grpSpPr>
+          <a:xfrm>
+            <a:off x="539552" y="1088740"/>
+            <a:ext cx="5544616" cy="4392488"/>
+            <a:chOff x="1043608" y="1340768"/>
+            <a:chExt cx="4608512" cy="4392488"/>
+          </a:xfrm>
+        </p:grpSpPr>
+        <p:sp>
+          <p:nvSpPr>
+            <p:cNvPr id="32" name="직사각형 31"/>
+            <p:cNvSpPr/>
+            <p:nvPr/>
+          </p:nvSpPr>
+          <p:spPr>
+            <a:xfrm>
+              <a:off x="1043608" y="1340768"/>
+              <a:ext cx="4608512" cy="4392488"/>
+            </a:xfrm>
+            <a:prstGeom prst="rect">
+              <a:avLst/>
+            </a:prstGeom>
+            <a:solidFill>
+              <a:schemeClr val="accent1">
+                <a:lumMod val="20000"/>
+                <a:lumOff val="80000"/>
+              </a:schemeClr>
+            </a:solidFill>
+          </p:spPr>
+          <p:style>
+            <a:lnRef idx="2">
+              <a:schemeClr val="accent1">
+                <a:shade val="50000"/>
+              </a:schemeClr>
+            </a:lnRef>
+            <a:fillRef idx="1">
+              <a:schemeClr val="accent1"/>
+            </a:fillRef>
+            <a:effectRef idx="0">
+              <a:schemeClr val="accent1"/>
+            </a:effectRef>
+            <a:fontRef idx="minor">
+              <a:schemeClr val="lt1"/>
+            </a:fontRef>
+          </p:style>
+          <p:txBody>
+            <a:bodyPr rtlCol="0" anchor="ctr"/>
+            <a:lstStyle/>
+            <a:p>
+              <a:pPr algn="ctr"/>
+              <a:endParaRPr lang="ko-KR" altLang="en-US"/>
+            </a:p>
+          </p:txBody>
+        </p:sp>
+        <p:sp>
+          <p:nvSpPr>
+            <p:cNvPr id="6" name="직사각형 5"/>
+            <p:cNvSpPr/>
+            <p:nvPr/>
+          </p:nvSpPr>
+          <p:spPr>
+            <a:xfrm>
+              <a:off x="2384342" y="1340768"/>
+              <a:ext cx="3267778" cy="4392488"/>
+            </a:xfrm>
+            <a:prstGeom prst="rect">
+              <a:avLst/>
+            </a:prstGeom>
+            <a:solidFill>
+              <a:schemeClr val="accent4">
+                <a:lumMod val="75000"/>
+              </a:schemeClr>
+            </a:solidFill>
+          </p:spPr>
+          <p:style>
+            <a:lnRef idx="2">
+              <a:schemeClr val="accent1">
+                <a:shade val="50000"/>
+              </a:schemeClr>
+            </a:lnRef>
+            <a:fillRef idx="1">
+              <a:schemeClr val="accent1"/>
+            </a:fillRef>
+            <a:effectRef idx="0">
+              <a:schemeClr val="accent1"/>
+            </a:effectRef>
+            <a:fontRef idx="minor">
+              <a:schemeClr val="lt1"/>
+            </a:fontRef>
+          </p:style>
+          <p:txBody>
+            <a:bodyPr rtlCol="0" anchor="ctr"/>
+            <a:lstStyle/>
+            <a:p>
+              <a:pPr algn="ctr"/>
+              <a:r>
+                <a:rPr lang="en-US" altLang="ko-KR" dirty="0" err="1" smtClean="0"/>
+                <a:t>CardLayoutPanel</a:t>
+              </a:r>
+              <a:endParaRPr lang="ko-KR" altLang="en-US" dirty="0"/>
+            </a:p>
+          </p:txBody>
+        </p:sp>
+        <p:sp>
+          <p:nvSpPr>
+            <p:cNvPr id="10" name="직사각형 9"/>
+            <p:cNvSpPr/>
+            <p:nvPr/>
+          </p:nvSpPr>
+          <p:spPr>
+            <a:xfrm>
+              <a:off x="1043930" y="1340768"/>
+              <a:ext cx="1340412" cy="648072"/>
+            </a:xfrm>
+            <a:prstGeom prst="rect">
+              <a:avLst/>
+            </a:prstGeom>
+            <a:solidFill>
+              <a:schemeClr val="accent4">
+                <a:lumMod val="75000"/>
+              </a:schemeClr>
+            </a:solidFill>
+          </p:spPr>
+          <p:style>
+            <a:lnRef idx="2">
+              <a:schemeClr val="accent1">
+                <a:shade val="50000"/>
+              </a:schemeClr>
+            </a:lnRef>
+            <a:fillRef idx="1">
+              <a:schemeClr val="accent1"/>
+            </a:fillRef>
+            <a:effectRef idx="0">
+              <a:schemeClr val="accent1"/>
+            </a:effectRef>
+            <a:fontRef idx="minor">
+              <a:schemeClr val="lt1"/>
+            </a:fontRef>
+          </p:style>
+          <p:txBody>
+            <a:bodyPr rtlCol="0" anchor="ctr"/>
+            <a:lstStyle/>
+            <a:p>
+              <a:pPr algn="ctr"/>
+              <a:r>
+                <a:rPr lang="ko-KR" altLang="en-US" dirty="0" smtClean="0"/>
+                <a:t>예</a:t>
+              </a:r>
+              <a:r>
+                <a:rPr lang="ko-KR" altLang="en-US" dirty="0"/>
+                <a:t>금</a:t>
+              </a:r>
+            </a:p>
+          </p:txBody>
+        </p:sp>
+        <p:sp>
+          <p:nvSpPr>
+            <p:cNvPr id="14" name="직사각형 13"/>
+            <p:cNvSpPr/>
+            <p:nvPr/>
+          </p:nvSpPr>
+          <p:spPr>
+            <a:xfrm>
+              <a:off x="1043609" y="2071970"/>
+              <a:ext cx="1340734" cy="636950"/>
+            </a:xfrm>
+            <a:prstGeom prst="rect">
+              <a:avLst/>
+            </a:prstGeom>
+            <a:solidFill>
+              <a:schemeClr val="accent1"/>
+            </a:solidFill>
+          </p:spPr>
+          <p:style>
+            <a:lnRef idx="2">
+              <a:schemeClr val="accent1">
+                <a:shade val="50000"/>
+              </a:schemeClr>
+            </a:lnRef>
+            <a:fillRef idx="1">
+              <a:schemeClr val="accent1"/>
+            </a:fillRef>
+            <a:effectRef idx="0">
+              <a:schemeClr val="accent1"/>
+            </a:effectRef>
+            <a:fontRef idx="minor">
+              <a:schemeClr val="lt1"/>
+            </a:fontRef>
+          </p:style>
+          <p:txBody>
+            <a:bodyPr rtlCol="0" anchor="ctr"/>
+            <a:lstStyle/>
+            <a:p>
+              <a:pPr algn="ctr"/>
+              <a:r>
+                <a:rPr lang="ko-KR" altLang="en-US" dirty="0" smtClean="0"/>
+                <a:t>출</a:t>
+              </a:r>
+              <a:r>
+                <a:rPr lang="ko-KR" altLang="en-US" dirty="0"/>
+                <a:t>금</a:t>
+              </a:r>
+            </a:p>
+          </p:txBody>
+        </p:sp>
+      </p:grpSp>
+      <p:sp>
+        <p:nvSpPr>
+          <p:cNvPr id="11" name="직사각형 10"/>
+          <p:cNvSpPr/>
+          <p:nvPr/>
+        </p:nvSpPr>
+        <p:spPr>
+          <a:xfrm>
+            <a:off x="563659" y="4835635"/>
+            <a:ext cx="1598551" cy="636950"/>
+          </a:xfrm>
+          <a:prstGeom prst="rect">
+            <a:avLst/>
+          </a:prstGeom>
+          <a:solidFill>
+            <a:schemeClr val="accent4">
+              <a:lumMod val="75000"/>
+            </a:schemeClr>
+          </a:solidFill>
+        </p:spPr>
+        <p:style>
+          <a:lnRef idx="2">
+            <a:schemeClr val="accent1">
+              <a:shade val="50000"/>
+            </a:schemeClr>
+          </a:lnRef>
+          <a:fillRef idx="1">
+            <a:schemeClr val="accent1"/>
+          </a:fillRef>
+          <a:effectRef idx="0">
+            <a:schemeClr val="accent1"/>
+          </a:effectRef>
+          <a:fontRef idx="minor">
+            <a:schemeClr val="lt1"/>
+          </a:fontRef>
+        </p:style>
+        <p:txBody>
+          <a:bodyPr rtlCol="0" anchor="ctr"/>
+          <a:lstStyle/>
+          <a:p>
+            <a:pPr algn="ctr"/>
+            <a:r>
+              <a:rPr lang="ko-KR" altLang="en-US" dirty="0" smtClean="0"/>
+              <a:t>종</a:t>
+            </a:r>
+            <a:r>
+              <a:rPr lang="ko-KR" altLang="en-US" dirty="0"/>
+              <a:t>료</a:t>
+            </a:r>
+          </a:p>
+        </p:txBody>
+      </p:sp>
+      <p:sp>
+        <p:nvSpPr>
+          <p:cNvPr id="12" name="직사각형 11"/>
+          <p:cNvSpPr/>
+          <p:nvPr/>
+        </p:nvSpPr>
+        <p:spPr>
+          <a:xfrm>
+            <a:off x="554071" y="4113076"/>
+            <a:ext cx="1598551" cy="636950"/>
+          </a:xfrm>
+          <a:prstGeom prst="rect">
+            <a:avLst/>
+          </a:prstGeom>
+          <a:solidFill>
+            <a:schemeClr val="accent4">
+              <a:lumMod val="75000"/>
+            </a:schemeClr>
+          </a:solidFill>
+        </p:spPr>
+        <p:style>
+          <a:lnRef idx="2">
+            <a:schemeClr val="accent1">
+              <a:shade val="50000"/>
+            </a:schemeClr>
+          </a:lnRef>
+          <a:fillRef idx="1">
+            <a:schemeClr val="accent1"/>
+          </a:fillRef>
+          <a:effectRef idx="0">
+            <a:schemeClr val="accent1"/>
+          </a:effectRef>
+          <a:fontRef idx="minor">
+            <a:schemeClr val="lt1"/>
+          </a:fontRef>
+        </p:style>
+        <p:txBody>
+          <a:bodyPr rtlCol="0" anchor="ctr"/>
+          <a:lstStyle/>
+          <a:p>
+            <a:pPr algn="ctr"/>
+            <a:r>
+              <a:rPr lang="ko-KR" altLang="en-US" smtClean="0"/>
+              <a:t>조</a:t>
+            </a:r>
+            <a:r>
+              <a:rPr lang="ko-KR" altLang="en-US"/>
+              <a:t>회</a:t>
+            </a:r>
+            <a:endParaRPr lang="ko-KR" altLang="en-US" dirty="0"/>
+          </a:p>
+        </p:txBody>
+      </p:sp>
+      <p:sp>
+        <p:nvSpPr>
+          <p:cNvPr id="13" name="직사각형 12"/>
+          <p:cNvSpPr/>
+          <p:nvPr/>
+        </p:nvSpPr>
+        <p:spPr>
+          <a:xfrm>
+            <a:off x="554070" y="2540022"/>
+            <a:ext cx="1598551" cy="636950"/>
+          </a:xfrm>
+          <a:prstGeom prst="rect">
+            <a:avLst/>
+          </a:prstGeom>
+          <a:solidFill>
+            <a:schemeClr val="accent4">
+              <a:lumMod val="75000"/>
+            </a:schemeClr>
+          </a:solidFill>
+        </p:spPr>
+        <p:style>
+          <a:lnRef idx="2">
+            <a:schemeClr val="accent1">
+              <a:shade val="50000"/>
+            </a:schemeClr>
+          </a:lnRef>
+          <a:fillRef idx="1">
+            <a:schemeClr val="accent1"/>
+          </a:fillRef>
+          <a:effectRef idx="0">
+            <a:schemeClr val="accent1"/>
+          </a:effectRef>
+          <a:fontRef idx="minor">
+            <a:schemeClr val="lt1"/>
+          </a:fontRef>
+        </p:style>
+        <p:txBody>
+          <a:bodyPr rtlCol="0" anchor="ctr"/>
+          <a:lstStyle/>
+          <a:p>
+            <a:pPr algn="ctr"/>
+            <a:r>
+              <a:rPr lang="ko-KR" altLang="en-US" dirty="0" smtClean="0"/>
+              <a:t>이체</a:t>
+            </a:r>
+            <a:endParaRPr lang="ko-KR" altLang="en-US" dirty="0"/>
+          </a:p>
+        </p:txBody>
+      </p:sp>
+      <p:sp>
+        <p:nvSpPr>
+          <p:cNvPr id="17" name="직사각형 16"/>
+          <p:cNvSpPr/>
+          <p:nvPr/>
+        </p:nvSpPr>
+        <p:spPr>
+          <a:xfrm>
+            <a:off x="2411760" y="1268760"/>
+            <a:ext cx="3384376" cy="358405"/>
+          </a:xfrm>
+          <a:prstGeom prst="rect">
+            <a:avLst/>
+          </a:prstGeom>
+        </p:spPr>
+        <p:style>
+          <a:lnRef idx="2">
+            <a:schemeClr val="accent1">
+              <a:shade val="50000"/>
+            </a:schemeClr>
+          </a:lnRef>
+          <a:fillRef idx="1">
+            <a:schemeClr val="accent1"/>
+          </a:fillRef>
+          <a:effectRef idx="0">
+            <a:schemeClr val="accent1"/>
+          </a:effectRef>
+          <a:fontRef idx="minor">
+            <a:schemeClr val="lt1"/>
+          </a:fontRef>
+        </p:style>
+        <p:txBody>
+          <a:bodyPr rtlCol="0" anchor="ctr"/>
+          <a:lstStyle/>
+          <a:p>
+            <a:pPr algn="ctr"/>
+            <a:r>
+              <a:rPr lang="en-US" altLang="ko-KR" dirty="0" smtClean="0"/>
+              <a:t>OOO</a:t>
+            </a:r>
+            <a:r>
+              <a:rPr lang="ko-KR" altLang="en-US" dirty="0" smtClean="0"/>
+              <a:t>님 환영합니다</a:t>
+            </a:r>
+            <a:endParaRPr lang="ko-KR" altLang="en-US" dirty="0"/>
+          </a:p>
+        </p:txBody>
+      </p:sp>
+      <p:sp>
+        <p:nvSpPr>
+          <p:cNvPr id="18" name="직사각형 17"/>
+          <p:cNvSpPr/>
+          <p:nvPr/>
+        </p:nvSpPr>
+        <p:spPr>
+          <a:xfrm>
+            <a:off x="2411760" y="1916832"/>
+            <a:ext cx="1512168" cy="360040"/>
+          </a:xfrm>
+          <a:prstGeom prst="rect">
+            <a:avLst/>
+          </a:prstGeom>
+          <a:solidFill>
+            <a:schemeClr val="accent1"/>
+          </a:solidFill>
+        </p:spPr>
+        <p:style>
+          <a:lnRef idx="2">
+            <a:schemeClr val="accent1">
+              <a:shade val="50000"/>
+            </a:schemeClr>
+          </a:lnRef>
+          <a:fillRef idx="1">
+            <a:schemeClr val="accent1"/>
+          </a:fillRef>
+          <a:effectRef idx="0">
+            <a:schemeClr val="accent1"/>
+          </a:effectRef>
+          <a:fontRef idx="minor">
+            <a:schemeClr val="lt1"/>
+          </a:fontRef>
+        </p:style>
+        <p:txBody>
+          <a:bodyPr rtlCol="0" anchor="ctr"/>
+          <a:lstStyle/>
+          <a:p>
+            <a:pPr algn="ctr"/>
+            <a:r>
+              <a:rPr lang="ko-KR" altLang="en-US" dirty="0" err="1" smtClean="0"/>
+              <a:t>출금액</a:t>
+            </a:r>
+            <a:endParaRPr lang="ko-KR" altLang="en-US" dirty="0"/>
+          </a:p>
+        </p:txBody>
+      </p:sp>
+      <p:sp>
+        <p:nvSpPr>
+          <p:cNvPr id="19" name="직사각형 18"/>
+          <p:cNvSpPr/>
+          <p:nvPr/>
+        </p:nvSpPr>
+        <p:spPr>
+          <a:xfrm>
+            <a:off x="2411760" y="2452810"/>
+            <a:ext cx="3312368" cy="396044"/>
+          </a:xfrm>
+          <a:prstGeom prst="rect">
+            <a:avLst/>
+          </a:prstGeom>
+        </p:spPr>
+        <p:style>
+          <a:lnRef idx="2">
+            <a:schemeClr val="accent1">
+              <a:shade val="50000"/>
+            </a:schemeClr>
+          </a:lnRef>
+          <a:fillRef idx="1">
+            <a:schemeClr val="accent1"/>
+          </a:fillRef>
+          <a:effectRef idx="0">
+            <a:schemeClr val="accent1"/>
+          </a:effectRef>
+          <a:fontRef idx="minor">
+            <a:schemeClr val="lt1"/>
+          </a:fontRef>
+        </p:style>
+        <p:txBody>
+          <a:bodyPr rtlCol="0" anchor="ctr"/>
+          <a:lstStyle/>
+          <a:p>
+            <a:pPr algn="ctr"/>
+            <a:endParaRPr lang="ko-KR" altLang="en-US"/>
+          </a:p>
+        </p:txBody>
+      </p:sp>
+      <p:sp>
+        <p:nvSpPr>
+          <p:cNvPr id="20" name="직사각형 19"/>
+          <p:cNvSpPr/>
+          <p:nvPr/>
+        </p:nvSpPr>
+        <p:spPr>
+          <a:xfrm>
+            <a:off x="2479137" y="4633593"/>
+            <a:ext cx="1296144" cy="404084"/>
+          </a:xfrm>
+          <a:prstGeom prst="rect">
+            <a:avLst/>
+          </a:prstGeom>
+        </p:spPr>
+        <p:style>
+          <a:lnRef idx="2">
+            <a:schemeClr val="accent1">
+              <a:shade val="50000"/>
+            </a:schemeClr>
+          </a:lnRef>
+          <a:fillRef idx="1">
+            <a:schemeClr val="accent1"/>
+          </a:fillRef>
+          <a:effectRef idx="0">
+            <a:schemeClr val="accent1"/>
+          </a:effectRef>
+          <a:fontRef idx="minor">
+            <a:schemeClr val="lt1"/>
+          </a:fontRef>
+        </p:style>
+        <p:txBody>
+          <a:bodyPr rtlCol="0" anchor="ctr"/>
+          <a:lstStyle/>
+          <a:p>
+            <a:pPr algn="ctr"/>
+            <a:r>
+              <a:rPr lang="ko-KR" altLang="en-US" dirty="0" smtClean="0"/>
+              <a:t>확인</a:t>
+            </a:r>
+            <a:endParaRPr lang="ko-KR" altLang="en-US" dirty="0"/>
+          </a:p>
+        </p:txBody>
+      </p:sp>
+      <p:sp>
+        <p:nvSpPr>
+          <p:cNvPr id="21" name="직사각형 20"/>
+          <p:cNvSpPr/>
+          <p:nvPr/>
+        </p:nvSpPr>
+        <p:spPr>
+          <a:xfrm>
+            <a:off x="4499992" y="4607107"/>
+            <a:ext cx="1296144" cy="404084"/>
+          </a:xfrm>
+          <a:prstGeom prst="rect">
+            <a:avLst/>
+          </a:prstGeom>
+        </p:spPr>
+        <p:style>
+          <a:lnRef idx="2">
+            <a:schemeClr val="accent1">
+              <a:shade val="50000"/>
+            </a:schemeClr>
+          </a:lnRef>
+          <a:fillRef idx="1">
+            <a:schemeClr val="accent1"/>
+          </a:fillRef>
+          <a:effectRef idx="0">
+            <a:schemeClr val="accent1"/>
+          </a:effectRef>
+          <a:fontRef idx="minor">
+            <a:schemeClr val="lt1"/>
+          </a:fontRef>
+        </p:style>
+        <p:txBody>
+          <a:bodyPr rtlCol="0" anchor="ctr"/>
+          <a:lstStyle/>
+          <a:p>
+            <a:pPr algn="ctr"/>
+            <a:r>
+              <a:rPr lang="ko-KR" altLang="en-US" dirty="0" smtClean="0"/>
+              <a:t>취소</a:t>
+            </a:r>
+            <a:endParaRPr lang="ko-KR" altLang="en-US" dirty="0"/>
+          </a:p>
+        </p:txBody>
+      </p:sp>
+      <p:sp>
+        <p:nvSpPr>
+          <p:cNvPr id="3" name="직사각형 2"/>
+          <p:cNvSpPr/>
+          <p:nvPr/>
+        </p:nvSpPr>
+        <p:spPr>
+          <a:xfrm>
+            <a:off x="2479137" y="3933056"/>
+            <a:ext cx="3316999" cy="360040"/>
+          </a:xfrm>
+          <a:prstGeom prst="rect">
+            <a:avLst/>
+          </a:prstGeom>
+        </p:spPr>
+        <p:style>
+          <a:lnRef idx="2">
+            <a:schemeClr val="accent1">
+              <a:shade val="50000"/>
+            </a:schemeClr>
+          </a:lnRef>
+          <a:fillRef idx="1">
+            <a:schemeClr val="accent1"/>
+          </a:fillRef>
+          <a:effectRef idx="0">
+            <a:schemeClr val="accent1"/>
+          </a:effectRef>
+          <a:fontRef idx="minor">
+            <a:schemeClr val="lt1"/>
+          </a:fontRef>
+        </p:style>
+        <p:txBody>
+          <a:bodyPr rtlCol="0" anchor="ctr"/>
+          <a:lstStyle/>
+          <a:p>
+            <a:pPr algn="ctr"/>
+            <a:r>
+              <a:rPr lang="ko-KR" altLang="en-US" dirty="0" smtClean="0"/>
+              <a:t>현재 시간 출력</a:t>
+            </a:r>
+            <a:endParaRPr lang="en-US" altLang="ko-KR" dirty="0" smtClean="0"/>
+          </a:p>
+        </p:txBody>
+      </p:sp>
+    </p:spTree>
+    <p:extLst>
+      <p:ext uri="{BB962C8B-B14F-4D97-AF65-F5344CB8AC3E}">
+        <p14:creationId xmlns:p14="http://schemas.microsoft.com/office/powerpoint/2010/main" val="1626163423"/>
+      </p:ext>
+    </p:extLst>
+  </p:cSld>
+  <p:clrMapOvr>
+    <a:masterClrMapping/>
+  </p:clrMapOvr>
+</p:sld>
+</file>
+
+<file path=ppt/slides/slide14.xml><?xml version="1.0" encoding="utf-8"?>
 <p:sld xmlns:a="http://schemas.openxmlformats.org/drawingml/2006/main" xmlns:r="http://schemas.openxmlformats.org/officeDocument/2006/relationships" xmlns:p="http://schemas.openxmlformats.org/presentationml/2006/main">
   <p:cSld>
     <p:spTree>
@@ -3999,7 +5408,6 @@
               <a:rPr lang="ko-KR" altLang="en-US" dirty="0"/>
               <a:t>료</a:t>
             </a:r>
-            <a:endParaRPr lang="ko-KR" altLang="en-US" dirty="0"/>
           </a:p>
         </p:txBody>
       </p:sp>
@@ -4071,9 +5479,7 @@
             <a:avLst/>
           </a:prstGeom>
           <a:solidFill>
-            <a:schemeClr val="accent4">
-              <a:lumMod val="75000"/>
-            </a:schemeClr>
+            <a:schemeClr val="accent1"/>
           </a:solidFill>
         </p:spPr>
         <p:style>
@@ -4107,14 +5513,398 @@
       </p:sp>
       <p:sp>
         <p:nvSpPr>
-          <p:cNvPr id="15" name="TextBox 14"/>
+          <p:cNvPr id="17" name="직사각형 16"/>
+          <p:cNvSpPr/>
+          <p:nvPr/>
+        </p:nvSpPr>
+        <p:spPr>
+          <a:xfrm>
+            <a:off x="2411760" y="1268760"/>
+            <a:ext cx="3384376" cy="358405"/>
+          </a:xfrm>
+          <a:prstGeom prst="rect">
+            <a:avLst/>
+          </a:prstGeom>
+        </p:spPr>
+        <p:style>
+          <a:lnRef idx="2">
+            <a:schemeClr val="accent1">
+              <a:shade val="50000"/>
+            </a:schemeClr>
+          </a:lnRef>
+          <a:fillRef idx="1">
+            <a:schemeClr val="accent1"/>
+          </a:fillRef>
+          <a:effectRef idx="0">
+            <a:schemeClr val="accent1"/>
+          </a:effectRef>
+          <a:fontRef idx="minor">
+            <a:schemeClr val="lt1"/>
+          </a:fontRef>
+        </p:style>
+        <p:txBody>
+          <a:bodyPr rtlCol="0" anchor="ctr"/>
+          <a:lstStyle/>
+          <a:p>
+            <a:pPr algn="ctr"/>
+            <a:r>
+              <a:rPr lang="en-US" altLang="ko-KR" dirty="0" smtClean="0"/>
+              <a:t>OOO</a:t>
+            </a:r>
+            <a:r>
+              <a:rPr lang="ko-KR" altLang="en-US" dirty="0" smtClean="0"/>
+              <a:t>님 환영합니다</a:t>
+            </a:r>
+            <a:endParaRPr lang="ko-KR" altLang="en-US" dirty="0"/>
+          </a:p>
+        </p:txBody>
+      </p:sp>
+      <p:sp>
+        <p:nvSpPr>
+          <p:cNvPr id="18" name="직사각형 17"/>
+          <p:cNvSpPr/>
+          <p:nvPr/>
+        </p:nvSpPr>
+        <p:spPr>
+          <a:xfrm>
+            <a:off x="2411760" y="1916832"/>
+            <a:ext cx="1512168" cy="360040"/>
+          </a:xfrm>
+          <a:prstGeom prst="rect">
+            <a:avLst/>
+          </a:prstGeom>
+          <a:solidFill>
+            <a:schemeClr val="accent1"/>
+          </a:solidFill>
+        </p:spPr>
+        <p:style>
+          <a:lnRef idx="2">
+            <a:schemeClr val="accent1">
+              <a:shade val="50000"/>
+            </a:schemeClr>
+          </a:lnRef>
+          <a:fillRef idx="1">
+            <a:schemeClr val="accent1"/>
+          </a:fillRef>
+          <a:effectRef idx="0">
+            <a:schemeClr val="accent1"/>
+          </a:effectRef>
+          <a:fontRef idx="minor">
+            <a:schemeClr val="lt1"/>
+          </a:fontRef>
+        </p:style>
+        <p:txBody>
+          <a:bodyPr rtlCol="0" anchor="ctr"/>
+          <a:lstStyle/>
+          <a:p>
+            <a:pPr algn="ctr"/>
+            <a:r>
+              <a:rPr lang="ko-KR" altLang="en-US" smtClean="0"/>
+              <a:t>계좌번호</a:t>
+            </a:r>
+            <a:endParaRPr lang="ko-KR" altLang="en-US" dirty="0"/>
+          </a:p>
+        </p:txBody>
+      </p:sp>
+      <p:sp>
+        <p:nvSpPr>
+          <p:cNvPr id="19" name="직사각형 18"/>
+          <p:cNvSpPr/>
+          <p:nvPr/>
+        </p:nvSpPr>
+        <p:spPr>
+          <a:xfrm>
+            <a:off x="2411760" y="2452810"/>
+            <a:ext cx="3312368" cy="396044"/>
+          </a:xfrm>
+          <a:prstGeom prst="rect">
+            <a:avLst/>
+          </a:prstGeom>
+        </p:spPr>
+        <p:style>
+          <a:lnRef idx="2">
+            <a:schemeClr val="accent1">
+              <a:shade val="50000"/>
+            </a:schemeClr>
+          </a:lnRef>
+          <a:fillRef idx="1">
+            <a:schemeClr val="accent1"/>
+          </a:fillRef>
+          <a:effectRef idx="0">
+            <a:schemeClr val="accent1"/>
+          </a:effectRef>
+          <a:fontRef idx="minor">
+            <a:schemeClr val="lt1"/>
+          </a:fontRef>
+        </p:style>
+        <p:txBody>
+          <a:bodyPr rtlCol="0" anchor="ctr"/>
+          <a:lstStyle/>
+          <a:p>
+            <a:pPr algn="ctr"/>
+            <a:endParaRPr lang="ko-KR" altLang="en-US"/>
+          </a:p>
+        </p:txBody>
+      </p:sp>
+      <p:sp>
+        <p:nvSpPr>
+          <p:cNvPr id="20" name="직사각형 19"/>
+          <p:cNvSpPr/>
+          <p:nvPr/>
+        </p:nvSpPr>
+        <p:spPr>
+          <a:xfrm>
+            <a:off x="2411760" y="3073042"/>
+            <a:ext cx="1512168" cy="360040"/>
+          </a:xfrm>
+          <a:prstGeom prst="rect">
+            <a:avLst/>
+          </a:prstGeom>
+          <a:solidFill>
+            <a:schemeClr val="accent1"/>
+          </a:solidFill>
+        </p:spPr>
+        <p:style>
+          <a:lnRef idx="2">
+            <a:schemeClr val="accent1">
+              <a:shade val="50000"/>
+            </a:schemeClr>
+          </a:lnRef>
+          <a:fillRef idx="1">
+            <a:schemeClr val="accent1"/>
+          </a:fillRef>
+          <a:effectRef idx="0">
+            <a:schemeClr val="accent1"/>
+          </a:effectRef>
+          <a:fontRef idx="minor">
+            <a:schemeClr val="lt1"/>
+          </a:fontRef>
+        </p:style>
+        <p:txBody>
+          <a:bodyPr rtlCol="0" anchor="ctr"/>
+          <a:lstStyle/>
+          <a:p>
+            <a:pPr algn="ctr"/>
+            <a:r>
+              <a:rPr lang="ko-KR" altLang="en-US" dirty="0" smtClean="0"/>
+              <a:t>비밀번호</a:t>
+            </a:r>
+            <a:endParaRPr lang="ko-KR" altLang="en-US" dirty="0"/>
+          </a:p>
+        </p:txBody>
+      </p:sp>
+      <p:sp>
+        <p:nvSpPr>
+          <p:cNvPr id="21" name="직사각형 20"/>
+          <p:cNvSpPr/>
+          <p:nvPr/>
+        </p:nvSpPr>
+        <p:spPr>
+          <a:xfrm>
+            <a:off x="2411760" y="3609020"/>
+            <a:ext cx="3312368" cy="396044"/>
+          </a:xfrm>
+          <a:prstGeom prst="rect">
+            <a:avLst/>
+          </a:prstGeom>
+        </p:spPr>
+        <p:style>
+          <a:lnRef idx="2">
+            <a:schemeClr val="accent1">
+              <a:shade val="50000"/>
+            </a:schemeClr>
+          </a:lnRef>
+          <a:fillRef idx="1">
+            <a:schemeClr val="accent1"/>
+          </a:fillRef>
+          <a:effectRef idx="0">
+            <a:schemeClr val="accent1"/>
+          </a:effectRef>
+          <a:fontRef idx="minor">
+            <a:schemeClr val="lt1"/>
+          </a:fontRef>
+        </p:style>
+        <p:txBody>
+          <a:bodyPr rtlCol="0" anchor="ctr"/>
+          <a:lstStyle/>
+          <a:p>
+            <a:pPr algn="ctr"/>
+            <a:endParaRPr lang="ko-KR" altLang="en-US"/>
+          </a:p>
+        </p:txBody>
+      </p:sp>
+      <p:sp>
+        <p:nvSpPr>
+          <p:cNvPr id="22" name="직사각형 21"/>
+          <p:cNvSpPr/>
+          <p:nvPr/>
+        </p:nvSpPr>
+        <p:spPr>
+          <a:xfrm>
+            <a:off x="2411760" y="4681100"/>
+            <a:ext cx="1296144" cy="404084"/>
+          </a:xfrm>
+          <a:prstGeom prst="rect">
+            <a:avLst/>
+          </a:prstGeom>
+        </p:spPr>
+        <p:style>
+          <a:lnRef idx="2">
+            <a:schemeClr val="accent1">
+              <a:shade val="50000"/>
+            </a:schemeClr>
+          </a:lnRef>
+          <a:fillRef idx="1">
+            <a:schemeClr val="accent1"/>
+          </a:fillRef>
+          <a:effectRef idx="0">
+            <a:schemeClr val="accent1"/>
+          </a:effectRef>
+          <a:fontRef idx="minor">
+            <a:schemeClr val="lt1"/>
+          </a:fontRef>
+        </p:style>
+        <p:txBody>
+          <a:bodyPr rtlCol="0" anchor="ctr"/>
+          <a:lstStyle/>
+          <a:p>
+            <a:pPr algn="ctr"/>
+            <a:r>
+              <a:rPr lang="ko-KR" altLang="en-US" dirty="0" smtClean="0"/>
+              <a:t>확인</a:t>
+            </a:r>
+            <a:endParaRPr lang="ko-KR" altLang="en-US" dirty="0"/>
+          </a:p>
+        </p:txBody>
+      </p:sp>
+      <p:sp>
+        <p:nvSpPr>
+          <p:cNvPr id="23" name="직사각형 22"/>
+          <p:cNvSpPr/>
+          <p:nvPr/>
+        </p:nvSpPr>
+        <p:spPr>
+          <a:xfrm>
+            <a:off x="4432615" y="4654614"/>
+            <a:ext cx="1296144" cy="404084"/>
+          </a:xfrm>
+          <a:prstGeom prst="rect">
+            <a:avLst/>
+          </a:prstGeom>
+        </p:spPr>
+        <p:style>
+          <a:lnRef idx="2">
+            <a:schemeClr val="accent1">
+              <a:shade val="50000"/>
+            </a:schemeClr>
+          </a:lnRef>
+          <a:fillRef idx="1">
+            <a:schemeClr val="accent1"/>
+          </a:fillRef>
+          <a:effectRef idx="0">
+            <a:schemeClr val="accent1"/>
+          </a:effectRef>
+          <a:fontRef idx="minor">
+            <a:schemeClr val="lt1"/>
+          </a:fontRef>
+        </p:style>
+        <p:txBody>
+          <a:bodyPr rtlCol="0" anchor="ctr"/>
+          <a:lstStyle/>
+          <a:p>
+            <a:pPr algn="ctr"/>
+            <a:r>
+              <a:rPr lang="ko-KR" altLang="en-US" dirty="0" smtClean="0"/>
+              <a:t>취소</a:t>
+            </a:r>
+            <a:endParaRPr lang="ko-KR" altLang="en-US" dirty="0"/>
+          </a:p>
+        </p:txBody>
+      </p:sp>
+      <p:sp>
+        <p:nvSpPr>
+          <p:cNvPr id="24" name="직사각형 23"/>
+          <p:cNvSpPr/>
+          <p:nvPr/>
+        </p:nvSpPr>
+        <p:spPr>
+          <a:xfrm>
+            <a:off x="2411760" y="4149080"/>
+            <a:ext cx="3316999" cy="360040"/>
+          </a:xfrm>
+          <a:prstGeom prst="rect">
+            <a:avLst/>
+          </a:prstGeom>
+        </p:spPr>
+        <p:style>
+          <a:lnRef idx="2">
+            <a:schemeClr val="accent1">
+              <a:shade val="50000"/>
+            </a:schemeClr>
+          </a:lnRef>
+          <a:fillRef idx="1">
+            <a:schemeClr val="accent1"/>
+          </a:fillRef>
+          <a:effectRef idx="0">
+            <a:schemeClr val="accent1"/>
+          </a:effectRef>
+          <a:fontRef idx="minor">
+            <a:schemeClr val="lt1"/>
+          </a:fontRef>
+        </p:style>
+        <p:txBody>
+          <a:bodyPr rtlCol="0" anchor="ctr"/>
+          <a:lstStyle/>
+          <a:p>
+            <a:pPr algn="ctr"/>
+            <a:r>
+              <a:rPr lang="ko-KR" altLang="en-US" dirty="0" smtClean="0"/>
+              <a:t>현재 시간 출력</a:t>
+            </a:r>
+            <a:endParaRPr lang="en-US" altLang="ko-KR" dirty="0" smtClean="0"/>
+          </a:p>
+        </p:txBody>
+      </p:sp>
+    </p:spTree>
+    <p:extLst>
+      <p:ext uri="{BB962C8B-B14F-4D97-AF65-F5344CB8AC3E}">
+        <p14:creationId xmlns:p14="http://schemas.microsoft.com/office/powerpoint/2010/main" val="2964937577"/>
+      </p:ext>
+    </p:extLst>
+  </p:cSld>
+  <p:clrMapOvr>
+    <a:masterClrMapping/>
+  </p:clrMapOvr>
+</p:sld>
+</file>
+
+<file path=ppt/slides/slide15.xml><?xml version="1.0" encoding="utf-8"?>
+<p:sld xmlns:a="http://schemas.openxmlformats.org/drawingml/2006/main" xmlns:r="http://schemas.openxmlformats.org/officeDocument/2006/relationships" xmlns:p="http://schemas.openxmlformats.org/presentationml/2006/main">
+  <p:cSld>
+    <p:spTree>
+      <p:nvGrpSpPr>
+        <p:cNvPr id="1" name=""/>
+        <p:cNvGrpSpPr/>
+        <p:nvPr/>
+      </p:nvGrpSpPr>
+      <p:grpSpPr>
+        <a:xfrm>
+          <a:off x="0" y="0"/>
+          <a:ext cx="0" cy="0"/>
+          <a:chOff x="0" y="0"/>
+          <a:chExt cx="0" cy="0"/>
+        </a:xfrm>
+      </p:grpSpPr>
+      <p:sp>
+        <p:nvSpPr>
+          <p:cNvPr id="4" name="TextBox 3"/>
           <p:cNvSpPr txBox="1"/>
           <p:nvPr/>
         </p:nvSpPr>
         <p:spPr>
           <a:xfrm>
-            <a:off x="6516216" y="1043444"/>
-            <a:ext cx="2232248" cy="369332"/>
+            <a:off x="683568" y="332656"/>
+            <a:ext cx="3024336" cy="369332"/>
           </a:xfrm>
           <a:prstGeom prst="rect">
             <a:avLst/>
@@ -4128,54 +5918,653 @@
           <a:lstStyle/>
           <a:p>
             <a:r>
+              <a:rPr lang="en-US" altLang="ko-KR" dirty="0" smtClean="0"/>
+              <a:t>1. </a:t>
+            </a:r>
+            <a:r>
               <a:rPr lang="ko-KR" altLang="en-US" dirty="0" smtClean="0"/>
-              <a:t>새로운 </a:t>
-            </a:r>
-            <a:r>
-              <a:rPr lang="en-US" altLang="ko-KR" dirty="0" smtClean="0"/>
-              <a:t>Frame </a:t>
-            </a:r>
-            <a:r>
-              <a:rPr lang="ko-KR" altLang="en-US" dirty="0" smtClean="0"/>
-              <a:t>생성</a:t>
+              <a:t>사용자 화면 구성</a:t>
             </a:r>
             <a:endParaRPr lang="ko-KR" altLang="en-US" dirty="0"/>
           </a:p>
         </p:txBody>
       </p:sp>
-      <p:sp>
-        <p:nvSpPr>
-          <p:cNvPr id="16" name="TextBox 15"/>
-          <p:cNvSpPr txBox="1"/>
+      <p:grpSp>
+        <p:nvGrpSpPr>
+          <p:cNvPr id="2" name="그룹 1"/>
+          <p:cNvGrpSpPr/>
           <p:nvPr/>
-        </p:nvSpPr>
-        <p:spPr>
-          <a:xfrm>
-            <a:off x="6565099" y="1627165"/>
-            <a:ext cx="2232248" cy="369332"/>
+        </p:nvGrpSpPr>
+        <p:grpSpPr>
+          <a:xfrm>
+            <a:off x="539552" y="1088740"/>
+            <a:ext cx="5544616" cy="4392488"/>
+            <a:chOff x="1043608" y="1340768"/>
+            <a:chExt cx="4608512" cy="4392488"/>
+          </a:xfrm>
+        </p:grpSpPr>
+        <p:sp>
+          <p:nvSpPr>
+            <p:cNvPr id="32" name="직사각형 31"/>
+            <p:cNvSpPr/>
+            <p:nvPr/>
+          </p:nvSpPr>
+          <p:spPr>
+            <a:xfrm>
+              <a:off x="1043608" y="1340768"/>
+              <a:ext cx="4608512" cy="4392488"/>
+            </a:xfrm>
+            <a:prstGeom prst="rect">
+              <a:avLst/>
+            </a:prstGeom>
+            <a:solidFill>
+              <a:schemeClr val="accent1">
+                <a:lumMod val="20000"/>
+                <a:lumOff val="80000"/>
+              </a:schemeClr>
+            </a:solidFill>
+          </p:spPr>
+          <p:style>
+            <a:lnRef idx="2">
+              <a:schemeClr val="accent1">
+                <a:shade val="50000"/>
+              </a:schemeClr>
+            </a:lnRef>
+            <a:fillRef idx="1">
+              <a:schemeClr val="accent1"/>
+            </a:fillRef>
+            <a:effectRef idx="0">
+              <a:schemeClr val="accent1"/>
+            </a:effectRef>
+            <a:fontRef idx="minor">
+              <a:schemeClr val="lt1"/>
+            </a:fontRef>
+          </p:style>
+          <p:txBody>
+            <a:bodyPr rtlCol="0" anchor="ctr"/>
+            <a:lstStyle/>
+            <a:p>
+              <a:pPr algn="ctr"/>
+              <a:endParaRPr lang="ko-KR" altLang="en-US"/>
+            </a:p>
+          </p:txBody>
+        </p:sp>
+        <p:sp>
+          <p:nvSpPr>
+            <p:cNvPr id="6" name="직사각형 5"/>
+            <p:cNvSpPr/>
+            <p:nvPr/>
+          </p:nvSpPr>
+          <p:spPr>
+            <a:xfrm>
+              <a:off x="2384342" y="1340768"/>
+              <a:ext cx="3267778" cy="4392488"/>
+            </a:xfrm>
+            <a:prstGeom prst="rect">
+              <a:avLst/>
+            </a:prstGeom>
+            <a:solidFill>
+              <a:schemeClr val="accent4">
+                <a:lumMod val="75000"/>
+              </a:schemeClr>
+            </a:solidFill>
+          </p:spPr>
+          <p:style>
+            <a:lnRef idx="2">
+              <a:schemeClr val="accent1">
+                <a:shade val="50000"/>
+              </a:schemeClr>
+            </a:lnRef>
+            <a:fillRef idx="1">
+              <a:schemeClr val="accent1"/>
+            </a:fillRef>
+            <a:effectRef idx="0">
+              <a:schemeClr val="accent1"/>
+            </a:effectRef>
+            <a:fontRef idx="minor">
+              <a:schemeClr val="lt1"/>
+            </a:fontRef>
+          </p:style>
+          <p:txBody>
+            <a:bodyPr rtlCol="0" anchor="ctr"/>
+            <a:lstStyle/>
+            <a:p>
+              <a:pPr algn="ctr"/>
+              <a:r>
+                <a:rPr lang="en-US" altLang="ko-KR" dirty="0" err="1" smtClean="0"/>
+                <a:t>CardLayoutPanel</a:t>
+              </a:r>
+              <a:endParaRPr lang="ko-KR" altLang="en-US" dirty="0"/>
+            </a:p>
+          </p:txBody>
+        </p:sp>
+        <p:sp>
+          <p:nvSpPr>
+            <p:cNvPr id="10" name="직사각형 9"/>
+            <p:cNvSpPr/>
+            <p:nvPr/>
+          </p:nvSpPr>
+          <p:spPr>
+            <a:xfrm>
+              <a:off x="1043930" y="1340768"/>
+              <a:ext cx="1340412" cy="648072"/>
+            </a:xfrm>
+            <a:prstGeom prst="rect">
+              <a:avLst/>
+            </a:prstGeom>
+            <a:solidFill>
+              <a:schemeClr val="accent4">
+                <a:lumMod val="75000"/>
+              </a:schemeClr>
+            </a:solidFill>
+          </p:spPr>
+          <p:style>
+            <a:lnRef idx="2">
+              <a:schemeClr val="accent1">
+                <a:shade val="50000"/>
+              </a:schemeClr>
+            </a:lnRef>
+            <a:fillRef idx="1">
+              <a:schemeClr val="accent1"/>
+            </a:fillRef>
+            <a:effectRef idx="0">
+              <a:schemeClr val="accent1"/>
+            </a:effectRef>
+            <a:fontRef idx="minor">
+              <a:schemeClr val="lt1"/>
+            </a:fontRef>
+          </p:style>
+          <p:txBody>
+            <a:bodyPr rtlCol="0" anchor="ctr"/>
+            <a:lstStyle/>
+            <a:p>
+              <a:pPr algn="ctr"/>
+              <a:r>
+                <a:rPr lang="ko-KR" altLang="en-US" dirty="0" smtClean="0"/>
+                <a:t>예</a:t>
+              </a:r>
+              <a:r>
+                <a:rPr lang="ko-KR" altLang="en-US" dirty="0"/>
+                <a:t>금</a:t>
+              </a:r>
+            </a:p>
+          </p:txBody>
+        </p:sp>
+        <p:sp>
+          <p:nvSpPr>
+            <p:cNvPr id="14" name="직사각형 13"/>
+            <p:cNvSpPr/>
+            <p:nvPr/>
+          </p:nvSpPr>
+          <p:spPr>
+            <a:xfrm>
+              <a:off x="1043609" y="2071970"/>
+              <a:ext cx="1340734" cy="636950"/>
+            </a:xfrm>
+            <a:prstGeom prst="rect">
+              <a:avLst/>
+            </a:prstGeom>
+            <a:solidFill>
+              <a:schemeClr val="accent4">
+                <a:lumMod val="75000"/>
+              </a:schemeClr>
+            </a:solidFill>
+          </p:spPr>
+          <p:style>
+            <a:lnRef idx="2">
+              <a:schemeClr val="accent1">
+                <a:shade val="50000"/>
+              </a:schemeClr>
+            </a:lnRef>
+            <a:fillRef idx="1">
+              <a:schemeClr val="accent1"/>
+            </a:fillRef>
+            <a:effectRef idx="0">
+              <a:schemeClr val="accent1"/>
+            </a:effectRef>
+            <a:fontRef idx="minor">
+              <a:schemeClr val="lt1"/>
+            </a:fontRef>
+          </p:style>
+          <p:txBody>
+            <a:bodyPr rtlCol="0" anchor="ctr"/>
+            <a:lstStyle/>
+            <a:p>
+              <a:pPr algn="ctr"/>
+              <a:r>
+                <a:rPr lang="ko-KR" altLang="en-US" dirty="0" smtClean="0"/>
+                <a:t>출</a:t>
+              </a:r>
+              <a:r>
+                <a:rPr lang="ko-KR" altLang="en-US" dirty="0"/>
+                <a:t>금</a:t>
+              </a:r>
+            </a:p>
+          </p:txBody>
+        </p:sp>
+      </p:grpSp>
+      <p:sp>
+        <p:nvSpPr>
+          <p:cNvPr id="11" name="직사각형 10"/>
+          <p:cNvSpPr/>
+          <p:nvPr/>
+        </p:nvSpPr>
+        <p:spPr>
+          <a:xfrm>
+            <a:off x="563659" y="4835635"/>
+            <a:ext cx="1598551" cy="636950"/>
           </a:xfrm>
           <a:prstGeom prst="rect">
             <a:avLst/>
           </a:prstGeom>
-          <a:noFill/>
-        </p:spPr>
-        <p:txBody>
-          <a:bodyPr wrap="square" rtlCol="0">
-            <a:spAutoFit/>
-          </a:bodyPr>
-          <a:lstStyle/>
-          <a:p>
+          <a:solidFill>
+            <a:schemeClr val="accent4">
+              <a:lumMod val="75000"/>
+            </a:schemeClr>
+          </a:solidFill>
+        </p:spPr>
+        <p:style>
+          <a:lnRef idx="2">
+            <a:schemeClr val="accent1">
+              <a:shade val="50000"/>
+            </a:schemeClr>
+          </a:lnRef>
+          <a:fillRef idx="1">
+            <a:schemeClr val="accent1"/>
+          </a:fillRef>
+          <a:effectRef idx="0">
+            <a:schemeClr val="accent1"/>
+          </a:effectRef>
+          <a:fontRef idx="minor">
+            <a:schemeClr val="lt1"/>
+          </a:fontRef>
+        </p:style>
+        <p:txBody>
+          <a:bodyPr rtlCol="0" anchor="ctr"/>
+          <a:lstStyle/>
+          <a:p>
+            <a:pPr algn="ctr"/>
             <a:r>
               <a:rPr lang="ko-KR" altLang="en-US" dirty="0" smtClean="0"/>
-              <a:t>새로운 </a:t>
-            </a:r>
+              <a:t>종</a:t>
+            </a:r>
+            <a:r>
+              <a:rPr lang="ko-KR" altLang="en-US" dirty="0"/>
+              <a:t>료</a:t>
+            </a:r>
+          </a:p>
+        </p:txBody>
+      </p:sp>
+      <p:sp>
+        <p:nvSpPr>
+          <p:cNvPr id="12" name="직사각형 11"/>
+          <p:cNvSpPr/>
+          <p:nvPr/>
+        </p:nvSpPr>
+        <p:spPr>
+          <a:xfrm>
+            <a:off x="554071" y="4113076"/>
+            <a:ext cx="1598551" cy="636950"/>
+          </a:xfrm>
+          <a:prstGeom prst="rect">
+            <a:avLst/>
+          </a:prstGeom>
+          <a:solidFill>
+            <a:schemeClr val="accent1"/>
+          </a:solidFill>
+        </p:spPr>
+        <p:style>
+          <a:lnRef idx="2">
+            <a:schemeClr val="accent1">
+              <a:shade val="50000"/>
+            </a:schemeClr>
+          </a:lnRef>
+          <a:fillRef idx="1">
+            <a:schemeClr val="accent1"/>
+          </a:fillRef>
+          <a:effectRef idx="0">
+            <a:schemeClr val="accent1"/>
+          </a:effectRef>
+          <a:fontRef idx="minor">
+            <a:schemeClr val="lt1"/>
+          </a:fontRef>
+        </p:style>
+        <p:txBody>
+          <a:bodyPr rtlCol="0" anchor="ctr"/>
+          <a:lstStyle/>
+          <a:p>
+            <a:pPr algn="ctr"/>
+            <a:r>
+              <a:rPr lang="ko-KR" altLang="en-US" smtClean="0"/>
+              <a:t>조</a:t>
+            </a:r>
+            <a:r>
+              <a:rPr lang="ko-KR" altLang="en-US"/>
+              <a:t>회</a:t>
+            </a:r>
+            <a:endParaRPr lang="ko-KR" altLang="en-US" dirty="0"/>
+          </a:p>
+        </p:txBody>
+      </p:sp>
+      <p:sp>
+        <p:nvSpPr>
+          <p:cNvPr id="13" name="직사각형 12"/>
+          <p:cNvSpPr/>
+          <p:nvPr/>
+        </p:nvSpPr>
+        <p:spPr>
+          <a:xfrm>
+            <a:off x="554070" y="2540022"/>
+            <a:ext cx="1598551" cy="636950"/>
+          </a:xfrm>
+          <a:prstGeom prst="rect">
+            <a:avLst/>
+          </a:prstGeom>
+          <a:solidFill>
+            <a:schemeClr val="accent4">
+              <a:lumMod val="75000"/>
+            </a:schemeClr>
+          </a:solidFill>
+        </p:spPr>
+        <p:style>
+          <a:lnRef idx="2">
+            <a:schemeClr val="accent1">
+              <a:shade val="50000"/>
+            </a:schemeClr>
+          </a:lnRef>
+          <a:fillRef idx="1">
+            <a:schemeClr val="accent1"/>
+          </a:fillRef>
+          <a:effectRef idx="0">
+            <a:schemeClr val="accent1"/>
+          </a:effectRef>
+          <a:fontRef idx="minor">
+            <a:schemeClr val="lt1"/>
+          </a:fontRef>
+        </p:style>
+        <p:txBody>
+          <a:bodyPr rtlCol="0" anchor="ctr"/>
+          <a:lstStyle/>
+          <a:p>
+            <a:pPr algn="ctr"/>
+            <a:r>
+              <a:rPr lang="ko-KR" altLang="en-US" dirty="0" smtClean="0"/>
+              <a:t>이체</a:t>
+            </a:r>
+            <a:endParaRPr lang="ko-KR" altLang="en-US" dirty="0"/>
+          </a:p>
+        </p:txBody>
+      </p:sp>
+      <p:sp>
+        <p:nvSpPr>
+          <p:cNvPr id="17" name="직사각형 16"/>
+          <p:cNvSpPr/>
+          <p:nvPr/>
+        </p:nvSpPr>
+        <p:spPr>
+          <a:xfrm>
+            <a:off x="2411760" y="1268760"/>
+            <a:ext cx="3384376" cy="358405"/>
+          </a:xfrm>
+          <a:prstGeom prst="rect">
+            <a:avLst/>
+          </a:prstGeom>
+        </p:spPr>
+        <p:style>
+          <a:lnRef idx="2">
+            <a:schemeClr val="accent1">
+              <a:shade val="50000"/>
+            </a:schemeClr>
+          </a:lnRef>
+          <a:fillRef idx="1">
+            <a:schemeClr val="accent1"/>
+          </a:fillRef>
+          <a:effectRef idx="0">
+            <a:schemeClr val="accent1"/>
+          </a:effectRef>
+          <a:fontRef idx="minor">
+            <a:schemeClr val="lt1"/>
+          </a:fontRef>
+        </p:style>
+        <p:txBody>
+          <a:bodyPr rtlCol="0" anchor="ctr"/>
+          <a:lstStyle/>
+          <a:p>
+            <a:pPr algn="ctr"/>
             <a:r>
               <a:rPr lang="en-US" altLang="ko-KR" dirty="0" smtClean="0"/>
-              <a:t>Frame </a:t>
+              <a:t>OOO</a:t>
             </a:r>
             <a:r>
               <a:rPr lang="ko-KR" altLang="en-US" dirty="0" smtClean="0"/>
-              <a:t>생성</a:t>
+              <a:t>님 환영합니다</a:t>
+            </a:r>
+            <a:endParaRPr lang="ko-KR" altLang="en-US" dirty="0"/>
+          </a:p>
+        </p:txBody>
+      </p:sp>
+      <p:sp>
+        <p:nvSpPr>
+          <p:cNvPr id="18" name="직사각형 17"/>
+          <p:cNvSpPr/>
+          <p:nvPr/>
+        </p:nvSpPr>
+        <p:spPr>
+          <a:xfrm>
+            <a:off x="2411760" y="2060848"/>
+            <a:ext cx="1512168" cy="360040"/>
+          </a:xfrm>
+          <a:prstGeom prst="rect">
+            <a:avLst/>
+          </a:prstGeom>
+          <a:solidFill>
+            <a:schemeClr val="accent1"/>
+          </a:solidFill>
+        </p:spPr>
+        <p:style>
+          <a:lnRef idx="2">
+            <a:schemeClr val="accent1">
+              <a:shade val="50000"/>
+            </a:schemeClr>
+          </a:lnRef>
+          <a:fillRef idx="1">
+            <a:schemeClr val="accent1"/>
+          </a:fillRef>
+          <a:effectRef idx="0">
+            <a:schemeClr val="accent1"/>
+          </a:effectRef>
+          <a:fontRef idx="minor">
+            <a:schemeClr val="lt1"/>
+          </a:fontRef>
+        </p:style>
+        <p:txBody>
+          <a:bodyPr rtlCol="0" anchor="ctr"/>
+          <a:lstStyle/>
+          <a:p>
+            <a:pPr algn="ctr"/>
+            <a:r>
+              <a:rPr lang="ko-KR" altLang="en-US" dirty="0" smtClean="0"/>
+              <a:t>비밀번호</a:t>
+            </a:r>
+            <a:endParaRPr lang="ko-KR" altLang="en-US" dirty="0"/>
+          </a:p>
+        </p:txBody>
+      </p:sp>
+      <p:sp>
+        <p:nvSpPr>
+          <p:cNvPr id="19" name="직사각형 18"/>
+          <p:cNvSpPr/>
+          <p:nvPr/>
+        </p:nvSpPr>
+        <p:spPr>
+          <a:xfrm>
+            <a:off x="2411760" y="2596826"/>
+            <a:ext cx="3312368" cy="396044"/>
+          </a:xfrm>
+          <a:prstGeom prst="rect">
+            <a:avLst/>
+          </a:prstGeom>
+        </p:spPr>
+        <p:style>
+          <a:lnRef idx="2">
+            <a:schemeClr val="accent1">
+              <a:shade val="50000"/>
+            </a:schemeClr>
+          </a:lnRef>
+          <a:fillRef idx="1">
+            <a:schemeClr val="accent1"/>
+          </a:fillRef>
+          <a:effectRef idx="0">
+            <a:schemeClr val="accent1"/>
+          </a:effectRef>
+          <a:fontRef idx="minor">
+            <a:schemeClr val="lt1"/>
+          </a:fontRef>
+        </p:style>
+        <p:txBody>
+          <a:bodyPr rtlCol="0" anchor="ctr"/>
+          <a:lstStyle/>
+          <a:p>
+            <a:pPr algn="ctr"/>
+            <a:endParaRPr lang="ko-KR" altLang="en-US"/>
+          </a:p>
+        </p:txBody>
+      </p:sp>
+      <p:sp>
+        <p:nvSpPr>
+          <p:cNvPr id="3" name="직사각형 2"/>
+          <p:cNvSpPr/>
+          <p:nvPr/>
+        </p:nvSpPr>
+        <p:spPr>
+          <a:xfrm>
+            <a:off x="2411760" y="4185084"/>
+            <a:ext cx="3384376" cy="396044"/>
+          </a:xfrm>
+          <a:prstGeom prst="rect">
+            <a:avLst/>
+          </a:prstGeom>
+        </p:spPr>
+        <p:style>
+          <a:lnRef idx="2">
+            <a:schemeClr val="accent1">
+              <a:shade val="50000"/>
+            </a:schemeClr>
+          </a:lnRef>
+          <a:fillRef idx="1">
+            <a:schemeClr val="accent1"/>
+          </a:fillRef>
+          <a:effectRef idx="0">
+            <a:schemeClr val="accent1"/>
+          </a:effectRef>
+          <a:fontRef idx="minor">
+            <a:schemeClr val="lt1"/>
+          </a:fontRef>
+        </p:style>
+        <p:txBody>
+          <a:bodyPr rtlCol="0" anchor="ctr"/>
+          <a:lstStyle/>
+          <a:p>
+            <a:pPr algn="ctr"/>
+            <a:r>
+              <a:rPr lang="ko-KR" altLang="en-US" dirty="0" smtClean="0"/>
+              <a:t>현재 잔고는 </a:t>
+            </a:r>
+            <a:r>
+              <a:rPr lang="en-US" altLang="ko-KR" dirty="0" smtClean="0"/>
+              <a:t>OOO</a:t>
+            </a:r>
+            <a:r>
+              <a:rPr lang="ko-KR" altLang="en-US" dirty="0" smtClean="0"/>
+              <a:t>원입니다</a:t>
+            </a:r>
+            <a:endParaRPr lang="ko-KR" altLang="en-US" dirty="0"/>
+          </a:p>
+        </p:txBody>
+      </p:sp>
+      <p:sp>
+        <p:nvSpPr>
+          <p:cNvPr id="20" name="직사각형 19"/>
+          <p:cNvSpPr/>
+          <p:nvPr/>
+        </p:nvSpPr>
+        <p:spPr>
+          <a:xfrm>
+            <a:off x="2411760" y="3168932"/>
+            <a:ext cx="1296144" cy="404084"/>
+          </a:xfrm>
+          <a:prstGeom prst="rect">
+            <a:avLst/>
+          </a:prstGeom>
+        </p:spPr>
+        <p:style>
+          <a:lnRef idx="2">
+            <a:schemeClr val="accent1">
+              <a:shade val="50000"/>
+            </a:schemeClr>
+          </a:lnRef>
+          <a:fillRef idx="1">
+            <a:schemeClr val="accent1"/>
+          </a:fillRef>
+          <a:effectRef idx="0">
+            <a:schemeClr val="accent1"/>
+          </a:effectRef>
+          <a:fontRef idx="minor">
+            <a:schemeClr val="lt1"/>
+          </a:fontRef>
+        </p:style>
+        <p:txBody>
+          <a:bodyPr rtlCol="0" anchor="ctr"/>
+          <a:lstStyle/>
+          <a:p>
+            <a:pPr algn="ctr"/>
+            <a:r>
+              <a:rPr lang="ko-KR" altLang="en-US" dirty="0" smtClean="0"/>
+              <a:t>확인</a:t>
+            </a:r>
+            <a:endParaRPr lang="ko-KR" altLang="en-US" dirty="0"/>
+          </a:p>
+        </p:txBody>
+      </p:sp>
+      <p:sp>
+        <p:nvSpPr>
+          <p:cNvPr id="21" name="직사각형 20"/>
+          <p:cNvSpPr/>
+          <p:nvPr/>
+        </p:nvSpPr>
+        <p:spPr>
+          <a:xfrm>
+            <a:off x="4432615" y="3142446"/>
+            <a:ext cx="1296144" cy="404084"/>
+          </a:xfrm>
+          <a:prstGeom prst="rect">
+            <a:avLst/>
+          </a:prstGeom>
+        </p:spPr>
+        <p:style>
+          <a:lnRef idx="2">
+            <a:schemeClr val="accent1">
+              <a:shade val="50000"/>
+            </a:schemeClr>
+          </a:lnRef>
+          <a:fillRef idx="1">
+            <a:schemeClr val="accent1"/>
+          </a:fillRef>
+          <a:effectRef idx="0">
+            <a:schemeClr val="accent1"/>
+          </a:effectRef>
+          <a:fontRef idx="minor">
+            <a:schemeClr val="lt1"/>
+          </a:fontRef>
+        </p:style>
+        <p:txBody>
+          <a:bodyPr rtlCol="0" anchor="ctr"/>
+          <a:lstStyle/>
+          <a:p>
+            <a:pPr algn="ctr"/>
+            <a:r>
+              <a:rPr lang="ko-KR" altLang="en-US" dirty="0" smtClean="0"/>
+              <a:t>취소</a:t>
             </a:r>
             <a:endParaRPr lang="ko-KR" altLang="en-US" dirty="0"/>
           </a:p>
@@ -4184,7 +6573,7 @@
     </p:spTree>
     <p:extLst>
       <p:ext uri="{BB962C8B-B14F-4D97-AF65-F5344CB8AC3E}">
-        <p14:creationId xmlns:p14="http://schemas.microsoft.com/office/powerpoint/2010/main" val="2353707374"/>
+        <p14:creationId xmlns:p14="http://schemas.microsoft.com/office/powerpoint/2010/main" val="3091678875"/>
       </p:ext>
     </p:extLst>
   </p:cSld>
@@ -7605,18 +9994,90 @@
                 <a:tableStyleId>{5C22544A-7EE6-4342-B048-85BDC9FD1C3A}</a:tableStyleId>
               </a:tblPr>
               <a:tblGrid>
-                <a:gridCol w="508000"/>
-                <a:gridCol w="508000"/>
-                <a:gridCol w="508000"/>
-                <a:gridCol w="508000"/>
-                <a:gridCol w="508000"/>
-                <a:gridCol w="508000"/>
-                <a:gridCol w="508000"/>
-                <a:gridCol w="508000"/>
-                <a:gridCol w="508000"/>
-                <a:gridCol w="508000"/>
-                <a:gridCol w="508000"/>
-                <a:gridCol w="508000"/>
+                <a:gridCol w="508000">
+                  <a:extLst>
+                    <a:ext uri="{9D8B030D-6E8A-4147-A177-3AD203B41FA5}">
+                      <a16:colId xmlns:a16="http://schemas.microsoft.com/office/drawing/2014/main" val="20000"/>
+                    </a:ext>
+                  </a:extLst>
+                </a:gridCol>
+                <a:gridCol w="508000">
+                  <a:extLst>
+                    <a:ext uri="{9D8B030D-6E8A-4147-A177-3AD203B41FA5}">
+                      <a16:colId xmlns:a16="http://schemas.microsoft.com/office/drawing/2014/main" val="20001"/>
+                    </a:ext>
+                  </a:extLst>
+                </a:gridCol>
+                <a:gridCol w="508000">
+                  <a:extLst>
+                    <a:ext uri="{9D8B030D-6E8A-4147-A177-3AD203B41FA5}">
+                      <a16:colId xmlns:a16="http://schemas.microsoft.com/office/drawing/2014/main" val="20002"/>
+                    </a:ext>
+                  </a:extLst>
+                </a:gridCol>
+                <a:gridCol w="508000">
+                  <a:extLst>
+                    <a:ext uri="{9D8B030D-6E8A-4147-A177-3AD203B41FA5}">
+                      <a16:colId xmlns:a16="http://schemas.microsoft.com/office/drawing/2014/main" val="20003"/>
+                    </a:ext>
+                  </a:extLst>
+                </a:gridCol>
+                <a:gridCol w="508000">
+                  <a:extLst>
+                    <a:ext uri="{9D8B030D-6E8A-4147-A177-3AD203B41FA5}">
+                      <a16:colId xmlns:a16="http://schemas.microsoft.com/office/drawing/2014/main" val="20004"/>
+                    </a:ext>
+                  </a:extLst>
+                </a:gridCol>
+                <a:gridCol w="508000">
+                  <a:extLst>
+                    <a:ext uri="{9D8B030D-6E8A-4147-A177-3AD203B41FA5}">
+                      <a16:colId xmlns:a16="http://schemas.microsoft.com/office/drawing/2014/main" val="20005"/>
+                    </a:ext>
+                  </a:extLst>
+                </a:gridCol>
+                <a:gridCol w="508000">
+                  <a:extLst>
+                    <a:ext uri="{9D8B030D-6E8A-4147-A177-3AD203B41FA5}">
+                      <a16:colId xmlns:a16="http://schemas.microsoft.com/office/drawing/2014/main" val="20006"/>
+                    </a:ext>
+                  </a:extLst>
+                </a:gridCol>
+                <a:gridCol w="508000">
+                  <a:extLst>
+                    <a:ext uri="{9D8B030D-6E8A-4147-A177-3AD203B41FA5}">
+                      <a16:colId xmlns:a16="http://schemas.microsoft.com/office/drawing/2014/main" val="20007"/>
+                    </a:ext>
+                  </a:extLst>
+                </a:gridCol>
+                <a:gridCol w="508000">
+                  <a:extLst>
+                    <a:ext uri="{9D8B030D-6E8A-4147-A177-3AD203B41FA5}">
+                      <a16:colId xmlns:a16="http://schemas.microsoft.com/office/drawing/2014/main" val="20008"/>
+                    </a:ext>
+                  </a:extLst>
+                </a:gridCol>
+                <a:gridCol w="508000">
+                  <a:extLst>
+                    <a:ext uri="{9D8B030D-6E8A-4147-A177-3AD203B41FA5}">
+                      <a16:colId xmlns:a16="http://schemas.microsoft.com/office/drawing/2014/main" val="20009"/>
+                    </a:ext>
+                  </a:extLst>
+                </a:gridCol>
+                <a:gridCol w="508000">
+                  <a:extLst>
+                    <a:ext uri="{9D8B030D-6E8A-4147-A177-3AD203B41FA5}">
+                      <a16:colId xmlns:a16="http://schemas.microsoft.com/office/drawing/2014/main" val="20010"/>
+                    </a:ext>
+                  </a:extLst>
+                </a:gridCol>
+                <a:gridCol w="508000">
+                  <a:extLst>
+                    <a:ext uri="{9D8B030D-6E8A-4147-A177-3AD203B41FA5}">
+                      <a16:colId xmlns:a16="http://schemas.microsoft.com/office/drawing/2014/main" val="20011"/>
+                    </a:ext>
+                  </a:extLst>
+                </a:gridCol>
               </a:tblGrid>
               <a:tr h="370840">
                 <a:tc>
@@ -7979,6 +10440,11 @@
                     </a:solidFill>
                   </a:tcPr>
                 </a:tc>
+                <a:extLst>
+                  <a:ext uri="{0D108BD9-81ED-4DB2-BD59-A6C34878D82A}">
+                    <a16:rowId xmlns:a16="http://schemas.microsoft.com/office/drawing/2014/main" val="10000"/>
+                  </a:ext>
+                </a:extLst>
               </a:tr>
               <a:tr h="370840">
                 <a:tc>
@@ -8253,6 +10719,11 @@
                     </a:solidFill>
                   </a:tcPr>
                 </a:tc>
+                <a:extLst>
+                  <a:ext uri="{0D108BD9-81ED-4DB2-BD59-A6C34878D82A}">
+                    <a16:rowId xmlns:a16="http://schemas.microsoft.com/office/drawing/2014/main" val="10001"/>
+                  </a:ext>
+                </a:extLst>
               </a:tr>
               <a:tr h="370840">
                 <a:tc>
@@ -8543,6 +11014,11 @@
                     </a:solidFill>
                   </a:tcPr>
                 </a:tc>
+                <a:extLst>
+                  <a:ext uri="{0D108BD9-81ED-4DB2-BD59-A6C34878D82A}">
+                    <a16:rowId xmlns:a16="http://schemas.microsoft.com/office/drawing/2014/main" val="10002"/>
+                  </a:ext>
+                </a:extLst>
               </a:tr>
               <a:tr h="370840">
                 <a:tc>
@@ -8817,6 +11293,11 @@
                     </a:solidFill>
                   </a:tcPr>
                 </a:tc>
+                <a:extLst>
+                  <a:ext uri="{0D108BD9-81ED-4DB2-BD59-A6C34878D82A}">
+                    <a16:rowId xmlns:a16="http://schemas.microsoft.com/office/drawing/2014/main" val="10003"/>
+                  </a:ext>
+                </a:extLst>
               </a:tr>
               <a:tr h="370840">
                 <a:tc>
@@ -9095,6 +11576,11 @@
                     </a:solidFill>
                   </a:tcPr>
                 </a:tc>
+                <a:extLst>
+                  <a:ext uri="{0D108BD9-81ED-4DB2-BD59-A6C34878D82A}">
+                    <a16:rowId xmlns:a16="http://schemas.microsoft.com/office/drawing/2014/main" val="10004"/>
+                  </a:ext>
+                </a:extLst>
               </a:tr>
               <a:tr h="370840">
                 <a:tc>
@@ -9361,6 +11847,11 @@
                     </a:solidFill>
                   </a:tcPr>
                 </a:tc>
+                <a:extLst>
+                  <a:ext uri="{0D108BD9-81ED-4DB2-BD59-A6C34878D82A}">
+                    <a16:rowId xmlns:a16="http://schemas.microsoft.com/office/drawing/2014/main" val="10005"/>
+                  </a:ext>
+                </a:extLst>
               </a:tr>
               <a:tr h="370840">
                 <a:tc>
@@ -9619,6 +12110,11 @@
                     </a:solidFill>
                   </a:tcPr>
                 </a:tc>
+                <a:extLst>
+                  <a:ext uri="{0D108BD9-81ED-4DB2-BD59-A6C34878D82A}">
+                    <a16:rowId xmlns:a16="http://schemas.microsoft.com/office/drawing/2014/main" val="10006"/>
+                  </a:ext>
+                </a:extLst>
               </a:tr>
               <a:tr h="370840">
                 <a:tc>
@@ -9897,6 +12393,11 @@
                     </a:solidFill>
                   </a:tcPr>
                 </a:tc>
+                <a:extLst>
+                  <a:ext uri="{0D108BD9-81ED-4DB2-BD59-A6C34878D82A}">
+                    <a16:rowId xmlns:a16="http://schemas.microsoft.com/office/drawing/2014/main" val="10007"/>
+                  </a:ext>
+                </a:extLst>
               </a:tr>
               <a:tr h="370840">
                 <a:tc>
@@ -10175,6 +12676,11 @@
                     </a:solidFill>
                   </a:tcPr>
                 </a:tc>
+                <a:extLst>
+                  <a:ext uri="{0D108BD9-81ED-4DB2-BD59-A6C34878D82A}">
+                    <a16:rowId xmlns:a16="http://schemas.microsoft.com/office/drawing/2014/main" val="10008"/>
+                  </a:ext>
+                </a:extLst>
               </a:tr>
               <a:tr h="370840">
                 <a:tc>
@@ -10457,6 +12963,11 @@
                     </a:solidFill>
                   </a:tcPr>
                 </a:tc>
+                <a:extLst>
+                  <a:ext uri="{0D108BD9-81ED-4DB2-BD59-A6C34878D82A}">
+                    <a16:rowId xmlns:a16="http://schemas.microsoft.com/office/drawing/2014/main" val="10009"/>
+                  </a:ext>
+                </a:extLst>
               </a:tr>
               <a:tr h="370840">
                 <a:tc>
@@ -10723,6 +13234,11 @@
                     </a:solidFill>
                   </a:tcPr>
                 </a:tc>
+                <a:extLst>
+                  <a:ext uri="{0D108BD9-81ED-4DB2-BD59-A6C34878D82A}">
+                    <a16:rowId xmlns:a16="http://schemas.microsoft.com/office/drawing/2014/main" val="10010"/>
+                  </a:ext>
+                </a:extLst>
               </a:tr>
               <a:tr h="370840">
                 <a:tc>
@@ -11017,6 +13533,11 @@
                     </a:solidFill>
                   </a:tcPr>
                 </a:tc>
+                <a:extLst>
+                  <a:ext uri="{0D108BD9-81ED-4DB2-BD59-A6C34878D82A}">
+                    <a16:rowId xmlns:a16="http://schemas.microsoft.com/office/drawing/2014/main" val="10011"/>
+                  </a:ext>
+                </a:extLst>
               </a:tr>
             </a:tbl>
           </a:graphicData>

--- a/BankSystem/documentation/banksystem.pptx
+++ b/BankSystem/documentation/banksystem.pptx
@@ -318,7 +318,7 @@
           <a:p>
             <a:fld id="{A1903258-B850-4A7F-A54C-06CBD2E02BCF}" type="datetimeFigureOut">
               <a:rPr lang="ko-KR" altLang="en-US" smtClean="0"/>
-              <a:t>2018-11-06</a:t>
+              <a:t>2018-11-15</a:t>
             </a:fld>
             <a:endParaRPr lang="ko-KR" altLang="en-US"/>
           </a:p>
@@ -488,7 +488,7 @@
           <a:p>
             <a:fld id="{A1903258-B850-4A7F-A54C-06CBD2E02BCF}" type="datetimeFigureOut">
               <a:rPr lang="ko-KR" altLang="en-US" smtClean="0"/>
-              <a:t>2018-11-06</a:t>
+              <a:t>2018-11-15</a:t>
             </a:fld>
             <a:endParaRPr lang="ko-KR" altLang="en-US"/>
           </a:p>
@@ -668,7 +668,7 @@
           <a:p>
             <a:fld id="{A1903258-B850-4A7F-A54C-06CBD2E02BCF}" type="datetimeFigureOut">
               <a:rPr lang="ko-KR" altLang="en-US" smtClean="0"/>
-              <a:t>2018-11-06</a:t>
+              <a:t>2018-11-15</a:t>
             </a:fld>
             <a:endParaRPr lang="ko-KR" altLang="en-US"/>
           </a:p>
@@ -838,7 +838,7 @@
           <a:p>
             <a:fld id="{A1903258-B850-4A7F-A54C-06CBD2E02BCF}" type="datetimeFigureOut">
               <a:rPr lang="ko-KR" altLang="en-US" smtClean="0"/>
-              <a:t>2018-11-06</a:t>
+              <a:t>2018-11-15</a:t>
             </a:fld>
             <a:endParaRPr lang="ko-KR" altLang="en-US"/>
           </a:p>
@@ -1084,7 +1084,7 @@
           <a:p>
             <a:fld id="{A1903258-B850-4A7F-A54C-06CBD2E02BCF}" type="datetimeFigureOut">
               <a:rPr lang="ko-KR" altLang="en-US" smtClean="0"/>
-              <a:t>2018-11-06</a:t>
+              <a:t>2018-11-15</a:t>
             </a:fld>
             <a:endParaRPr lang="ko-KR" altLang="en-US"/>
           </a:p>
@@ -1372,7 +1372,7 @@
           <a:p>
             <a:fld id="{A1903258-B850-4A7F-A54C-06CBD2E02BCF}" type="datetimeFigureOut">
               <a:rPr lang="ko-KR" altLang="en-US" smtClean="0"/>
-              <a:t>2018-11-06</a:t>
+              <a:t>2018-11-15</a:t>
             </a:fld>
             <a:endParaRPr lang="ko-KR" altLang="en-US"/>
           </a:p>
@@ -1794,7 +1794,7 @@
           <a:p>
             <a:fld id="{A1903258-B850-4A7F-A54C-06CBD2E02BCF}" type="datetimeFigureOut">
               <a:rPr lang="ko-KR" altLang="en-US" smtClean="0"/>
-              <a:t>2018-11-06</a:t>
+              <a:t>2018-11-15</a:t>
             </a:fld>
             <a:endParaRPr lang="ko-KR" altLang="en-US"/>
           </a:p>
@@ -1912,7 +1912,7 @@
           <a:p>
             <a:fld id="{A1903258-B850-4A7F-A54C-06CBD2E02BCF}" type="datetimeFigureOut">
               <a:rPr lang="ko-KR" altLang="en-US" smtClean="0"/>
-              <a:t>2018-11-06</a:t>
+              <a:t>2018-11-15</a:t>
             </a:fld>
             <a:endParaRPr lang="ko-KR" altLang="en-US"/>
           </a:p>
@@ -2007,7 +2007,7 @@
           <a:p>
             <a:fld id="{A1903258-B850-4A7F-A54C-06CBD2E02BCF}" type="datetimeFigureOut">
               <a:rPr lang="ko-KR" altLang="en-US" smtClean="0"/>
-              <a:t>2018-11-06</a:t>
+              <a:t>2018-11-15</a:t>
             </a:fld>
             <a:endParaRPr lang="ko-KR" altLang="en-US"/>
           </a:p>
@@ -2284,7 +2284,7 @@
           <a:p>
             <a:fld id="{A1903258-B850-4A7F-A54C-06CBD2E02BCF}" type="datetimeFigureOut">
               <a:rPr lang="ko-KR" altLang="en-US" smtClean="0"/>
-              <a:t>2018-11-06</a:t>
+              <a:t>2018-11-15</a:t>
             </a:fld>
             <a:endParaRPr lang="ko-KR" altLang="en-US"/>
           </a:p>
@@ -2537,7 +2537,7 @@
           <a:p>
             <a:fld id="{A1903258-B850-4A7F-A54C-06CBD2E02BCF}" type="datetimeFigureOut">
               <a:rPr lang="ko-KR" altLang="en-US" smtClean="0"/>
-              <a:t>2018-11-06</a:t>
+              <a:t>2018-11-15</a:t>
             </a:fld>
             <a:endParaRPr lang="ko-KR" altLang="en-US"/>
           </a:p>
@@ -2750,7 +2750,7 @@
           <a:p>
             <a:fld id="{A1903258-B850-4A7F-A54C-06CBD2E02BCF}" type="datetimeFigureOut">
               <a:rPr lang="ko-KR" altLang="en-US" smtClean="0"/>
-              <a:t>2018-11-06</a:t>
+              <a:t>2018-11-15</a:t>
             </a:fld>
             <a:endParaRPr lang="ko-KR" altLang="en-US"/>
           </a:p>
@@ -3677,11 +3677,7 @@
             </a:r>
             <a:r>
               <a:rPr lang="en-US" altLang="ko-KR" sz="3200" dirty="0" smtClean="0"/>
-              <a:t>. </a:t>
-            </a:r>
-            <a:r>
-              <a:rPr lang="en-US" altLang="ko-KR" sz="3200" dirty="0" smtClean="0"/>
-              <a:t>User Panel</a:t>
+              <a:t>. User Panel</a:t>
             </a:r>
             <a:endParaRPr lang="ko-KR" altLang="en-US" sz="3200" dirty="0"/>
           </a:p>
@@ -3852,10 +3848,6 @@
             <a:lstStyle/>
             <a:p>
               <a:pPr algn="ctr"/>
-              <a:r>
-                <a:rPr lang="en-US" altLang="ko-KR" dirty="0" err="1" smtClean="0"/>
-                <a:t>CardLayoutPanel</a:t>
-              </a:r>
               <a:endParaRPr lang="ko-KR" altLang="en-US" dirty="0"/>
             </a:p>
           </p:txBody>
@@ -4549,10 +4541,6 @@
             <a:lstStyle/>
             <a:p>
               <a:pPr algn="ctr"/>
-              <a:r>
-                <a:rPr lang="en-US" altLang="ko-KR" dirty="0" err="1" smtClean="0"/>
-                <a:t>CardLayoutPanel</a:t>
-              </a:r>
               <a:endParaRPr lang="ko-KR" altLang="en-US" dirty="0"/>
             </a:p>
           </p:txBody>
@@ -5246,10 +5234,6 @@
             <a:lstStyle/>
             <a:p>
               <a:pPr algn="ctr"/>
-              <a:r>
-                <a:rPr lang="en-US" altLang="ko-KR" dirty="0" err="1" smtClean="0"/>
-                <a:t>CardLayoutPanel</a:t>
-              </a:r>
               <a:endParaRPr lang="ko-KR" altLang="en-US" dirty="0"/>
             </a:p>
           </p:txBody>
@@ -6030,10 +6014,6 @@
             <a:lstStyle/>
             <a:p>
               <a:pPr algn="ctr"/>
-              <a:r>
-                <a:rPr lang="en-US" altLang="ko-KR" dirty="0" err="1" smtClean="0"/>
-                <a:t>CardLayoutPanel</a:t>
-              </a:r>
               <a:endParaRPr lang="ko-KR" altLang="en-US" dirty="0"/>
             </a:p>
           </p:txBody>
